--- a/Documentation/Class Presentations/Are We There Yet Progress Report 4.pptx
+++ b/Documentation/Class Presentations/Are We There Yet Progress Report 4.pptx
@@ -2,7 +2,7 @@
 <file path=ppt/presentation.xml><?xml version="1.0" encoding="utf-8"?>
 <p:presentation xmlns:a="http://schemas.openxmlformats.org/drawingml/2006/main" xmlns:r="http://schemas.openxmlformats.org/officeDocument/2006/relationships" xmlns:p="http://schemas.openxmlformats.org/presentationml/2006/main" saveSubsetFonts="1">
   <p:sldMasterIdLst>
-    <p:sldMasterId id="2147483684" r:id="rId1"/>
+    <p:sldMasterId id="2147483714" r:id="rId1"/>
   </p:sldMasterIdLst>
   <p:notesMasterIdLst>
     <p:notesMasterId r:id="rId8"/>
@@ -10,8 +10,8 @@
   <p:sldIdLst>
     <p:sldId id="256" r:id="rId2"/>
     <p:sldId id="257" r:id="rId3"/>
-    <p:sldId id="261" r:id="rId4"/>
-    <p:sldId id="258" r:id="rId5"/>
+    <p:sldId id="258" r:id="rId4"/>
+    <p:sldId id="261" r:id="rId5"/>
     <p:sldId id="259" r:id="rId6"/>
     <p:sldId id="260" r:id="rId7"/>
   </p:sldIdLst>
@@ -112,6 +112,22 @@
       </a:defRPr>
     </a:lvl9pPr>
   </p:defaultTextStyle>
+  <p:extLst>
+    <p:ext uri="{EFAFB233-063F-42B5-8137-9DF3F51BA10A}">
+      <p15:sldGuideLst xmlns:p15="http://schemas.microsoft.com/office/powerpoint/2012/main">
+        <p15:guide id="1" orient="horz" pos="2160">
+          <p15:clr>
+            <a:srgbClr val="A4A3A4"/>
+          </p15:clr>
+        </p15:guide>
+        <p15:guide id="2" pos="2880">
+          <p15:clr>
+            <a:srgbClr val="A4A3A4"/>
+          </p15:clr>
+        </p15:guide>
+      </p15:sldGuideLst>
+    </p:ext>
+  </p:extLst>
 </p:presentation>
 </file>
 
@@ -197,7 +213,7 @@
           <a:p>
             <a:fld id="{5100B550-8147-4EFB-BDDB-A2C6678EA078}" type="datetimeFigureOut">
               <a:rPr lang="en-US" smtClean="0"/>
-              <a:t>07-Oct-14</a:t>
+              <a:t>10/7/2014</a:t>
             </a:fld>
             <a:endParaRPr lang="en-US"/>
           </a:p>
@@ -466,7 +482,7 @@
 </file>
 
 <file path=ppt/slideLayouts/slideLayout1.xml><?xml version="1.0" encoding="utf-8"?>
-<p:sldLayout xmlns:a="http://schemas.openxmlformats.org/drawingml/2006/main" xmlns:r="http://schemas.openxmlformats.org/officeDocument/2006/relationships" xmlns:p="http://schemas.openxmlformats.org/presentationml/2006/main" showMasterSp="0" type="title" preserve="1">
+<p:sldLayout xmlns:a="http://schemas.openxmlformats.org/drawingml/2006/main" xmlns:r="http://schemas.openxmlformats.org/officeDocument/2006/relationships" xmlns:p="http://schemas.openxmlformats.org/presentationml/2006/main" type="title" preserve="1">
   <p:cSld name="Title Slide">
     <p:spTree>
       <p:nvGrpSpPr>
@@ -482,94 +498,35 @@
           <a:chExt cx="0" cy="0"/>
         </a:xfrm>
       </p:grpSpPr>
-      <p:pic>
-        <p:nvPicPr>
-          <p:cNvPr id="7" name="Picture 6" descr="horizon.png"/>
-          <p:cNvPicPr>
-            <a:picLocks noChangeAspect="1"/>
-          </p:cNvPicPr>
-          <p:nvPr/>
-        </p:nvPicPr>
-        <p:blipFill>
-          <a:blip r:embed="rId2" cstate="print"/>
-          <a:srcRect t="33333"/>
-          <a:stretch>
-            <a:fillRect/>
-          </a:stretch>
-        </p:blipFill>
+      <p:sp>
+        <p:nvSpPr>
+          <p:cNvPr id="2" name="Title 1"/>
+          <p:cNvSpPr>
+            <a:spLocks noGrp="1"/>
+          </p:cNvSpPr>
+          <p:nvPr>
+            <p:ph type="ctrTitle"/>
+          </p:nvPr>
+        </p:nvSpPr>
         <p:spPr>
           <a:xfrm>
-            <a:off x="0" y="0"/>
-            <a:ext cx="9144000" cy="4572000"/>
+            <a:off x="866442" y="1447801"/>
+            <a:ext cx="6620968" cy="3329581"/>
           </a:xfrm>
-          <a:prstGeom prst="rect">
-            <a:avLst/>
-          </a:prstGeom>
         </p:spPr>
-      </p:pic>
-      <p:sp>
-        <p:nvSpPr>
-          <p:cNvPr id="4" name="Date Placeholder 3"/>
-          <p:cNvSpPr>
-            <a:spLocks noGrp="1"/>
-          </p:cNvSpPr>
-          <p:nvPr>
-            <p:ph type="dt" sz="half" idx="10"/>
-          </p:nvPr>
-        </p:nvSpPr>
-        <p:spPr/>
-        <p:txBody>
-          <a:bodyPr/>
-          <a:lstStyle/>
-          <a:p>
-            <a:fld id="{CB9F1CF6-725C-498E-90E8-68E51A92BA47}" type="datetime1">
-              <a:rPr lang="en-US" smtClean="0"/>
-              <a:t>07-Oct-14</a:t>
-            </a:fld>
-            <a:endParaRPr lang="en-US"/>
-          </a:p>
-        </p:txBody>
-      </p:sp>
-      <p:sp>
-        <p:nvSpPr>
-          <p:cNvPr id="5" name="Footer Placeholder 4"/>
-          <p:cNvSpPr>
-            <a:spLocks noGrp="1"/>
-          </p:cNvSpPr>
-          <p:nvPr>
-            <p:ph type="ftr" sz="quarter" idx="11"/>
-          </p:nvPr>
-        </p:nvSpPr>
-        <p:spPr/>
-        <p:txBody>
-          <a:bodyPr/>
-          <a:lstStyle/>
-          <a:p>
-            <a:endParaRPr lang="en-US"/>
-          </a:p>
-        </p:txBody>
-      </p:sp>
-      <p:sp>
-        <p:nvSpPr>
-          <p:cNvPr id="6" name="Slide Number Placeholder 5"/>
-          <p:cNvSpPr>
-            <a:spLocks noGrp="1"/>
-          </p:cNvSpPr>
-          <p:nvPr>
-            <p:ph type="sldNum" sz="quarter" idx="12"/>
-          </p:nvPr>
-        </p:nvSpPr>
-        <p:spPr/>
-        <p:txBody>
-          <a:bodyPr/>
-          <a:lstStyle/>
-          <a:p>
-            <a:fld id="{B6F15528-21DE-4FAA-801E-634DDDAF4B2B}" type="slidenum">
-              <a:rPr lang="en-US" smtClean="0"/>
-              <a:pPr/>
-              <a:t>‹#›</a:t>
-            </a:fld>
-            <a:endParaRPr lang="en-US"/>
+        <p:txBody>
+          <a:bodyPr anchor="b"/>
+          <a:lstStyle>
+            <a:lvl1pPr>
+              <a:defRPr sz="7200"/>
+            </a:lvl1pPr>
+          </a:lstStyle>
+          <a:p>
+            <a:r>
+              <a:rPr lang="en-US" smtClean="0"/>
+              <a:t>Click to edit Master title style</a:t>
+            </a:r>
+            <a:endParaRPr lang="en-US" dirty="0"/>
           </a:p>
         </p:txBody>
       </p:sp>
@@ -585,20 +542,18 @@
         </p:nvSpPr>
         <p:spPr>
           <a:xfrm>
-            <a:off x="1219200" y="3886200"/>
-            <a:ext cx="6400800" cy="1752600"/>
+            <a:off x="866442" y="4777380"/>
+            <a:ext cx="6620968" cy="861420"/>
           </a:xfrm>
         </p:spPr>
         <p:txBody>
-          <a:bodyPr>
-            <a:normAutofit/>
-          </a:bodyPr>
+          <a:bodyPr anchor="t"/>
           <a:lstStyle>
-            <a:lvl1pPr marL="0" indent="0" algn="ctr">
-              <a:buNone/>
-              <a:defRPr sz="1700" baseline="0">
+            <a:lvl1pPr marL="0" indent="0" algn="l">
+              <a:buNone/>
+              <a:defRPr cap="all">
                 <a:solidFill>
-                  <a:schemeClr val="tx2"/>
+                  <a:schemeClr val="accent1"/>
                 </a:solidFill>
               </a:defRPr>
             </a:lvl1pPr>
@@ -694,37 +649,76 @@
       </p:sp>
       <p:sp>
         <p:nvSpPr>
-          <p:cNvPr id="2" name="Title 1"/>
-          <p:cNvSpPr>
-            <a:spLocks noGrp="1"/>
-          </p:cNvSpPr>
-          <p:nvPr>
-            <p:ph type="ctrTitle"/>
-          </p:nvPr>
-        </p:nvSpPr>
-        <p:spPr>
-          <a:xfrm>
-            <a:off x="685800" y="2007888"/>
-            <a:ext cx="7772400" cy="1470025"/>
-          </a:xfrm>
-        </p:spPr>
-        <p:txBody>
-          <a:bodyPr/>
-          <a:lstStyle>
-            <a:lvl1pPr algn="ctr">
-              <a:defRPr sz="3200"/>
-            </a:lvl1pPr>
-          </a:lstStyle>
-          <a:p>
-            <a:r>
-              <a:rPr lang="en-US" smtClean="0"/>
-              <a:t>Click to edit Master title style</a:t>
-            </a:r>
-            <a:endParaRPr lang="en-US" dirty="0"/>
+          <p:cNvPr id="4" name="Date Placeholder 3"/>
+          <p:cNvSpPr>
+            <a:spLocks noGrp="1"/>
+          </p:cNvSpPr>
+          <p:nvPr>
+            <p:ph type="dt" sz="half" idx="10"/>
+          </p:nvPr>
+        </p:nvSpPr>
+        <p:spPr/>
+        <p:txBody>
+          <a:bodyPr/>
+          <a:lstStyle/>
+          <a:p>
+            <a:fld id="{CB9F1CF6-725C-498E-90E8-68E51A92BA47}" type="datetime1">
+              <a:rPr lang="en-US" smtClean="0"/>
+              <a:t>10/7/2014</a:t>
+            </a:fld>
+            <a:endParaRPr lang="en-US"/>
+          </a:p>
+        </p:txBody>
+      </p:sp>
+      <p:sp>
+        <p:nvSpPr>
+          <p:cNvPr id="5" name="Footer Placeholder 4"/>
+          <p:cNvSpPr>
+            <a:spLocks noGrp="1"/>
+          </p:cNvSpPr>
+          <p:nvPr>
+            <p:ph type="ftr" sz="quarter" idx="11"/>
+          </p:nvPr>
+        </p:nvSpPr>
+        <p:spPr/>
+        <p:txBody>
+          <a:bodyPr/>
+          <a:lstStyle/>
+          <a:p>
+            <a:endParaRPr lang="en-US"/>
+          </a:p>
+        </p:txBody>
+      </p:sp>
+      <p:sp>
+        <p:nvSpPr>
+          <p:cNvPr id="6" name="Slide Number Placeholder 5"/>
+          <p:cNvSpPr>
+            <a:spLocks noGrp="1"/>
+          </p:cNvSpPr>
+          <p:nvPr>
+            <p:ph type="sldNum" sz="quarter" idx="12"/>
+          </p:nvPr>
+        </p:nvSpPr>
+        <p:spPr/>
+        <p:txBody>
+          <a:bodyPr/>
+          <a:lstStyle/>
+          <a:p>
+            <a:fld id="{B6F15528-21DE-4FAA-801E-634DDDAF4B2B}" type="slidenum">
+              <a:rPr lang="en-US" smtClean="0"/>
+              <a:pPr/>
+              <a:t>‹#›</a:t>
+            </a:fld>
+            <a:endParaRPr lang="en-US"/>
           </a:p>
         </p:txBody>
       </p:sp>
     </p:spTree>
+    <p:extLst>
+      <p:ext uri="{BB962C8B-B14F-4D97-AF65-F5344CB8AC3E}">
+        <p14:creationId xmlns:p14="http://schemas.microsoft.com/office/powerpoint/2010/main" val="2151802487"/>
+      </p:ext>
+    </p:extLst>
   </p:cSld>
   <p:clrMapOvr>
     <a:masterClrMapping/>
@@ -733,6 +727,2544 @@
 </file>
 
 <file path=ppt/slideLayouts/slideLayout10.xml><?xml version="1.0" encoding="utf-8"?>
+<p:sldLayout xmlns:a="http://schemas.openxmlformats.org/drawingml/2006/main" xmlns:r="http://schemas.openxmlformats.org/officeDocument/2006/relationships" xmlns:p="http://schemas.openxmlformats.org/presentationml/2006/main" preserve="1">
+  <p:cSld name="Panoramic Picture with Caption">
+    <p:spTree>
+      <p:nvGrpSpPr>
+        <p:cNvPr id="1" name=""/>
+        <p:cNvGrpSpPr/>
+        <p:nvPr/>
+      </p:nvGrpSpPr>
+      <p:grpSpPr>
+        <a:xfrm>
+          <a:off x="0" y="0"/>
+          <a:ext cx="0" cy="0"/>
+          <a:chOff x="0" y="0"/>
+          <a:chExt cx="0" cy="0"/>
+        </a:xfrm>
+      </p:grpSpPr>
+      <p:sp>
+        <p:nvSpPr>
+          <p:cNvPr id="2" name="Title 1"/>
+          <p:cNvSpPr>
+            <a:spLocks noGrp="1"/>
+          </p:cNvSpPr>
+          <p:nvPr>
+            <p:ph type="title"/>
+          </p:nvPr>
+        </p:nvSpPr>
+        <p:spPr>
+          <a:xfrm>
+            <a:off x="866443" y="4800587"/>
+            <a:ext cx="6620967" cy="566738"/>
+          </a:xfrm>
+        </p:spPr>
+        <p:txBody>
+          <a:bodyPr anchor="b">
+            <a:normAutofit/>
+          </a:bodyPr>
+          <a:lstStyle>
+            <a:lvl1pPr algn="l">
+              <a:defRPr sz="2400" b="0"/>
+            </a:lvl1pPr>
+          </a:lstStyle>
+          <a:p>
+            <a:r>
+              <a:rPr lang="en-US" smtClean="0"/>
+              <a:t>Click to edit Master title style</a:t>
+            </a:r>
+            <a:endParaRPr lang="en-US" dirty="0"/>
+          </a:p>
+        </p:txBody>
+      </p:sp>
+      <p:sp>
+        <p:nvSpPr>
+          <p:cNvPr id="3" name="Picture Placeholder 2"/>
+          <p:cNvSpPr>
+            <a:spLocks noGrp="1" noChangeAspect="1"/>
+          </p:cNvSpPr>
+          <p:nvPr>
+            <p:ph type="pic" idx="1"/>
+          </p:nvPr>
+        </p:nvSpPr>
+        <p:spPr>
+          <a:xfrm>
+            <a:off x="866442" y="685800"/>
+            <a:ext cx="6620968" cy="3640666"/>
+          </a:xfrm>
+          <a:prstGeom prst="roundRect">
+            <a:avLst>
+              <a:gd name="adj" fmla="val 1858"/>
+            </a:avLst>
+          </a:prstGeom>
+          <a:effectLst>
+            <a:outerShdw blurRad="50800" dist="50800" dir="5400000" algn="tl" rotWithShape="0">
+              <a:srgbClr val="000000">
+                <a:alpha val="43000"/>
+              </a:srgbClr>
+            </a:outerShdw>
+          </a:effectLst>
+        </p:spPr>
+        <p:txBody>
+          <a:bodyPr anchor="t">
+            <a:normAutofit/>
+          </a:bodyPr>
+          <a:lstStyle>
+            <a:lvl1pPr marL="0" indent="0" algn="ctr">
+              <a:buNone/>
+              <a:defRPr sz="1600"/>
+            </a:lvl1pPr>
+            <a:lvl2pPr marL="457200" indent="0">
+              <a:buNone/>
+              <a:defRPr sz="1600"/>
+            </a:lvl2pPr>
+            <a:lvl3pPr marL="914400" indent="0">
+              <a:buNone/>
+              <a:defRPr sz="1600"/>
+            </a:lvl3pPr>
+            <a:lvl4pPr marL="1371600" indent="0">
+              <a:buNone/>
+              <a:defRPr sz="1600"/>
+            </a:lvl4pPr>
+            <a:lvl5pPr marL="1828800" indent="0">
+              <a:buNone/>
+              <a:defRPr sz="1600"/>
+            </a:lvl5pPr>
+            <a:lvl6pPr marL="2286000" indent="0">
+              <a:buNone/>
+              <a:defRPr sz="1600"/>
+            </a:lvl6pPr>
+            <a:lvl7pPr marL="2743200" indent="0">
+              <a:buNone/>
+              <a:defRPr sz="1600"/>
+            </a:lvl7pPr>
+            <a:lvl8pPr marL="3200400" indent="0">
+              <a:buNone/>
+              <a:defRPr sz="1600"/>
+            </a:lvl8pPr>
+            <a:lvl9pPr marL="3657600" indent="0">
+              <a:buNone/>
+              <a:defRPr sz="1600"/>
+            </a:lvl9pPr>
+          </a:lstStyle>
+          <a:p>
+            <a:r>
+              <a:rPr lang="en-US" smtClean="0"/>
+              <a:t>Click icon to add picture</a:t>
+            </a:r>
+            <a:endParaRPr lang="en-US" dirty="0"/>
+          </a:p>
+        </p:txBody>
+      </p:sp>
+      <p:sp>
+        <p:nvSpPr>
+          <p:cNvPr id="4" name="Text Placeholder 3"/>
+          <p:cNvSpPr>
+            <a:spLocks noGrp="1"/>
+          </p:cNvSpPr>
+          <p:nvPr>
+            <p:ph type="body" sz="half" idx="2"/>
+          </p:nvPr>
+        </p:nvSpPr>
+        <p:spPr>
+          <a:xfrm>
+            <a:off x="866443" y="5367325"/>
+            <a:ext cx="6620966" cy="493712"/>
+          </a:xfrm>
+        </p:spPr>
+        <p:txBody>
+          <a:bodyPr>
+            <a:normAutofit/>
+          </a:bodyPr>
+          <a:lstStyle>
+            <a:lvl1pPr marL="0" indent="0">
+              <a:buNone/>
+              <a:defRPr sz="1200"/>
+            </a:lvl1pPr>
+            <a:lvl2pPr marL="457200" indent="0">
+              <a:buNone/>
+              <a:defRPr sz="1200"/>
+            </a:lvl2pPr>
+            <a:lvl3pPr marL="914400" indent="0">
+              <a:buNone/>
+              <a:defRPr sz="1000"/>
+            </a:lvl3pPr>
+            <a:lvl4pPr marL="1371600" indent="0">
+              <a:buNone/>
+              <a:defRPr sz="900"/>
+            </a:lvl4pPr>
+            <a:lvl5pPr marL="1828800" indent="0">
+              <a:buNone/>
+              <a:defRPr sz="900"/>
+            </a:lvl5pPr>
+            <a:lvl6pPr marL="2286000" indent="0">
+              <a:buNone/>
+              <a:defRPr sz="900"/>
+            </a:lvl6pPr>
+            <a:lvl7pPr marL="2743200" indent="0">
+              <a:buNone/>
+              <a:defRPr sz="900"/>
+            </a:lvl7pPr>
+            <a:lvl8pPr marL="3200400" indent="0">
+              <a:buNone/>
+              <a:defRPr sz="900"/>
+            </a:lvl8pPr>
+            <a:lvl9pPr marL="3657600" indent="0">
+              <a:buNone/>
+              <a:defRPr sz="900"/>
+            </a:lvl9pPr>
+          </a:lstStyle>
+          <a:p>
+            <a:pPr lvl="0"/>
+            <a:r>
+              <a:rPr lang="en-US" smtClean="0"/>
+              <a:t>Click to edit Master text styles</a:t>
+            </a:r>
+          </a:p>
+        </p:txBody>
+      </p:sp>
+      <p:sp>
+        <p:nvSpPr>
+          <p:cNvPr id="5" name="Date Placeholder 4"/>
+          <p:cNvSpPr>
+            <a:spLocks noGrp="1"/>
+          </p:cNvSpPr>
+          <p:nvPr>
+            <p:ph type="dt" sz="half" idx="10"/>
+          </p:nvPr>
+        </p:nvSpPr>
+        <p:spPr/>
+        <p:txBody>
+          <a:bodyPr/>
+          <a:lstStyle/>
+          <a:p>
+            <a:fld id="{76268ABB-1507-44DF-AF0F-F44BE571CFCA}" type="datetime1">
+              <a:rPr lang="en-US" smtClean="0"/>
+              <a:t>10/7/2014</a:t>
+            </a:fld>
+            <a:endParaRPr lang="en-US"/>
+          </a:p>
+        </p:txBody>
+      </p:sp>
+      <p:sp>
+        <p:nvSpPr>
+          <p:cNvPr id="6" name="Footer Placeholder 5"/>
+          <p:cNvSpPr>
+            <a:spLocks noGrp="1"/>
+          </p:cNvSpPr>
+          <p:nvPr>
+            <p:ph type="ftr" sz="quarter" idx="11"/>
+          </p:nvPr>
+        </p:nvSpPr>
+        <p:spPr/>
+        <p:txBody>
+          <a:bodyPr/>
+          <a:lstStyle/>
+          <a:p>
+            <a:endParaRPr lang="en-US"/>
+          </a:p>
+        </p:txBody>
+      </p:sp>
+      <p:sp>
+        <p:nvSpPr>
+          <p:cNvPr id="7" name="Slide Number Placeholder 6"/>
+          <p:cNvSpPr>
+            <a:spLocks noGrp="1"/>
+          </p:cNvSpPr>
+          <p:nvPr>
+            <p:ph type="sldNum" sz="quarter" idx="12"/>
+          </p:nvPr>
+        </p:nvSpPr>
+        <p:spPr/>
+        <p:txBody>
+          <a:bodyPr/>
+          <a:lstStyle/>
+          <a:p>
+            <a:fld id="{B6F15528-21DE-4FAA-801E-634DDDAF4B2B}" type="slidenum">
+              <a:rPr lang="en-US" smtClean="0"/>
+              <a:pPr/>
+              <a:t>‹#›</a:t>
+            </a:fld>
+            <a:endParaRPr lang="en-US"/>
+          </a:p>
+        </p:txBody>
+      </p:sp>
+    </p:spTree>
+    <p:extLst>
+      <p:ext uri="{BB962C8B-B14F-4D97-AF65-F5344CB8AC3E}">
+        <p14:creationId xmlns:p14="http://schemas.microsoft.com/office/powerpoint/2010/main" val="2525567499"/>
+      </p:ext>
+    </p:extLst>
+  </p:cSld>
+  <p:clrMapOvr>
+    <a:masterClrMapping/>
+  </p:clrMapOvr>
+  <p:hf hdr="0" ftr="0" dt="0"/>
+</p:sldLayout>
+</file>
+
+<file path=ppt/slideLayouts/slideLayout11.xml><?xml version="1.0" encoding="utf-8"?>
+<p:sldLayout xmlns:a="http://schemas.openxmlformats.org/drawingml/2006/main" xmlns:r="http://schemas.openxmlformats.org/officeDocument/2006/relationships" xmlns:p="http://schemas.openxmlformats.org/presentationml/2006/main" preserve="1">
+  <p:cSld name="Title and Caption">
+    <p:spTree>
+      <p:nvGrpSpPr>
+        <p:cNvPr id="1" name=""/>
+        <p:cNvGrpSpPr/>
+        <p:nvPr/>
+      </p:nvGrpSpPr>
+      <p:grpSpPr>
+        <a:xfrm>
+          <a:off x="0" y="0"/>
+          <a:ext cx="0" cy="0"/>
+          <a:chOff x="0" y="0"/>
+          <a:chExt cx="0" cy="0"/>
+        </a:xfrm>
+      </p:grpSpPr>
+      <p:sp>
+        <p:nvSpPr>
+          <p:cNvPr id="2" name="Title 1"/>
+          <p:cNvSpPr>
+            <a:spLocks noGrp="1"/>
+          </p:cNvSpPr>
+          <p:nvPr>
+            <p:ph type="title"/>
+          </p:nvPr>
+        </p:nvSpPr>
+        <p:spPr>
+          <a:xfrm>
+            <a:off x="866442" y="1447800"/>
+            <a:ext cx="6620968" cy="1981200"/>
+          </a:xfrm>
+        </p:spPr>
+        <p:txBody>
+          <a:bodyPr/>
+          <a:lstStyle>
+            <a:lvl1pPr>
+              <a:defRPr sz="4800"/>
+            </a:lvl1pPr>
+          </a:lstStyle>
+          <a:p>
+            <a:r>
+              <a:rPr lang="en-US" smtClean="0"/>
+              <a:t>Click to edit Master title style</a:t>
+            </a:r>
+            <a:endParaRPr lang="en-US" dirty="0"/>
+          </a:p>
+        </p:txBody>
+      </p:sp>
+      <p:sp>
+        <p:nvSpPr>
+          <p:cNvPr id="8" name="Text Placeholder 3"/>
+          <p:cNvSpPr>
+            <a:spLocks noGrp="1"/>
+          </p:cNvSpPr>
+          <p:nvPr>
+            <p:ph type="body" sz="half" idx="2"/>
+          </p:nvPr>
+        </p:nvSpPr>
+        <p:spPr>
+          <a:xfrm>
+            <a:off x="866442" y="3657600"/>
+            <a:ext cx="6620968" cy="2362200"/>
+          </a:xfrm>
+        </p:spPr>
+        <p:txBody>
+          <a:bodyPr anchor="ctr">
+            <a:normAutofit/>
+          </a:bodyPr>
+          <a:lstStyle>
+            <a:lvl1pPr marL="0" indent="0">
+              <a:buNone/>
+              <a:defRPr sz="1800"/>
+            </a:lvl1pPr>
+            <a:lvl2pPr marL="457200" indent="0">
+              <a:buNone/>
+              <a:defRPr sz="1200"/>
+            </a:lvl2pPr>
+            <a:lvl3pPr marL="914400" indent="0">
+              <a:buNone/>
+              <a:defRPr sz="1000"/>
+            </a:lvl3pPr>
+            <a:lvl4pPr marL="1371600" indent="0">
+              <a:buNone/>
+              <a:defRPr sz="900"/>
+            </a:lvl4pPr>
+            <a:lvl5pPr marL="1828800" indent="0">
+              <a:buNone/>
+              <a:defRPr sz="900"/>
+            </a:lvl5pPr>
+            <a:lvl6pPr marL="2286000" indent="0">
+              <a:buNone/>
+              <a:defRPr sz="900"/>
+            </a:lvl6pPr>
+            <a:lvl7pPr marL="2743200" indent="0">
+              <a:buNone/>
+              <a:defRPr sz="900"/>
+            </a:lvl7pPr>
+            <a:lvl8pPr marL="3200400" indent="0">
+              <a:buNone/>
+              <a:defRPr sz="900"/>
+            </a:lvl8pPr>
+            <a:lvl9pPr marL="3657600" indent="0">
+              <a:buNone/>
+              <a:defRPr sz="900"/>
+            </a:lvl9pPr>
+          </a:lstStyle>
+          <a:p>
+            <a:pPr lvl="0"/>
+            <a:r>
+              <a:rPr lang="en-US" smtClean="0"/>
+              <a:t>Click to edit Master text styles</a:t>
+            </a:r>
+          </a:p>
+        </p:txBody>
+      </p:sp>
+      <p:sp>
+        <p:nvSpPr>
+          <p:cNvPr id="4" name="Date Placeholder 3"/>
+          <p:cNvSpPr>
+            <a:spLocks noGrp="1"/>
+          </p:cNvSpPr>
+          <p:nvPr>
+            <p:ph type="dt" sz="half" idx="10"/>
+          </p:nvPr>
+        </p:nvSpPr>
+        <p:spPr/>
+        <p:txBody>
+          <a:bodyPr/>
+          <a:lstStyle/>
+          <a:p>
+            <a:fld id="{76268ABB-1507-44DF-AF0F-F44BE571CFCA}" type="datetime1">
+              <a:rPr lang="en-US" smtClean="0"/>
+              <a:t>10/7/2014</a:t>
+            </a:fld>
+            <a:endParaRPr lang="en-US"/>
+          </a:p>
+        </p:txBody>
+      </p:sp>
+      <p:sp>
+        <p:nvSpPr>
+          <p:cNvPr id="5" name="Footer Placeholder 4"/>
+          <p:cNvSpPr>
+            <a:spLocks noGrp="1"/>
+          </p:cNvSpPr>
+          <p:nvPr>
+            <p:ph type="ftr" sz="quarter" idx="11"/>
+          </p:nvPr>
+        </p:nvSpPr>
+        <p:spPr/>
+        <p:txBody>
+          <a:bodyPr/>
+          <a:lstStyle/>
+          <a:p>
+            <a:endParaRPr lang="en-US"/>
+          </a:p>
+        </p:txBody>
+      </p:sp>
+      <p:sp>
+        <p:nvSpPr>
+          <p:cNvPr id="6" name="Slide Number Placeholder 5"/>
+          <p:cNvSpPr>
+            <a:spLocks noGrp="1"/>
+          </p:cNvSpPr>
+          <p:nvPr>
+            <p:ph type="sldNum" sz="quarter" idx="12"/>
+          </p:nvPr>
+        </p:nvSpPr>
+        <p:spPr/>
+        <p:txBody>
+          <a:bodyPr/>
+          <a:lstStyle/>
+          <a:p>
+            <a:fld id="{B6F15528-21DE-4FAA-801E-634DDDAF4B2B}" type="slidenum">
+              <a:rPr lang="en-US" smtClean="0"/>
+              <a:pPr/>
+              <a:t>‹#›</a:t>
+            </a:fld>
+            <a:endParaRPr lang="en-US"/>
+          </a:p>
+        </p:txBody>
+      </p:sp>
+    </p:spTree>
+    <p:extLst>
+      <p:ext uri="{BB962C8B-B14F-4D97-AF65-F5344CB8AC3E}">
+        <p14:creationId xmlns:p14="http://schemas.microsoft.com/office/powerpoint/2010/main" val="2188361408"/>
+      </p:ext>
+    </p:extLst>
+  </p:cSld>
+  <p:clrMapOvr>
+    <a:masterClrMapping/>
+  </p:clrMapOvr>
+  <p:hf hdr="0" ftr="0" dt="0"/>
+</p:sldLayout>
+</file>
+
+<file path=ppt/slideLayouts/slideLayout12.xml><?xml version="1.0" encoding="utf-8"?>
+<p:sldLayout xmlns:a="http://schemas.openxmlformats.org/drawingml/2006/main" xmlns:r="http://schemas.openxmlformats.org/officeDocument/2006/relationships" xmlns:p="http://schemas.openxmlformats.org/presentationml/2006/main" preserve="1">
+  <p:cSld name="Quote with Caption">
+    <p:spTree>
+      <p:nvGrpSpPr>
+        <p:cNvPr id="1" name=""/>
+        <p:cNvGrpSpPr/>
+        <p:nvPr/>
+      </p:nvGrpSpPr>
+      <p:grpSpPr>
+        <a:xfrm>
+          <a:off x="0" y="0"/>
+          <a:ext cx="0" cy="0"/>
+          <a:chOff x="0" y="0"/>
+          <a:chExt cx="0" cy="0"/>
+        </a:xfrm>
+      </p:grpSpPr>
+      <p:sp>
+        <p:nvSpPr>
+          <p:cNvPr id="2" name="Title 1"/>
+          <p:cNvSpPr>
+            <a:spLocks noGrp="1"/>
+          </p:cNvSpPr>
+          <p:nvPr>
+            <p:ph type="title"/>
+          </p:nvPr>
+        </p:nvSpPr>
+        <p:spPr>
+          <a:xfrm>
+            <a:off x="1181409" y="1447800"/>
+            <a:ext cx="6001049" cy="2317649"/>
+          </a:xfrm>
+        </p:spPr>
+        <p:txBody>
+          <a:bodyPr/>
+          <a:lstStyle>
+            <a:lvl1pPr>
+              <a:defRPr sz="4800"/>
+            </a:lvl1pPr>
+          </a:lstStyle>
+          <a:p>
+            <a:r>
+              <a:rPr lang="en-US" smtClean="0"/>
+              <a:t>Click to edit Master title style</a:t>
+            </a:r>
+            <a:endParaRPr lang="en-US" dirty="0"/>
+          </a:p>
+        </p:txBody>
+      </p:sp>
+      <p:sp>
+        <p:nvSpPr>
+          <p:cNvPr id="14" name="Text Placeholder 3"/>
+          <p:cNvSpPr>
+            <a:spLocks noGrp="1"/>
+          </p:cNvSpPr>
+          <p:nvPr>
+            <p:ph type="body" sz="half" idx="13"/>
+          </p:nvPr>
+        </p:nvSpPr>
+        <p:spPr>
+          <a:xfrm>
+            <a:off x="1454530" y="3765449"/>
+            <a:ext cx="5449871" cy="342174"/>
+          </a:xfrm>
+        </p:spPr>
+        <p:txBody>
+          <a:bodyPr anchor="t">
+            <a:normAutofit/>
+          </a:bodyPr>
+          <a:lstStyle>
+            <a:lvl1pPr marL="0" indent="0">
+              <a:buNone/>
+              <a:defRPr lang="en-US" sz="1400" b="0" i="0" kern="1200" cap="small" dirty="0">
+                <a:solidFill>
+                  <a:schemeClr val="accent1"/>
+                </a:solidFill>
+                <a:latin typeface="+mj-lt"/>
+                <a:ea typeface="+mj-ea"/>
+                <a:cs typeface="+mj-cs"/>
+              </a:defRPr>
+            </a:lvl1pPr>
+            <a:lvl2pPr marL="457200" indent="0">
+              <a:buNone/>
+              <a:defRPr sz="1200"/>
+            </a:lvl2pPr>
+            <a:lvl3pPr marL="914400" indent="0">
+              <a:buNone/>
+              <a:defRPr sz="1000"/>
+            </a:lvl3pPr>
+            <a:lvl4pPr marL="1371600" indent="0">
+              <a:buNone/>
+              <a:defRPr sz="900"/>
+            </a:lvl4pPr>
+            <a:lvl5pPr marL="1828800" indent="0">
+              <a:buNone/>
+              <a:defRPr sz="900"/>
+            </a:lvl5pPr>
+            <a:lvl6pPr marL="2286000" indent="0">
+              <a:buNone/>
+              <a:defRPr sz="900"/>
+            </a:lvl6pPr>
+            <a:lvl7pPr marL="2743200" indent="0">
+              <a:buNone/>
+              <a:defRPr sz="900"/>
+            </a:lvl7pPr>
+            <a:lvl8pPr marL="3200400" indent="0">
+              <a:buNone/>
+              <a:defRPr sz="900"/>
+            </a:lvl8pPr>
+            <a:lvl9pPr marL="3657600" indent="0">
+              <a:buNone/>
+              <a:defRPr sz="900"/>
+            </a:lvl9pPr>
+          </a:lstStyle>
+          <a:p>
+            <a:pPr lvl="0"/>
+            <a:r>
+              <a:rPr lang="en-US" smtClean="0"/>
+              <a:t>Click to edit Master text styles</a:t>
+            </a:r>
+          </a:p>
+        </p:txBody>
+      </p:sp>
+      <p:sp>
+        <p:nvSpPr>
+          <p:cNvPr id="10" name="Text Placeholder 3"/>
+          <p:cNvSpPr>
+            <a:spLocks noGrp="1"/>
+          </p:cNvSpPr>
+          <p:nvPr>
+            <p:ph type="body" sz="half" idx="2"/>
+          </p:nvPr>
+        </p:nvSpPr>
+        <p:spPr>
+          <a:xfrm>
+            <a:off x="866442" y="4350657"/>
+            <a:ext cx="6620968" cy="1676400"/>
+          </a:xfrm>
+        </p:spPr>
+        <p:txBody>
+          <a:bodyPr anchor="ctr">
+            <a:normAutofit/>
+          </a:bodyPr>
+          <a:lstStyle>
+            <a:lvl1pPr marL="0" indent="0">
+              <a:buNone/>
+              <a:defRPr sz="1800"/>
+            </a:lvl1pPr>
+            <a:lvl2pPr marL="457200" indent="0">
+              <a:buNone/>
+              <a:defRPr sz="1200"/>
+            </a:lvl2pPr>
+            <a:lvl3pPr marL="914400" indent="0">
+              <a:buNone/>
+              <a:defRPr sz="1000"/>
+            </a:lvl3pPr>
+            <a:lvl4pPr marL="1371600" indent="0">
+              <a:buNone/>
+              <a:defRPr sz="900"/>
+            </a:lvl4pPr>
+            <a:lvl5pPr marL="1828800" indent="0">
+              <a:buNone/>
+              <a:defRPr sz="900"/>
+            </a:lvl5pPr>
+            <a:lvl6pPr marL="2286000" indent="0">
+              <a:buNone/>
+              <a:defRPr sz="900"/>
+            </a:lvl6pPr>
+            <a:lvl7pPr marL="2743200" indent="0">
+              <a:buNone/>
+              <a:defRPr sz="900"/>
+            </a:lvl7pPr>
+            <a:lvl8pPr marL="3200400" indent="0">
+              <a:buNone/>
+              <a:defRPr sz="900"/>
+            </a:lvl8pPr>
+            <a:lvl9pPr marL="3657600" indent="0">
+              <a:buNone/>
+              <a:defRPr sz="900"/>
+            </a:lvl9pPr>
+          </a:lstStyle>
+          <a:p>
+            <a:pPr lvl="0"/>
+            <a:r>
+              <a:rPr lang="en-US" smtClean="0"/>
+              <a:t>Click to edit Master text styles</a:t>
+            </a:r>
+          </a:p>
+        </p:txBody>
+      </p:sp>
+      <p:sp>
+        <p:nvSpPr>
+          <p:cNvPr id="4" name="Date Placeholder 3"/>
+          <p:cNvSpPr>
+            <a:spLocks noGrp="1"/>
+          </p:cNvSpPr>
+          <p:nvPr>
+            <p:ph type="dt" sz="half" idx="10"/>
+          </p:nvPr>
+        </p:nvSpPr>
+        <p:spPr/>
+        <p:txBody>
+          <a:bodyPr/>
+          <a:lstStyle/>
+          <a:p>
+            <a:fld id="{76268ABB-1507-44DF-AF0F-F44BE571CFCA}" type="datetime1">
+              <a:rPr lang="en-US" smtClean="0"/>
+              <a:t>10/7/2014</a:t>
+            </a:fld>
+            <a:endParaRPr lang="en-US"/>
+          </a:p>
+        </p:txBody>
+      </p:sp>
+      <p:sp>
+        <p:nvSpPr>
+          <p:cNvPr id="5" name="Footer Placeholder 4"/>
+          <p:cNvSpPr>
+            <a:spLocks noGrp="1"/>
+          </p:cNvSpPr>
+          <p:nvPr>
+            <p:ph type="ftr" sz="quarter" idx="11"/>
+          </p:nvPr>
+        </p:nvSpPr>
+        <p:spPr/>
+        <p:txBody>
+          <a:bodyPr/>
+          <a:lstStyle/>
+          <a:p>
+            <a:endParaRPr lang="en-US"/>
+          </a:p>
+        </p:txBody>
+      </p:sp>
+      <p:sp>
+        <p:nvSpPr>
+          <p:cNvPr id="6" name="Slide Number Placeholder 5"/>
+          <p:cNvSpPr>
+            <a:spLocks noGrp="1"/>
+          </p:cNvSpPr>
+          <p:nvPr>
+            <p:ph type="sldNum" sz="quarter" idx="12"/>
+          </p:nvPr>
+        </p:nvSpPr>
+        <p:spPr/>
+        <p:txBody>
+          <a:bodyPr/>
+          <a:lstStyle/>
+          <a:p>
+            <a:fld id="{B6F15528-21DE-4FAA-801E-634DDDAF4B2B}" type="slidenum">
+              <a:rPr lang="en-US" smtClean="0"/>
+              <a:pPr/>
+              <a:t>‹#›</a:t>
+            </a:fld>
+            <a:endParaRPr lang="en-US"/>
+          </a:p>
+        </p:txBody>
+      </p:sp>
+      <p:sp>
+        <p:nvSpPr>
+          <p:cNvPr id="9" name="TextBox 8"/>
+          <p:cNvSpPr txBox="1"/>
+          <p:nvPr/>
+        </p:nvSpPr>
+        <p:spPr>
+          <a:xfrm>
+            <a:off x="673897" y="971253"/>
+            <a:ext cx="601591" cy="1969770"/>
+          </a:xfrm>
+          <a:prstGeom prst="rect">
+            <a:avLst/>
+          </a:prstGeom>
+          <a:noFill/>
+        </p:spPr>
+        <p:txBody>
+          <a:bodyPr wrap="square" rtlCol="0">
+            <a:spAutoFit/>
+          </a:bodyPr>
+          <a:lstStyle>
+            <a:defPPr>
+              <a:defRPr lang="en-US"/>
+            </a:defPPr>
+            <a:lvl1pPr algn="r">
+              <a:defRPr sz="12200" b="0" i="0">
+                <a:solidFill>
+                  <a:schemeClr val="accent1"/>
+                </a:solidFill>
+                <a:latin typeface="Arial"/>
+                <a:ea typeface="+mj-ea"/>
+                <a:cs typeface="+mj-cs"/>
+              </a:defRPr>
+            </a:lvl1pPr>
+          </a:lstStyle>
+          <a:p>
+            <a:pPr lvl="0"/>
+            <a:r>
+              <a:rPr lang="en-US" sz="12200" dirty="0"/>
+              <a:t>“</a:t>
+            </a:r>
+          </a:p>
+        </p:txBody>
+      </p:sp>
+      <p:sp>
+        <p:nvSpPr>
+          <p:cNvPr id="13" name="TextBox 12"/>
+          <p:cNvSpPr txBox="1"/>
+          <p:nvPr/>
+        </p:nvSpPr>
+        <p:spPr>
+          <a:xfrm>
+            <a:off x="6999690" y="2613787"/>
+            <a:ext cx="601591" cy="1969770"/>
+          </a:xfrm>
+          <a:prstGeom prst="rect">
+            <a:avLst/>
+          </a:prstGeom>
+          <a:noFill/>
+        </p:spPr>
+        <p:txBody>
+          <a:bodyPr wrap="square" rtlCol="0">
+            <a:spAutoFit/>
+          </a:bodyPr>
+          <a:lstStyle>
+            <a:defPPr>
+              <a:defRPr lang="en-US"/>
+            </a:defPPr>
+            <a:lvl1pPr algn="r">
+              <a:defRPr sz="12200" b="0" i="0">
+                <a:solidFill>
+                  <a:schemeClr val="accent1"/>
+                </a:solidFill>
+                <a:latin typeface="Arial"/>
+                <a:ea typeface="+mj-ea"/>
+                <a:cs typeface="+mj-cs"/>
+              </a:defRPr>
+            </a:lvl1pPr>
+          </a:lstStyle>
+          <a:p>
+            <a:pPr lvl="0"/>
+            <a:r>
+              <a:rPr lang="en-US" sz="12200" dirty="0"/>
+              <a:t>”</a:t>
+            </a:r>
+          </a:p>
+        </p:txBody>
+      </p:sp>
+    </p:spTree>
+    <p:extLst>
+      <p:ext uri="{BB962C8B-B14F-4D97-AF65-F5344CB8AC3E}">
+        <p14:creationId xmlns:p14="http://schemas.microsoft.com/office/powerpoint/2010/main" val="3551984009"/>
+      </p:ext>
+    </p:extLst>
+  </p:cSld>
+  <p:clrMapOvr>
+    <a:masterClrMapping/>
+  </p:clrMapOvr>
+  <p:hf hdr="0" ftr="0" dt="0"/>
+</p:sldLayout>
+</file>
+
+<file path=ppt/slideLayouts/slideLayout13.xml><?xml version="1.0" encoding="utf-8"?>
+<p:sldLayout xmlns:a="http://schemas.openxmlformats.org/drawingml/2006/main" xmlns:r="http://schemas.openxmlformats.org/officeDocument/2006/relationships" xmlns:p="http://schemas.openxmlformats.org/presentationml/2006/main" preserve="1">
+  <p:cSld name="Name Card">
+    <p:spTree>
+      <p:nvGrpSpPr>
+        <p:cNvPr id="1" name=""/>
+        <p:cNvGrpSpPr/>
+        <p:nvPr/>
+      </p:nvGrpSpPr>
+      <p:grpSpPr>
+        <a:xfrm>
+          <a:off x="0" y="0"/>
+          <a:ext cx="0" cy="0"/>
+          <a:chOff x="0" y="0"/>
+          <a:chExt cx="0" cy="0"/>
+        </a:xfrm>
+      </p:grpSpPr>
+      <p:sp>
+        <p:nvSpPr>
+          <p:cNvPr id="2" name="Title 1"/>
+          <p:cNvSpPr>
+            <a:spLocks noGrp="1"/>
+          </p:cNvSpPr>
+          <p:nvPr>
+            <p:ph type="title"/>
+          </p:nvPr>
+        </p:nvSpPr>
+        <p:spPr>
+          <a:xfrm>
+            <a:off x="866441" y="3124201"/>
+            <a:ext cx="6620969" cy="1653180"/>
+          </a:xfrm>
+        </p:spPr>
+        <p:txBody>
+          <a:bodyPr anchor="b"/>
+          <a:lstStyle>
+            <a:lvl1pPr algn="l">
+              <a:defRPr sz="4000" b="0" cap="none"/>
+            </a:lvl1pPr>
+          </a:lstStyle>
+          <a:p>
+            <a:r>
+              <a:rPr lang="en-US" smtClean="0"/>
+              <a:t>Click to edit Master title style</a:t>
+            </a:r>
+            <a:endParaRPr lang="en-US" dirty="0"/>
+          </a:p>
+        </p:txBody>
+      </p:sp>
+      <p:sp>
+        <p:nvSpPr>
+          <p:cNvPr id="3" name="Text Placeholder 2"/>
+          <p:cNvSpPr>
+            <a:spLocks noGrp="1"/>
+          </p:cNvSpPr>
+          <p:nvPr>
+            <p:ph type="body" idx="1"/>
+          </p:nvPr>
+        </p:nvSpPr>
+        <p:spPr>
+          <a:xfrm>
+            <a:off x="866442" y="4777381"/>
+            <a:ext cx="6620968" cy="860400"/>
+          </a:xfrm>
+        </p:spPr>
+        <p:txBody>
+          <a:bodyPr anchor="t"/>
+          <a:lstStyle>
+            <a:lvl1pPr marL="0" indent="0" algn="l">
+              <a:buNone/>
+              <a:defRPr sz="2000" cap="none">
+                <a:solidFill>
+                  <a:schemeClr val="accent1"/>
+                </a:solidFill>
+              </a:defRPr>
+            </a:lvl1pPr>
+            <a:lvl2pPr marL="457200" indent="0">
+              <a:buNone/>
+              <a:defRPr sz="1800">
+                <a:solidFill>
+                  <a:schemeClr val="tx1">
+                    <a:tint val="75000"/>
+                  </a:schemeClr>
+                </a:solidFill>
+              </a:defRPr>
+            </a:lvl2pPr>
+            <a:lvl3pPr marL="914400" indent="0">
+              <a:buNone/>
+              <a:defRPr sz="1600">
+                <a:solidFill>
+                  <a:schemeClr val="tx1">
+                    <a:tint val="75000"/>
+                  </a:schemeClr>
+                </a:solidFill>
+              </a:defRPr>
+            </a:lvl3pPr>
+            <a:lvl4pPr marL="1371600" indent="0">
+              <a:buNone/>
+              <a:defRPr sz="1400">
+                <a:solidFill>
+                  <a:schemeClr val="tx1">
+                    <a:tint val="75000"/>
+                  </a:schemeClr>
+                </a:solidFill>
+              </a:defRPr>
+            </a:lvl4pPr>
+            <a:lvl5pPr marL="1828800" indent="0">
+              <a:buNone/>
+              <a:defRPr sz="1400">
+                <a:solidFill>
+                  <a:schemeClr val="tx1">
+                    <a:tint val="75000"/>
+                  </a:schemeClr>
+                </a:solidFill>
+              </a:defRPr>
+            </a:lvl5pPr>
+            <a:lvl6pPr marL="2286000" indent="0">
+              <a:buNone/>
+              <a:defRPr sz="1400">
+                <a:solidFill>
+                  <a:schemeClr val="tx1">
+                    <a:tint val="75000"/>
+                  </a:schemeClr>
+                </a:solidFill>
+              </a:defRPr>
+            </a:lvl6pPr>
+            <a:lvl7pPr marL="2743200" indent="0">
+              <a:buNone/>
+              <a:defRPr sz="1400">
+                <a:solidFill>
+                  <a:schemeClr val="tx1">
+                    <a:tint val="75000"/>
+                  </a:schemeClr>
+                </a:solidFill>
+              </a:defRPr>
+            </a:lvl7pPr>
+            <a:lvl8pPr marL="3200400" indent="0">
+              <a:buNone/>
+              <a:defRPr sz="1400">
+                <a:solidFill>
+                  <a:schemeClr val="tx1">
+                    <a:tint val="75000"/>
+                  </a:schemeClr>
+                </a:solidFill>
+              </a:defRPr>
+            </a:lvl8pPr>
+            <a:lvl9pPr marL="3657600" indent="0">
+              <a:buNone/>
+              <a:defRPr sz="1400">
+                <a:solidFill>
+                  <a:schemeClr val="tx1">
+                    <a:tint val="75000"/>
+                  </a:schemeClr>
+                </a:solidFill>
+              </a:defRPr>
+            </a:lvl9pPr>
+          </a:lstStyle>
+          <a:p>
+            <a:pPr lvl="0"/>
+            <a:r>
+              <a:rPr lang="en-US" smtClean="0"/>
+              <a:t>Click to edit Master text styles</a:t>
+            </a:r>
+          </a:p>
+        </p:txBody>
+      </p:sp>
+      <p:sp>
+        <p:nvSpPr>
+          <p:cNvPr id="4" name="Date Placeholder 3"/>
+          <p:cNvSpPr>
+            <a:spLocks noGrp="1"/>
+          </p:cNvSpPr>
+          <p:nvPr>
+            <p:ph type="dt" sz="half" idx="10"/>
+          </p:nvPr>
+        </p:nvSpPr>
+        <p:spPr/>
+        <p:txBody>
+          <a:bodyPr/>
+          <a:lstStyle/>
+          <a:p>
+            <a:fld id="{76268ABB-1507-44DF-AF0F-F44BE571CFCA}" type="datetime1">
+              <a:rPr lang="en-US" smtClean="0"/>
+              <a:t>10/7/2014</a:t>
+            </a:fld>
+            <a:endParaRPr lang="en-US"/>
+          </a:p>
+        </p:txBody>
+      </p:sp>
+      <p:sp>
+        <p:nvSpPr>
+          <p:cNvPr id="5" name="Footer Placeholder 4"/>
+          <p:cNvSpPr>
+            <a:spLocks noGrp="1"/>
+          </p:cNvSpPr>
+          <p:nvPr>
+            <p:ph type="ftr" sz="quarter" idx="11"/>
+          </p:nvPr>
+        </p:nvSpPr>
+        <p:spPr/>
+        <p:txBody>
+          <a:bodyPr/>
+          <a:lstStyle/>
+          <a:p>
+            <a:endParaRPr lang="en-US"/>
+          </a:p>
+        </p:txBody>
+      </p:sp>
+      <p:sp>
+        <p:nvSpPr>
+          <p:cNvPr id="6" name="Slide Number Placeholder 5"/>
+          <p:cNvSpPr>
+            <a:spLocks noGrp="1"/>
+          </p:cNvSpPr>
+          <p:nvPr>
+            <p:ph type="sldNum" sz="quarter" idx="12"/>
+          </p:nvPr>
+        </p:nvSpPr>
+        <p:spPr/>
+        <p:txBody>
+          <a:bodyPr/>
+          <a:lstStyle/>
+          <a:p>
+            <a:fld id="{B6F15528-21DE-4FAA-801E-634DDDAF4B2B}" type="slidenum">
+              <a:rPr lang="en-US" smtClean="0"/>
+              <a:pPr/>
+              <a:t>‹#›</a:t>
+            </a:fld>
+            <a:endParaRPr lang="en-US"/>
+          </a:p>
+        </p:txBody>
+      </p:sp>
+    </p:spTree>
+    <p:extLst>
+      <p:ext uri="{BB962C8B-B14F-4D97-AF65-F5344CB8AC3E}">
+        <p14:creationId xmlns:p14="http://schemas.microsoft.com/office/powerpoint/2010/main" val="3213685171"/>
+      </p:ext>
+    </p:extLst>
+  </p:cSld>
+  <p:clrMapOvr>
+    <a:masterClrMapping/>
+  </p:clrMapOvr>
+  <p:hf hdr="0" ftr="0" dt="0"/>
+</p:sldLayout>
+</file>
+
+<file path=ppt/slideLayouts/slideLayout14.xml><?xml version="1.0" encoding="utf-8"?>
+<p:sldLayout xmlns:a="http://schemas.openxmlformats.org/drawingml/2006/main" xmlns:r="http://schemas.openxmlformats.org/officeDocument/2006/relationships" xmlns:p="http://schemas.openxmlformats.org/presentationml/2006/main" preserve="1">
+  <p:cSld name="3 Column">
+    <p:spTree>
+      <p:nvGrpSpPr>
+        <p:cNvPr id="1" name=""/>
+        <p:cNvGrpSpPr/>
+        <p:nvPr/>
+      </p:nvGrpSpPr>
+      <p:grpSpPr>
+        <a:xfrm>
+          <a:off x="0" y="0"/>
+          <a:ext cx="0" cy="0"/>
+          <a:chOff x="0" y="0"/>
+          <a:chExt cx="0" cy="0"/>
+        </a:xfrm>
+      </p:grpSpPr>
+      <p:sp>
+        <p:nvSpPr>
+          <p:cNvPr id="2" name="Title 1"/>
+          <p:cNvSpPr>
+            <a:spLocks noGrp="1"/>
+          </p:cNvSpPr>
+          <p:nvPr>
+            <p:ph type="title"/>
+          </p:nvPr>
+        </p:nvSpPr>
+        <p:spPr/>
+        <p:txBody>
+          <a:bodyPr/>
+          <a:lstStyle>
+            <a:lvl1pPr>
+              <a:defRPr sz="4200"/>
+            </a:lvl1pPr>
+          </a:lstStyle>
+          <a:p>
+            <a:r>
+              <a:rPr lang="en-US" smtClean="0"/>
+              <a:t>Click to edit Master title style</a:t>
+            </a:r>
+            <a:endParaRPr lang="en-US" dirty="0"/>
+          </a:p>
+        </p:txBody>
+      </p:sp>
+      <p:sp>
+        <p:nvSpPr>
+          <p:cNvPr id="3" name="Text Placeholder 2"/>
+          <p:cNvSpPr>
+            <a:spLocks noGrp="1"/>
+          </p:cNvSpPr>
+          <p:nvPr>
+            <p:ph type="body" idx="1"/>
+          </p:nvPr>
+        </p:nvSpPr>
+        <p:spPr>
+          <a:xfrm>
+            <a:off x="474834" y="1981200"/>
+            <a:ext cx="2210725" cy="576262"/>
+          </a:xfrm>
+        </p:spPr>
+        <p:txBody>
+          <a:bodyPr anchor="b">
+            <a:noAutofit/>
+          </a:bodyPr>
+          <a:lstStyle>
+            <a:lvl1pPr marL="0" indent="0">
+              <a:buNone/>
+              <a:defRPr sz="2400" b="0">
+                <a:solidFill>
+                  <a:schemeClr val="accent1"/>
+                </a:solidFill>
+              </a:defRPr>
+            </a:lvl1pPr>
+            <a:lvl2pPr marL="457200" indent="0">
+              <a:buNone/>
+              <a:defRPr sz="2000" b="1"/>
+            </a:lvl2pPr>
+            <a:lvl3pPr marL="914400" indent="0">
+              <a:buNone/>
+              <a:defRPr sz="1800" b="1"/>
+            </a:lvl3pPr>
+            <a:lvl4pPr marL="1371600" indent="0">
+              <a:buNone/>
+              <a:defRPr sz="1600" b="1"/>
+            </a:lvl4pPr>
+            <a:lvl5pPr marL="1828800" indent="0">
+              <a:buNone/>
+              <a:defRPr sz="1600" b="1"/>
+            </a:lvl5pPr>
+            <a:lvl6pPr marL="2286000" indent="0">
+              <a:buNone/>
+              <a:defRPr sz="1600" b="1"/>
+            </a:lvl6pPr>
+            <a:lvl7pPr marL="2743200" indent="0">
+              <a:buNone/>
+              <a:defRPr sz="1600" b="1"/>
+            </a:lvl7pPr>
+            <a:lvl8pPr marL="3200400" indent="0">
+              <a:buNone/>
+              <a:defRPr sz="1600" b="1"/>
+            </a:lvl8pPr>
+            <a:lvl9pPr marL="3657600" indent="0">
+              <a:buNone/>
+              <a:defRPr sz="1600" b="1"/>
+            </a:lvl9pPr>
+          </a:lstStyle>
+          <a:p>
+            <a:pPr lvl="0"/>
+            <a:r>
+              <a:rPr lang="en-US" smtClean="0"/>
+              <a:t>Click to edit Master text styles</a:t>
+            </a:r>
+          </a:p>
+        </p:txBody>
+      </p:sp>
+      <p:sp>
+        <p:nvSpPr>
+          <p:cNvPr id="16" name="Text Placeholder 3"/>
+          <p:cNvSpPr>
+            <a:spLocks noGrp="1"/>
+          </p:cNvSpPr>
+          <p:nvPr>
+            <p:ph type="body" sz="half" idx="15"/>
+          </p:nvPr>
+        </p:nvSpPr>
+        <p:spPr>
+          <a:xfrm>
+            <a:off x="489475" y="2667000"/>
+            <a:ext cx="2196084" cy="3589338"/>
+          </a:xfrm>
+        </p:spPr>
+        <p:txBody>
+          <a:bodyPr anchor="t">
+            <a:normAutofit/>
+          </a:bodyPr>
+          <a:lstStyle>
+            <a:lvl1pPr marL="0" indent="0">
+              <a:buNone/>
+              <a:defRPr sz="1400"/>
+            </a:lvl1pPr>
+            <a:lvl2pPr marL="457200" indent="0">
+              <a:buNone/>
+              <a:defRPr sz="1200"/>
+            </a:lvl2pPr>
+            <a:lvl3pPr marL="914400" indent="0">
+              <a:buNone/>
+              <a:defRPr sz="1000"/>
+            </a:lvl3pPr>
+            <a:lvl4pPr marL="1371600" indent="0">
+              <a:buNone/>
+              <a:defRPr sz="900"/>
+            </a:lvl4pPr>
+            <a:lvl5pPr marL="1828800" indent="0">
+              <a:buNone/>
+              <a:defRPr sz="900"/>
+            </a:lvl5pPr>
+            <a:lvl6pPr marL="2286000" indent="0">
+              <a:buNone/>
+              <a:defRPr sz="900"/>
+            </a:lvl6pPr>
+            <a:lvl7pPr marL="2743200" indent="0">
+              <a:buNone/>
+              <a:defRPr sz="900"/>
+            </a:lvl7pPr>
+            <a:lvl8pPr marL="3200400" indent="0">
+              <a:buNone/>
+              <a:defRPr sz="900"/>
+            </a:lvl8pPr>
+            <a:lvl9pPr marL="3657600" indent="0">
+              <a:buNone/>
+              <a:defRPr sz="900"/>
+            </a:lvl9pPr>
+          </a:lstStyle>
+          <a:p>
+            <a:pPr lvl="0"/>
+            <a:r>
+              <a:rPr lang="en-US" smtClean="0"/>
+              <a:t>Click to edit Master text styles</a:t>
+            </a:r>
+          </a:p>
+        </p:txBody>
+      </p:sp>
+      <p:sp>
+        <p:nvSpPr>
+          <p:cNvPr id="5" name="Text Placeholder 4"/>
+          <p:cNvSpPr>
+            <a:spLocks noGrp="1"/>
+          </p:cNvSpPr>
+          <p:nvPr>
+            <p:ph type="body" sz="quarter" idx="3"/>
+          </p:nvPr>
+        </p:nvSpPr>
+        <p:spPr>
+          <a:xfrm>
+            <a:off x="2913504" y="1981200"/>
+            <a:ext cx="2202754" cy="576262"/>
+          </a:xfrm>
+        </p:spPr>
+        <p:txBody>
+          <a:bodyPr anchor="b">
+            <a:noAutofit/>
+          </a:bodyPr>
+          <a:lstStyle>
+            <a:lvl1pPr marL="0" indent="0">
+              <a:buNone/>
+              <a:defRPr sz="2400" b="0">
+                <a:solidFill>
+                  <a:schemeClr val="accent1"/>
+                </a:solidFill>
+              </a:defRPr>
+            </a:lvl1pPr>
+            <a:lvl2pPr marL="457200" indent="0">
+              <a:buNone/>
+              <a:defRPr sz="2000" b="1"/>
+            </a:lvl2pPr>
+            <a:lvl3pPr marL="914400" indent="0">
+              <a:buNone/>
+              <a:defRPr sz="1800" b="1"/>
+            </a:lvl3pPr>
+            <a:lvl4pPr marL="1371600" indent="0">
+              <a:buNone/>
+              <a:defRPr sz="1600" b="1"/>
+            </a:lvl4pPr>
+            <a:lvl5pPr marL="1828800" indent="0">
+              <a:buNone/>
+              <a:defRPr sz="1600" b="1"/>
+            </a:lvl5pPr>
+            <a:lvl6pPr marL="2286000" indent="0">
+              <a:buNone/>
+              <a:defRPr sz="1600" b="1"/>
+            </a:lvl6pPr>
+            <a:lvl7pPr marL="2743200" indent="0">
+              <a:buNone/>
+              <a:defRPr sz="1600" b="1"/>
+            </a:lvl7pPr>
+            <a:lvl8pPr marL="3200400" indent="0">
+              <a:buNone/>
+              <a:defRPr sz="1600" b="1"/>
+            </a:lvl8pPr>
+            <a:lvl9pPr marL="3657600" indent="0">
+              <a:buNone/>
+              <a:defRPr sz="1600" b="1"/>
+            </a:lvl9pPr>
+          </a:lstStyle>
+          <a:p>
+            <a:pPr lvl="0"/>
+            <a:r>
+              <a:rPr lang="en-US" smtClean="0"/>
+              <a:t>Click to edit Master text styles</a:t>
+            </a:r>
+          </a:p>
+        </p:txBody>
+      </p:sp>
+      <p:sp>
+        <p:nvSpPr>
+          <p:cNvPr id="19" name="Text Placeholder 3"/>
+          <p:cNvSpPr>
+            <a:spLocks noGrp="1"/>
+          </p:cNvSpPr>
+          <p:nvPr>
+            <p:ph type="body" sz="half" idx="16"/>
+          </p:nvPr>
+        </p:nvSpPr>
+        <p:spPr>
+          <a:xfrm>
+            <a:off x="2905586" y="2667000"/>
+            <a:ext cx="2210671" cy="3589338"/>
+          </a:xfrm>
+        </p:spPr>
+        <p:txBody>
+          <a:bodyPr anchor="t">
+            <a:normAutofit/>
+          </a:bodyPr>
+          <a:lstStyle>
+            <a:lvl1pPr marL="0" indent="0">
+              <a:buNone/>
+              <a:defRPr sz="1400"/>
+            </a:lvl1pPr>
+            <a:lvl2pPr marL="457200" indent="0">
+              <a:buNone/>
+              <a:defRPr sz="1200"/>
+            </a:lvl2pPr>
+            <a:lvl3pPr marL="914400" indent="0">
+              <a:buNone/>
+              <a:defRPr sz="1000"/>
+            </a:lvl3pPr>
+            <a:lvl4pPr marL="1371600" indent="0">
+              <a:buNone/>
+              <a:defRPr sz="900"/>
+            </a:lvl4pPr>
+            <a:lvl5pPr marL="1828800" indent="0">
+              <a:buNone/>
+              <a:defRPr sz="900"/>
+            </a:lvl5pPr>
+            <a:lvl6pPr marL="2286000" indent="0">
+              <a:buNone/>
+              <a:defRPr sz="900"/>
+            </a:lvl6pPr>
+            <a:lvl7pPr marL="2743200" indent="0">
+              <a:buNone/>
+              <a:defRPr sz="900"/>
+            </a:lvl7pPr>
+            <a:lvl8pPr marL="3200400" indent="0">
+              <a:buNone/>
+              <a:defRPr sz="900"/>
+            </a:lvl8pPr>
+            <a:lvl9pPr marL="3657600" indent="0">
+              <a:buNone/>
+              <a:defRPr sz="900"/>
+            </a:lvl9pPr>
+          </a:lstStyle>
+          <a:p>
+            <a:pPr lvl="0"/>
+            <a:r>
+              <a:rPr lang="en-US" smtClean="0"/>
+              <a:t>Click to edit Master text styles</a:t>
+            </a:r>
+          </a:p>
+        </p:txBody>
+      </p:sp>
+      <p:sp>
+        <p:nvSpPr>
+          <p:cNvPr id="14" name="Text Placeholder 4"/>
+          <p:cNvSpPr>
+            <a:spLocks noGrp="1"/>
+          </p:cNvSpPr>
+          <p:nvPr>
+            <p:ph type="body" sz="quarter" idx="13"/>
+          </p:nvPr>
+        </p:nvSpPr>
+        <p:spPr>
+          <a:xfrm>
+            <a:off x="5344917" y="1981200"/>
+            <a:ext cx="2199658" cy="576262"/>
+          </a:xfrm>
+        </p:spPr>
+        <p:txBody>
+          <a:bodyPr anchor="b">
+            <a:noAutofit/>
+          </a:bodyPr>
+          <a:lstStyle>
+            <a:lvl1pPr marL="0" indent="0">
+              <a:buNone/>
+              <a:defRPr sz="2400" b="0">
+                <a:solidFill>
+                  <a:schemeClr val="accent1"/>
+                </a:solidFill>
+              </a:defRPr>
+            </a:lvl1pPr>
+            <a:lvl2pPr marL="457200" indent="0">
+              <a:buNone/>
+              <a:defRPr sz="2000" b="1"/>
+            </a:lvl2pPr>
+            <a:lvl3pPr marL="914400" indent="0">
+              <a:buNone/>
+              <a:defRPr sz="1800" b="1"/>
+            </a:lvl3pPr>
+            <a:lvl4pPr marL="1371600" indent="0">
+              <a:buNone/>
+              <a:defRPr sz="1600" b="1"/>
+            </a:lvl4pPr>
+            <a:lvl5pPr marL="1828800" indent="0">
+              <a:buNone/>
+              <a:defRPr sz="1600" b="1"/>
+            </a:lvl5pPr>
+            <a:lvl6pPr marL="2286000" indent="0">
+              <a:buNone/>
+              <a:defRPr sz="1600" b="1"/>
+            </a:lvl6pPr>
+            <a:lvl7pPr marL="2743200" indent="0">
+              <a:buNone/>
+              <a:defRPr sz="1600" b="1"/>
+            </a:lvl7pPr>
+            <a:lvl8pPr marL="3200400" indent="0">
+              <a:buNone/>
+              <a:defRPr sz="1600" b="1"/>
+            </a:lvl8pPr>
+            <a:lvl9pPr marL="3657600" indent="0">
+              <a:buNone/>
+              <a:defRPr sz="1600" b="1"/>
+            </a:lvl9pPr>
+          </a:lstStyle>
+          <a:p>
+            <a:pPr lvl="0"/>
+            <a:r>
+              <a:rPr lang="en-US" smtClean="0"/>
+              <a:t>Click to edit Master text styles</a:t>
+            </a:r>
+          </a:p>
+        </p:txBody>
+      </p:sp>
+      <p:sp>
+        <p:nvSpPr>
+          <p:cNvPr id="20" name="Text Placeholder 3"/>
+          <p:cNvSpPr>
+            <a:spLocks noGrp="1"/>
+          </p:cNvSpPr>
+          <p:nvPr>
+            <p:ph type="body" sz="half" idx="17"/>
+          </p:nvPr>
+        </p:nvSpPr>
+        <p:spPr>
+          <a:xfrm>
+            <a:off x="5344917" y="2667000"/>
+            <a:ext cx="2199658" cy="3589338"/>
+          </a:xfrm>
+        </p:spPr>
+        <p:txBody>
+          <a:bodyPr anchor="t">
+            <a:normAutofit/>
+          </a:bodyPr>
+          <a:lstStyle>
+            <a:lvl1pPr marL="0" indent="0">
+              <a:buNone/>
+              <a:defRPr sz="1400"/>
+            </a:lvl1pPr>
+            <a:lvl2pPr marL="457200" indent="0">
+              <a:buNone/>
+              <a:defRPr sz="1200"/>
+            </a:lvl2pPr>
+            <a:lvl3pPr marL="914400" indent="0">
+              <a:buNone/>
+              <a:defRPr sz="1000"/>
+            </a:lvl3pPr>
+            <a:lvl4pPr marL="1371600" indent="0">
+              <a:buNone/>
+              <a:defRPr sz="900"/>
+            </a:lvl4pPr>
+            <a:lvl5pPr marL="1828800" indent="0">
+              <a:buNone/>
+              <a:defRPr sz="900"/>
+            </a:lvl5pPr>
+            <a:lvl6pPr marL="2286000" indent="0">
+              <a:buNone/>
+              <a:defRPr sz="900"/>
+            </a:lvl6pPr>
+            <a:lvl7pPr marL="2743200" indent="0">
+              <a:buNone/>
+              <a:defRPr sz="900"/>
+            </a:lvl7pPr>
+            <a:lvl8pPr marL="3200400" indent="0">
+              <a:buNone/>
+              <a:defRPr sz="900"/>
+            </a:lvl8pPr>
+            <a:lvl9pPr marL="3657600" indent="0">
+              <a:buNone/>
+              <a:defRPr sz="900"/>
+            </a:lvl9pPr>
+          </a:lstStyle>
+          <a:p>
+            <a:pPr lvl="0"/>
+            <a:r>
+              <a:rPr lang="en-US" smtClean="0"/>
+              <a:t>Click to edit Master text styles</a:t>
+            </a:r>
+          </a:p>
+        </p:txBody>
+      </p:sp>
+      <p:cxnSp>
+        <p:nvCxnSpPr>
+          <p:cNvPr id="17" name="Straight Connector 16"/>
+          <p:cNvCxnSpPr/>
+          <p:nvPr/>
+        </p:nvCxnSpPr>
+        <p:spPr>
+          <a:xfrm>
+            <a:off x="2795334" y="2133600"/>
+            <a:ext cx="0" cy="3962400"/>
+          </a:xfrm>
+          <a:prstGeom prst="line">
+            <a:avLst/>
+          </a:prstGeom>
+          <a:ln w="12700" cmpd="sng">
+            <a:solidFill>
+              <a:schemeClr val="accent1">
+                <a:alpha val="40000"/>
+              </a:schemeClr>
+            </a:solidFill>
+          </a:ln>
+        </p:spPr>
+        <p:style>
+          <a:lnRef idx="2">
+            <a:schemeClr val="accent1"/>
+          </a:lnRef>
+          <a:fillRef idx="0">
+            <a:schemeClr val="accent1"/>
+          </a:fillRef>
+          <a:effectRef idx="1">
+            <a:schemeClr val="accent1"/>
+          </a:effectRef>
+          <a:fontRef idx="minor">
+            <a:schemeClr val="tx1"/>
+          </a:fontRef>
+        </p:style>
+      </p:cxnSp>
+      <p:cxnSp>
+        <p:nvCxnSpPr>
+          <p:cNvPr id="18" name="Straight Connector 17"/>
+          <p:cNvCxnSpPr/>
+          <p:nvPr/>
+        </p:nvCxnSpPr>
+        <p:spPr>
+          <a:xfrm>
+            <a:off x="5223030" y="2133600"/>
+            <a:ext cx="0" cy="3966882"/>
+          </a:xfrm>
+          <a:prstGeom prst="line">
+            <a:avLst/>
+          </a:prstGeom>
+          <a:ln w="12700" cmpd="sng">
+            <a:solidFill>
+              <a:schemeClr val="accent1">
+                <a:alpha val="40000"/>
+              </a:schemeClr>
+            </a:solidFill>
+          </a:ln>
+        </p:spPr>
+        <p:style>
+          <a:lnRef idx="2">
+            <a:schemeClr val="accent1"/>
+          </a:lnRef>
+          <a:fillRef idx="0">
+            <a:schemeClr val="accent1"/>
+          </a:fillRef>
+          <a:effectRef idx="1">
+            <a:schemeClr val="accent1"/>
+          </a:effectRef>
+          <a:fontRef idx="minor">
+            <a:schemeClr val="tx1"/>
+          </a:fontRef>
+        </p:style>
+      </p:cxnSp>
+      <p:sp>
+        <p:nvSpPr>
+          <p:cNvPr id="7" name="Date Placeholder 3"/>
+          <p:cNvSpPr>
+            <a:spLocks noGrp="1"/>
+          </p:cNvSpPr>
+          <p:nvPr>
+            <p:ph type="dt" sz="half" idx="10"/>
+          </p:nvPr>
+        </p:nvSpPr>
+        <p:spPr/>
+        <p:txBody>
+          <a:bodyPr/>
+          <a:lstStyle/>
+          <a:p>
+            <a:fld id="{76268ABB-1507-44DF-AF0F-F44BE571CFCA}" type="datetime1">
+              <a:rPr lang="en-US" smtClean="0"/>
+              <a:t>10/7/2014</a:t>
+            </a:fld>
+            <a:endParaRPr lang="en-US"/>
+          </a:p>
+        </p:txBody>
+      </p:sp>
+      <p:sp>
+        <p:nvSpPr>
+          <p:cNvPr id="4" name="Footer Placeholder 4"/>
+          <p:cNvSpPr>
+            <a:spLocks noGrp="1"/>
+          </p:cNvSpPr>
+          <p:nvPr>
+            <p:ph type="ftr" sz="quarter" idx="11"/>
+          </p:nvPr>
+        </p:nvSpPr>
+        <p:spPr/>
+        <p:txBody>
+          <a:bodyPr/>
+          <a:lstStyle/>
+          <a:p>
+            <a:endParaRPr lang="en-US"/>
+          </a:p>
+        </p:txBody>
+      </p:sp>
+      <p:sp>
+        <p:nvSpPr>
+          <p:cNvPr id="6" name="Slide Number Placeholder 5"/>
+          <p:cNvSpPr>
+            <a:spLocks noGrp="1"/>
+          </p:cNvSpPr>
+          <p:nvPr>
+            <p:ph type="sldNum" sz="quarter" idx="12"/>
+          </p:nvPr>
+        </p:nvSpPr>
+        <p:spPr/>
+        <p:txBody>
+          <a:bodyPr/>
+          <a:lstStyle/>
+          <a:p>
+            <a:fld id="{B6F15528-21DE-4FAA-801E-634DDDAF4B2B}" type="slidenum">
+              <a:rPr lang="en-US" smtClean="0"/>
+              <a:pPr/>
+              <a:t>‹#›</a:t>
+            </a:fld>
+            <a:endParaRPr lang="en-US"/>
+          </a:p>
+        </p:txBody>
+      </p:sp>
+    </p:spTree>
+    <p:extLst>
+      <p:ext uri="{BB962C8B-B14F-4D97-AF65-F5344CB8AC3E}">
+        <p14:creationId xmlns:p14="http://schemas.microsoft.com/office/powerpoint/2010/main" val="157745607"/>
+      </p:ext>
+    </p:extLst>
+  </p:cSld>
+  <p:clrMapOvr>
+    <a:masterClrMapping/>
+  </p:clrMapOvr>
+  <p:hf hdr="0" ftr="0" dt="0"/>
+</p:sldLayout>
+</file>
+
+<file path=ppt/slideLayouts/slideLayout15.xml><?xml version="1.0" encoding="utf-8"?>
+<p:sldLayout xmlns:a="http://schemas.openxmlformats.org/drawingml/2006/main" xmlns:r="http://schemas.openxmlformats.org/officeDocument/2006/relationships" xmlns:p="http://schemas.openxmlformats.org/presentationml/2006/main" preserve="1">
+  <p:cSld name="3 Picture Column">
+    <p:spTree>
+      <p:nvGrpSpPr>
+        <p:cNvPr id="1" name=""/>
+        <p:cNvGrpSpPr/>
+        <p:nvPr/>
+      </p:nvGrpSpPr>
+      <p:grpSpPr>
+        <a:xfrm>
+          <a:off x="0" y="0"/>
+          <a:ext cx="0" cy="0"/>
+          <a:chOff x="0" y="0"/>
+          <a:chExt cx="0" cy="0"/>
+        </a:xfrm>
+      </p:grpSpPr>
+      <p:sp>
+        <p:nvSpPr>
+          <p:cNvPr id="2" name="Title 1"/>
+          <p:cNvSpPr>
+            <a:spLocks noGrp="1"/>
+          </p:cNvSpPr>
+          <p:nvPr>
+            <p:ph type="title"/>
+          </p:nvPr>
+        </p:nvSpPr>
+        <p:spPr/>
+        <p:txBody>
+          <a:bodyPr/>
+          <a:lstStyle>
+            <a:lvl1pPr>
+              <a:defRPr sz="4200"/>
+            </a:lvl1pPr>
+          </a:lstStyle>
+          <a:p>
+            <a:r>
+              <a:rPr lang="en-US" smtClean="0"/>
+              <a:t>Click to edit Master title style</a:t>
+            </a:r>
+            <a:endParaRPr lang="en-US" dirty="0"/>
+          </a:p>
+        </p:txBody>
+      </p:sp>
+      <p:sp>
+        <p:nvSpPr>
+          <p:cNvPr id="3" name="Text Placeholder 2"/>
+          <p:cNvSpPr>
+            <a:spLocks noGrp="1"/>
+          </p:cNvSpPr>
+          <p:nvPr>
+            <p:ph type="body" idx="1"/>
+          </p:nvPr>
+        </p:nvSpPr>
+        <p:spPr>
+          <a:xfrm>
+            <a:off x="489475" y="4250949"/>
+            <a:ext cx="2205612" cy="576262"/>
+          </a:xfrm>
+        </p:spPr>
+        <p:txBody>
+          <a:bodyPr anchor="b">
+            <a:noAutofit/>
+          </a:bodyPr>
+          <a:lstStyle>
+            <a:lvl1pPr marL="0" indent="0">
+              <a:buNone/>
+              <a:defRPr sz="2400" b="0">
+                <a:solidFill>
+                  <a:schemeClr val="accent1"/>
+                </a:solidFill>
+              </a:defRPr>
+            </a:lvl1pPr>
+            <a:lvl2pPr marL="457200" indent="0">
+              <a:buNone/>
+              <a:defRPr sz="2000" b="1"/>
+            </a:lvl2pPr>
+            <a:lvl3pPr marL="914400" indent="0">
+              <a:buNone/>
+              <a:defRPr sz="1800" b="1"/>
+            </a:lvl3pPr>
+            <a:lvl4pPr marL="1371600" indent="0">
+              <a:buNone/>
+              <a:defRPr sz="1600" b="1"/>
+            </a:lvl4pPr>
+            <a:lvl5pPr marL="1828800" indent="0">
+              <a:buNone/>
+              <a:defRPr sz="1600" b="1"/>
+            </a:lvl5pPr>
+            <a:lvl6pPr marL="2286000" indent="0">
+              <a:buNone/>
+              <a:defRPr sz="1600" b="1"/>
+            </a:lvl6pPr>
+            <a:lvl7pPr marL="2743200" indent="0">
+              <a:buNone/>
+              <a:defRPr sz="1600" b="1"/>
+            </a:lvl7pPr>
+            <a:lvl8pPr marL="3200400" indent="0">
+              <a:buNone/>
+              <a:defRPr sz="1600" b="1"/>
+            </a:lvl8pPr>
+            <a:lvl9pPr marL="3657600" indent="0">
+              <a:buNone/>
+              <a:defRPr sz="1600" b="1"/>
+            </a:lvl9pPr>
+          </a:lstStyle>
+          <a:p>
+            <a:pPr lvl="0"/>
+            <a:r>
+              <a:rPr lang="en-US" smtClean="0"/>
+              <a:t>Click to edit Master text styles</a:t>
+            </a:r>
+          </a:p>
+        </p:txBody>
+      </p:sp>
+      <p:sp>
+        <p:nvSpPr>
+          <p:cNvPr id="29" name="Picture Placeholder 2"/>
+          <p:cNvSpPr>
+            <a:spLocks noGrp="1" noChangeAspect="1"/>
+          </p:cNvSpPr>
+          <p:nvPr>
+            <p:ph type="pic" idx="15"/>
+          </p:nvPr>
+        </p:nvSpPr>
+        <p:spPr>
+          <a:xfrm>
+            <a:off x="489475" y="2209800"/>
+            <a:ext cx="2205612" cy="1524000"/>
+          </a:xfrm>
+          <a:prstGeom prst="roundRect">
+            <a:avLst>
+              <a:gd name="adj" fmla="val 1858"/>
+            </a:avLst>
+          </a:prstGeom>
+          <a:effectLst>
+            <a:outerShdw blurRad="50800" dist="50800" dir="5400000" algn="tl" rotWithShape="0">
+              <a:srgbClr val="000000">
+                <a:alpha val="43000"/>
+              </a:srgbClr>
+            </a:outerShdw>
+          </a:effectLst>
+        </p:spPr>
+        <p:txBody>
+          <a:bodyPr anchor="t">
+            <a:normAutofit/>
+          </a:bodyPr>
+          <a:lstStyle>
+            <a:lvl1pPr marL="0" indent="0" algn="ctr">
+              <a:buNone/>
+              <a:defRPr sz="1600"/>
+            </a:lvl1pPr>
+            <a:lvl2pPr marL="457200" indent="0">
+              <a:buNone/>
+              <a:defRPr sz="1600"/>
+            </a:lvl2pPr>
+            <a:lvl3pPr marL="914400" indent="0">
+              <a:buNone/>
+              <a:defRPr sz="1600"/>
+            </a:lvl3pPr>
+            <a:lvl4pPr marL="1371600" indent="0">
+              <a:buNone/>
+              <a:defRPr sz="1600"/>
+            </a:lvl4pPr>
+            <a:lvl5pPr marL="1828800" indent="0">
+              <a:buNone/>
+              <a:defRPr sz="1600"/>
+            </a:lvl5pPr>
+            <a:lvl6pPr marL="2286000" indent="0">
+              <a:buNone/>
+              <a:defRPr sz="1600"/>
+            </a:lvl6pPr>
+            <a:lvl7pPr marL="2743200" indent="0">
+              <a:buNone/>
+              <a:defRPr sz="1600"/>
+            </a:lvl7pPr>
+            <a:lvl8pPr marL="3200400" indent="0">
+              <a:buNone/>
+              <a:defRPr sz="1600"/>
+            </a:lvl8pPr>
+            <a:lvl9pPr marL="3657600" indent="0">
+              <a:buNone/>
+              <a:defRPr sz="1600"/>
+            </a:lvl9pPr>
+          </a:lstStyle>
+          <a:p>
+            <a:r>
+              <a:rPr lang="en-US" smtClean="0"/>
+              <a:t>Click icon to add picture</a:t>
+            </a:r>
+            <a:endParaRPr lang="en-US" dirty="0"/>
+          </a:p>
+        </p:txBody>
+      </p:sp>
+      <p:sp>
+        <p:nvSpPr>
+          <p:cNvPr id="22" name="Text Placeholder 3"/>
+          <p:cNvSpPr>
+            <a:spLocks noGrp="1"/>
+          </p:cNvSpPr>
+          <p:nvPr>
+            <p:ph type="body" sz="half" idx="18"/>
+          </p:nvPr>
+        </p:nvSpPr>
+        <p:spPr>
+          <a:xfrm>
+            <a:off x="489475" y="4827212"/>
+            <a:ext cx="2205612" cy="659189"/>
+          </a:xfrm>
+        </p:spPr>
+        <p:txBody>
+          <a:bodyPr anchor="t">
+            <a:normAutofit/>
+          </a:bodyPr>
+          <a:lstStyle>
+            <a:lvl1pPr marL="0" indent="0">
+              <a:buNone/>
+              <a:defRPr sz="1400"/>
+            </a:lvl1pPr>
+            <a:lvl2pPr marL="457200" indent="0">
+              <a:buNone/>
+              <a:defRPr sz="1200"/>
+            </a:lvl2pPr>
+            <a:lvl3pPr marL="914400" indent="0">
+              <a:buNone/>
+              <a:defRPr sz="1000"/>
+            </a:lvl3pPr>
+            <a:lvl4pPr marL="1371600" indent="0">
+              <a:buNone/>
+              <a:defRPr sz="900"/>
+            </a:lvl4pPr>
+            <a:lvl5pPr marL="1828800" indent="0">
+              <a:buNone/>
+              <a:defRPr sz="900"/>
+            </a:lvl5pPr>
+            <a:lvl6pPr marL="2286000" indent="0">
+              <a:buNone/>
+              <a:defRPr sz="900"/>
+            </a:lvl6pPr>
+            <a:lvl7pPr marL="2743200" indent="0">
+              <a:buNone/>
+              <a:defRPr sz="900"/>
+            </a:lvl7pPr>
+            <a:lvl8pPr marL="3200400" indent="0">
+              <a:buNone/>
+              <a:defRPr sz="900"/>
+            </a:lvl8pPr>
+            <a:lvl9pPr marL="3657600" indent="0">
+              <a:buNone/>
+              <a:defRPr sz="900"/>
+            </a:lvl9pPr>
+          </a:lstStyle>
+          <a:p>
+            <a:pPr lvl="0"/>
+            <a:r>
+              <a:rPr lang="en-US" smtClean="0"/>
+              <a:t>Click to edit Master text styles</a:t>
+            </a:r>
+          </a:p>
+        </p:txBody>
+      </p:sp>
+      <p:sp>
+        <p:nvSpPr>
+          <p:cNvPr id="5" name="Text Placeholder 4"/>
+          <p:cNvSpPr>
+            <a:spLocks noGrp="1"/>
+          </p:cNvSpPr>
+          <p:nvPr>
+            <p:ph type="body" sz="quarter" idx="3"/>
+          </p:nvPr>
+        </p:nvSpPr>
+        <p:spPr>
+          <a:xfrm>
+            <a:off x="2917792" y="4250949"/>
+            <a:ext cx="2198466" cy="576262"/>
+          </a:xfrm>
+        </p:spPr>
+        <p:txBody>
+          <a:bodyPr anchor="b">
+            <a:noAutofit/>
+          </a:bodyPr>
+          <a:lstStyle>
+            <a:lvl1pPr marL="0" indent="0">
+              <a:buNone/>
+              <a:defRPr sz="2400" b="0">
+                <a:solidFill>
+                  <a:schemeClr val="accent1"/>
+                </a:solidFill>
+              </a:defRPr>
+            </a:lvl1pPr>
+            <a:lvl2pPr marL="457200" indent="0">
+              <a:buNone/>
+              <a:defRPr sz="2000" b="1"/>
+            </a:lvl2pPr>
+            <a:lvl3pPr marL="914400" indent="0">
+              <a:buNone/>
+              <a:defRPr sz="1800" b="1"/>
+            </a:lvl3pPr>
+            <a:lvl4pPr marL="1371600" indent="0">
+              <a:buNone/>
+              <a:defRPr sz="1600" b="1"/>
+            </a:lvl4pPr>
+            <a:lvl5pPr marL="1828800" indent="0">
+              <a:buNone/>
+              <a:defRPr sz="1600" b="1"/>
+            </a:lvl5pPr>
+            <a:lvl6pPr marL="2286000" indent="0">
+              <a:buNone/>
+              <a:defRPr sz="1600" b="1"/>
+            </a:lvl6pPr>
+            <a:lvl7pPr marL="2743200" indent="0">
+              <a:buNone/>
+              <a:defRPr sz="1600" b="1"/>
+            </a:lvl7pPr>
+            <a:lvl8pPr marL="3200400" indent="0">
+              <a:buNone/>
+              <a:defRPr sz="1600" b="1"/>
+            </a:lvl8pPr>
+            <a:lvl9pPr marL="3657600" indent="0">
+              <a:buNone/>
+              <a:defRPr sz="1600" b="1"/>
+            </a:lvl9pPr>
+          </a:lstStyle>
+          <a:p>
+            <a:pPr lvl="0"/>
+            <a:r>
+              <a:rPr lang="en-US" smtClean="0"/>
+              <a:t>Click to edit Master text styles</a:t>
+            </a:r>
+          </a:p>
+        </p:txBody>
+      </p:sp>
+      <p:sp>
+        <p:nvSpPr>
+          <p:cNvPr id="30" name="Picture Placeholder 2"/>
+          <p:cNvSpPr>
+            <a:spLocks noGrp="1" noChangeAspect="1"/>
+          </p:cNvSpPr>
+          <p:nvPr>
+            <p:ph type="pic" idx="21"/>
+          </p:nvPr>
+        </p:nvSpPr>
+        <p:spPr>
+          <a:xfrm>
+            <a:off x="2917791" y="2209800"/>
+            <a:ext cx="2198466" cy="1524000"/>
+          </a:xfrm>
+          <a:prstGeom prst="roundRect">
+            <a:avLst>
+              <a:gd name="adj" fmla="val 1858"/>
+            </a:avLst>
+          </a:prstGeom>
+          <a:effectLst>
+            <a:outerShdw blurRad="50800" dist="50800" dir="5400000" algn="tl" rotWithShape="0">
+              <a:srgbClr val="000000">
+                <a:alpha val="43000"/>
+              </a:srgbClr>
+            </a:outerShdw>
+          </a:effectLst>
+        </p:spPr>
+        <p:txBody>
+          <a:bodyPr anchor="t">
+            <a:normAutofit/>
+          </a:bodyPr>
+          <a:lstStyle>
+            <a:lvl1pPr marL="0" indent="0" algn="ctr">
+              <a:buNone/>
+              <a:defRPr sz="1600"/>
+            </a:lvl1pPr>
+            <a:lvl2pPr marL="457200" indent="0">
+              <a:buNone/>
+              <a:defRPr sz="1600"/>
+            </a:lvl2pPr>
+            <a:lvl3pPr marL="914400" indent="0">
+              <a:buNone/>
+              <a:defRPr sz="1600"/>
+            </a:lvl3pPr>
+            <a:lvl4pPr marL="1371600" indent="0">
+              <a:buNone/>
+              <a:defRPr sz="1600"/>
+            </a:lvl4pPr>
+            <a:lvl5pPr marL="1828800" indent="0">
+              <a:buNone/>
+              <a:defRPr sz="1600"/>
+            </a:lvl5pPr>
+            <a:lvl6pPr marL="2286000" indent="0">
+              <a:buNone/>
+              <a:defRPr sz="1600"/>
+            </a:lvl6pPr>
+            <a:lvl7pPr marL="2743200" indent="0">
+              <a:buNone/>
+              <a:defRPr sz="1600"/>
+            </a:lvl7pPr>
+            <a:lvl8pPr marL="3200400" indent="0">
+              <a:buNone/>
+              <a:defRPr sz="1600"/>
+            </a:lvl8pPr>
+            <a:lvl9pPr marL="3657600" indent="0">
+              <a:buNone/>
+              <a:defRPr sz="1600"/>
+            </a:lvl9pPr>
+          </a:lstStyle>
+          <a:p>
+            <a:r>
+              <a:rPr lang="en-US" smtClean="0"/>
+              <a:t>Click icon to add picture</a:t>
+            </a:r>
+            <a:endParaRPr lang="en-US" dirty="0"/>
+          </a:p>
+        </p:txBody>
+      </p:sp>
+      <p:sp>
+        <p:nvSpPr>
+          <p:cNvPr id="23" name="Text Placeholder 3"/>
+          <p:cNvSpPr>
+            <a:spLocks noGrp="1"/>
+          </p:cNvSpPr>
+          <p:nvPr>
+            <p:ph type="body" sz="half" idx="19"/>
+          </p:nvPr>
+        </p:nvSpPr>
+        <p:spPr>
+          <a:xfrm>
+            <a:off x="2916776" y="4827211"/>
+            <a:ext cx="2201378" cy="659189"/>
+          </a:xfrm>
+        </p:spPr>
+        <p:txBody>
+          <a:bodyPr anchor="t">
+            <a:normAutofit/>
+          </a:bodyPr>
+          <a:lstStyle>
+            <a:lvl1pPr marL="0" indent="0">
+              <a:buNone/>
+              <a:defRPr sz="1400"/>
+            </a:lvl1pPr>
+            <a:lvl2pPr marL="457200" indent="0">
+              <a:buNone/>
+              <a:defRPr sz="1200"/>
+            </a:lvl2pPr>
+            <a:lvl3pPr marL="914400" indent="0">
+              <a:buNone/>
+              <a:defRPr sz="1000"/>
+            </a:lvl3pPr>
+            <a:lvl4pPr marL="1371600" indent="0">
+              <a:buNone/>
+              <a:defRPr sz="900"/>
+            </a:lvl4pPr>
+            <a:lvl5pPr marL="1828800" indent="0">
+              <a:buNone/>
+              <a:defRPr sz="900"/>
+            </a:lvl5pPr>
+            <a:lvl6pPr marL="2286000" indent="0">
+              <a:buNone/>
+              <a:defRPr sz="900"/>
+            </a:lvl6pPr>
+            <a:lvl7pPr marL="2743200" indent="0">
+              <a:buNone/>
+              <a:defRPr sz="900"/>
+            </a:lvl7pPr>
+            <a:lvl8pPr marL="3200400" indent="0">
+              <a:buNone/>
+              <a:defRPr sz="900"/>
+            </a:lvl8pPr>
+            <a:lvl9pPr marL="3657600" indent="0">
+              <a:buNone/>
+              <a:defRPr sz="900"/>
+            </a:lvl9pPr>
+          </a:lstStyle>
+          <a:p>
+            <a:pPr lvl="0"/>
+            <a:r>
+              <a:rPr lang="en-US" smtClean="0"/>
+              <a:t>Click to edit Master text styles</a:t>
+            </a:r>
+          </a:p>
+        </p:txBody>
+      </p:sp>
+      <p:sp>
+        <p:nvSpPr>
+          <p:cNvPr id="14" name="Text Placeholder 4"/>
+          <p:cNvSpPr>
+            <a:spLocks noGrp="1"/>
+          </p:cNvSpPr>
+          <p:nvPr>
+            <p:ph type="body" sz="quarter" idx="13"/>
+          </p:nvPr>
+        </p:nvSpPr>
+        <p:spPr>
+          <a:xfrm>
+            <a:off x="5344917" y="4250949"/>
+            <a:ext cx="2199658" cy="576262"/>
+          </a:xfrm>
+        </p:spPr>
+        <p:txBody>
+          <a:bodyPr anchor="b">
+            <a:noAutofit/>
+          </a:bodyPr>
+          <a:lstStyle>
+            <a:lvl1pPr marL="0" indent="0">
+              <a:buNone/>
+              <a:defRPr sz="2400" b="0">
+                <a:solidFill>
+                  <a:schemeClr val="accent1"/>
+                </a:solidFill>
+              </a:defRPr>
+            </a:lvl1pPr>
+            <a:lvl2pPr marL="457200" indent="0">
+              <a:buNone/>
+              <a:defRPr sz="2000" b="1"/>
+            </a:lvl2pPr>
+            <a:lvl3pPr marL="914400" indent="0">
+              <a:buNone/>
+              <a:defRPr sz="1800" b="1"/>
+            </a:lvl3pPr>
+            <a:lvl4pPr marL="1371600" indent="0">
+              <a:buNone/>
+              <a:defRPr sz="1600" b="1"/>
+            </a:lvl4pPr>
+            <a:lvl5pPr marL="1828800" indent="0">
+              <a:buNone/>
+              <a:defRPr sz="1600" b="1"/>
+            </a:lvl5pPr>
+            <a:lvl6pPr marL="2286000" indent="0">
+              <a:buNone/>
+              <a:defRPr sz="1600" b="1"/>
+            </a:lvl6pPr>
+            <a:lvl7pPr marL="2743200" indent="0">
+              <a:buNone/>
+              <a:defRPr sz="1600" b="1"/>
+            </a:lvl7pPr>
+            <a:lvl8pPr marL="3200400" indent="0">
+              <a:buNone/>
+              <a:defRPr sz="1600" b="1"/>
+            </a:lvl8pPr>
+            <a:lvl9pPr marL="3657600" indent="0">
+              <a:buNone/>
+              <a:defRPr sz="1600" b="1"/>
+            </a:lvl9pPr>
+          </a:lstStyle>
+          <a:p>
+            <a:pPr lvl="0"/>
+            <a:r>
+              <a:rPr lang="en-US" smtClean="0"/>
+              <a:t>Click to edit Master text styles</a:t>
+            </a:r>
+          </a:p>
+        </p:txBody>
+      </p:sp>
+      <p:sp>
+        <p:nvSpPr>
+          <p:cNvPr id="31" name="Picture Placeholder 2"/>
+          <p:cNvSpPr>
+            <a:spLocks noGrp="1" noChangeAspect="1"/>
+          </p:cNvSpPr>
+          <p:nvPr>
+            <p:ph type="pic" idx="22"/>
+          </p:nvPr>
+        </p:nvSpPr>
+        <p:spPr>
+          <a:xfrm>
+            <a:off x="5344916" y="2209800"/>
+            <a:ext cx="2199658" cy="1524000"/>
+          </a:xfrm>
+          <a:prstGeom prst="roundRect">
+            <a:avLst>
+              <a:gd name="adj" fmla="val 1858"/>
+            </a:avLst>
+          </a:prstGeom>
+          <a:effectLst>
+            <a:outerShdw blurRad="50800" dist="50800" dir="5400000" algn="tl" rotWithShape="0">
+              <a:srgbClr val="000000">
+                <a:alpha val="43000"/>
+              </a:srgbClr>
+            </a:outerShdw>
+          </a:effectLst>
+        </p:spPr>
+        <p:txBody>
+          <a:bodyPr anchor="t">
+            <a:normAutofit/>
+          </a:bodyPr>
+          <a:lstStyle>
+            <a:lvl1pPr marL="0" indent="0" algn="ctr">
+              <a:buNone/>
+              <a:defRPr sz="1600"/>
+            </a:lvl1pPr>
+            <a:lvl2pPr marL="457200" indent="0">
+              <a:buNone/>
+              <a:defRPr sz="1600"/>
+            </a:lvl2pPr>
+            <a:lvl3pPr marL="914400" indent="0">
+              <a:buNone/>
+              <a:defRPr sz="1600"/>
+            </a:lvl3pPr>
+            <a:lvl4pPr marL="1371600" indent="0">
+              <a:buNone/>
+              <a:defRPr sz="1600"/>
+            </a:lvl4pPr>
+            <a:lvl5pPr marL="1828800" indent="0">
+              <a:buNone/>
+              <a:defRPr sz="1600"/>
+            </a:lvl5pPr>
+            <a:lvl6pPr marL="2286000" indent="0">
+              <a:buNone/>
+              <a:defRPr sz="1600"/>
+            </a:lvl6pPr>
+            <a:lvl7pPr marL="2743200" indent="0">
+              <a:buNone/>
+              <a:defRPr sz="1600"/>
+            </a:lvl7pPr>
+            <a:lvl8pPr marL="3200400" indent="0">
+              <a:buNone/>
+              <a:defRPr sz="1600"/>
+            </a:lvl8pPr>
+            <a:lvl9pPr marL="3657600" indent="0">
+              <a:buNone/>
+              <a:defRPr sz="1600"/>
+            </a:lvl9pPr>
+          </a:lstStyle>
+          <a:p>
+            <a:r>
+              <a:rPr lang="en-US" smtClean="0"/>
+              <a:t>Click icon to add picture</a:t>
+            </a:r>
+            <a:endParaRPr lang="en-US" dirty="0"/>
+          </a:p>
+        </p:txBody>
+      </p:sp>
+      <p:sp>
+        <p:nvSpPr>
+          <p:cNvPr id="24" name="Text Placeholder 3"/>
+          <p:cNvSpPr>
+            <a:spLocks noGrp="1"/>
+          </p:cNvSpPr>
+          <p:nvPr>
+            <p:ph type="body" sz="half" idx="20"/>
+          </p:nvPr>
+        </p:nvSpPr>
+        <p:spPr>
+          <a:xfrm>
+            <a:off x="5344824" y="4827209"/>
+            <a:ext cx="2202571" cy="659189"/>
+          </a:xfrm>
+        </p:spPr>
+        <p:txBody>
+          <a:bodyPr anchor="t">
+            <a:normAutofit/>
+          </a:bodyPr>
+          <a:lstStyle>
+            <a:lvl1pPr marL="0" indent="0">
+              <a:buNone/>
+              <a:defRPr sz="1400"/>
+            </a:lvl1pPr>
+            <a:lvl2pPr marL="457200" indent="0">
+              <a:buNone/>
+              <a:defRPr sz="1200"/>
+            </a:lvl2pPr>
+            <a:lvl3pPr marL="914400" indent="0">
+              <a:buNone/>
+              <a:defRPr sz="1000"/>
+            </a:lvl3pPr>
+            <a:lvl4pPr marL="1371600" indent="0">
+              <a:buNone/>
+              <a:defRPr sz="900"/>
+            </a:lvl4pPr>
+            <a:lvl5pPr marL="1828800" indent="0">
+              <a:buNone/>
+              <a:defRPr sz="900"/>
+            </a:lvl5pPr>
+            <a:lvl6pPr marL="2286000" indent="0">
+              <a:buNone/>
+              <a:defRPr sz="900"/>
+            </a:lvl6pPr>
+            <a:lvl7pPr marL="2743200" indent="0">
+              <a:buNone/>
+              <a:defRPr sz="900"/>
+            </a:lvl7pPr>
+            <a:lvl8pPr marL="3200400" indent="0">
+              <a:buNone/>
+              <a:defRPr sz="900"/>
+            </a:lvl8pPr>
+            <a:lvl9pPr marL="3657600" indent="0">
+              <a:buNone/>
+              <a:defRPr sz="900"/>
+            </a:lvl9pPr>
+          </a:lstStyle>
+          <a:p>
+            <a:pPr lvl="0"/>
+            <a:r>
+              <a:rPr lang="en-US" smtClean="0"/>
+              <a:t>Click to edit Master text styles</a:t>
+            </a:r>
+          </a:p>
+        </p:txBody>
+      </p:sp>
+      <p:cxnSp>
+        <p:nvCxnSpPr>
+          <p:cNvPr id="17" name="Straight Connector 16"/>
+          <p:cNvCxnSpPr/>
+          <p:nvPr/>
+        </p:nvCxnSpPr>
+        <p:spPr>
+          <a:xfrm>
+            <a:off x="2795334" y="2133600"/>
+            <a:ext cx="0" cy="3962400"/>
+          </a:xfrm>
+          <a:prstGeom prst="line">
+            <a:avLst/>
+          </a:prstGeom>
+          <a:ln w="12700" cmpd="sng">
+            <a:solidFill>
+              <a:schemeClr val="accent1">
+                <a:alpha val="40000"/>
+              </a:schemeClr>
+            </a:solidFill>
+          </a:ln>
+        </p:spPr>
+        <p:style>
+          <a:lnRef idx="2">
+            <a:schemeClr val="accent1"/>
+          </a:lnRef>
+          <a:fillRef idx="0">
+            <a:schemeClr val="accent1"/>
+          </a:fillRef>
+          <a:effectRef idx="1">
+            <a:schemeClr val="accent1"/>
+          </a:effectRef>
+          <a:fontRef idx="minor">
+            <a:schemeClr val="tx1"/>
+          </a:fontRef>
+        </p:style>
+      </p:cxnSp>
+      <p:cxnSp>
+        <p:nvCxnSpPr>
+          <p:cNvPr id="18" name="Straight Connector 17"/>
+          <p:cNvCxnSpPr/>
+          <p:nvPr/>
+        </p:nvCxnSpPr>
+        <p:spPr>
+          <a:xfrm>
+            <a:off x="5223030" y="2133600"/>
+            <a:ext cx="0" cy="3966882"/>
+          </a:xfrm>
+          <a:prstGeom prst="line">
+            <a:avLst/>
+          </a:prstGeom>
+          <a:ln w="12700" cmpd="sng">
+            <a:solidFill>
+              <a:schemeClr val="accent1">
+                <a:alpha val="40000"/>
+              </a:schemeClr>
+            </a:solidFill>
+          </a:ln>
+        </p:spPr>
+        <p:style>
+          <a:lnRef idx="2">
+            <a:schemeClr val="accent1"/>
+          </a:lnRef>
+          <a:fillRef idx="0">
+            <a:schemeClr val="accent1"/>
+          </a:fillRef>
+          <a:effectRef idx="1">
+            <a:schemeClr val="accent1"/>
+          </a:effectRef>
+          <a:fontRef idx="minor">
+            <a:schemeClr val="tx1"/>
+          </a:fontRef>
+        </p:style>
+      </p:cxnSp>
+      <p:sp>
+        <p:nvSpPr>
+          <p:cNvPr id="7" name="Date Placeholder 3"/>
+          <p:cNvSpPr>
+            <a:spLocks noGrp="1"/>
+          </p:cNvSpPr>
+          <p:nvPr>
+            <p:ph type="dt" sz="half" idx="10"/>
+          </p:nvPr>
+        </p:nvSpPr>
+        <p:spPr/>
+        <p:txBody>
+          <a:bodyPr/>
+          <a:lstStyle/>
+          <a:p>
+            <a:fld id="{76268ABB-1507-44DF-AF0F-F44BE571CFCA}" type="datetime1">
+              <a:rPr lang="en-US" smtClean="0"/>
+              <a:t>10/7/2014</a:t>
+            </a:fld>
+            <a:endParaRPr lang="en-US"/>
+          </a:p>
+        </p:txBody>
+      </p:sp>
+      <p:sp>
+        <p:nvSpPr>
+          <p:cNvPr id="4" name="Footer Placeholder 4"/>
+          <p:cNvSpPr>
+            <a:spLocks noGrp="1"/>
+          </p:cNvSpPr>
+          <p:nvPr>
+            <p:ph type="ftr" sz="quarter" idx="11"/>
+          </p:nvPr>
+        </p:nvSpPr>
+        <p:spPr/>
+        <p:txBody>
+          <a:bodyPr/>
+          <a:lstStyle/>
+          <a:p>
+            <a:endParaRPr lang="en-US"/>
+          </a:p>
+        </p:txBody>
+      </p:sp>
+      <p:sp>
+        <p:nvSpPr>
+          <p:cNvPr id="6" name="Slide Number Placeholder 5"/>
+          <p:cNvSpPr>
+            <a:spLocks noGrp="1"/>
+          </p:cNvSpPr>
+          <p:nvPr>
+            <p:ph type="sldNum" sz="quarter" idx="12"/>
+          </p:nvPr>
+        </p:nvSpPr>
+        <p:spPr/>
+        <p:txBody>
+          <a:bodyPr/>
+          <a:lstStyle/>
+          <a:p>
+            <a:fld id="{B6F15528-21DE-4FAA-801E-634DDDAF4B2B}" type="slidenum">
+              <a:rPr lang="en-US" smtClean="0"/>
+              <a:pPr/>
+              <a:t>‹#›</a:t>
+            </a:fld>
+            <a:endParaRPr lang="en-US"/>
+          </a:p>
+        </p:txBody>
+      </p:sp>
+    </p:spTree>
+    <p:extLst>
+      <p:ext uri="{BB962C8B-B14F-4D97-AF65-F5344CB8AC3E}">
+        <p14:creationId xmlns:p14="http://schemas.microsoft.com/office/powerpoint/2010/main" val="1835344564"/>
+      </p:ext>
+    </p:extLst>
+  </p:cSld>
+  <p:clrMapOvr>
+    <a:masterClrMapping/>
+  </p:clrMapOvr>
+  <p:hf hdr="0" ftr="0" dt="0"/>
+</p:sldLayout>
+</file>
+
+<file path=ppt/slideLayouts/slideLayout16.xml><?xml version="1.0" encoding="utf-8"?>
 <p:sldLayout xmlns:a="http://schemas.openxmlformats.org/drawingml/2006/main" xmlns:r="http://schemas.openxmlformats.org/officeDocument/2006/relationships" xmlns:p="http://schemas.openxmlformats.org/presentationml/2006/main" type="vertTx" preserve="1">
   <p:cSld name="Title and Vertical Text">
     <p:spTree>
@@ -784,7 +3316,7 @@
         </p:nvSpPr>
         <p:spPr/>
         <p:txBody>
-          <a:bodyPr vert="eaVert"/>
+          <a:bodyPr vert="eaVert" anchor="t" anchorCtr="0"/>
           <a:lstStyle/>
           <a:p>
             <a:pPr lvl="0"/>
@@ -820,7 +3352,7 @@
               <a:rPr lang="en-US" smtClean="0"/>
               <a:t>Fifth level</a:t>
             </a:r>
-            <a:endParaRPr lang="en-US"/>
+            <a:endParaRPr lang="en-US" dirty="0"/>
           </a:p>
         </p:txBody>
       </p:sp>
@@ -841,7 +3373,7 @@
           <a:p>
             <a:fld id="{D89CA44C-9F78-4495-B86C-AD0E42505C83}" type="datetime1">
               <a:rPr lang="en-US" smtClean="0"/>
-              <a:t>07-Oct-14</a:t>
+              <a:t>10/7/2014</a:t>
             </a:fld>
             <a:endParaRPr lang="en-US"/>
           </a:p>
@@ -891,6 +3423,11 @@
         </p:txBody>
       </p:sp>
     </p:spTree>
+    <p:extLst>
+      <p:ext uri="{BB962C8B-B14F-4D97-AF65-F5344CB8AC3E}">
+        <p14:creationId xmlns:p14="http://schemas.microsoft.com/office/powerpoint/2010/main" val="1921231011"/>
+      </p:ext>
+    </p:extLst>
   </p:cSld>
   <p:clrMapOvr>
     <a:masterClrMapping/>
@@ -898,7 +3435,7 @@
 </p:sldLayout>
 </file>
 
-<file path=ppt/slideLayouts/slideLayout11.xml><?xml version="1.0" encoding="utf-8"?>
+<file path=ppt/slideLayouts/slideLayout17.xml><?xml version="1.0" encoding="utf-8"?>
 <p:sldLayout xmlns:a="http://schemas.openxmlformats.org/drawingml/2006/main" xmlns:r="http://schemas.openxmlformats.org/officeDocument/2006/relationships" xmlns:p="http://schemas.openxmlformats.org/presentationml/2006/main" type="vertTitleAndTx" preserve="1">
   <p:cSld name="Vertical Title and Text">
     <p:spTree>
@@ -927,12 +3464,12 @@
         </p:nvSpPr>
         <p:spPr>
           <a:xfrm>
-            <a:off x="6629400" y="274638"/>
-            <a:ext cx="2057400" cy="5851525"/>
+            <a:off x="6229782" y="430214"/>
+            <a:ext cx="1314793" cy="5826125"/>
           </a:xfrm>
         </p:spPr>
         <p:txBody>
-          <a:bodyPr vert="eaVert"/>
+          <a:bodyPr vert="eaVert" anchor="b" anchorCtr="0"/>
           <a:lstStyle/>
           <a:p>
             <a:r>
@@ -955,8 +3492,8 @@
         </p:nvSpPr>
         <p:spPr>
           <a:xfrm>
-            <a:off x="457200" y="274638"/>
-            <a:ext cx="6019800" cy="5851525"/>
+            <a:off x="489475" y="773205"/>
+            <a:ext cx="5568812" cy="5483134"/>
           </a:xfrm>
         </p:spPr>
         <p:txBody>
@@ -996,7 +3533,7 @@
               <a:rPr lang="en-US" smtClean="0"/>
               <a:t>Fifth level</a:t>
             </a:r>
-            <a:endParaRPr lang="en-US"/>
+            <a:endParaRPr lang="en-US" dirty="0"/>
           </a:p>
         </p:txBody>
       </p:sp>
@@ -1017,7 +3554,7 @@
           <a:p>
             <a:fld id="{65F41DAD-6DCF-4508-9598-5324357E354C}" type="datetime1">
               <a:rPr lang="en-US" smtClean="0"/>
-              <a:t>07-Oct-14</a:t>
+              <a:t>10/7/2014</a:t>
             </a:fld>
             <a:endParaRPr lang="en-US"/>
           </a:p>
@@ -1067,6 +3604,11 @@
         </p:txBody>
       </p:sp>
     </p:spTree>
+    <p:extLst>
+      <p:ext uri="{BB962C8B-B14F-4D97-AF65-F5344CB8AC3E}">
+        <p14:creationId xmlns:p14="http://schemas.microsoft.com/office/powerpoint/2010/main" val="3857141174"/>
+      </p:ext>
+    </p:extLst>
   </p:cSld>
   <p:clrMapOvr>
     <a:masterClrMapping/>
@@ -1101,12 +3643,7 @@
             <p:ph type="title"/>
           </p:nvPr>
         </p:nvSpPr>
-        <p:spPr>
-          <a:xfrm>
-            <a:off x="609600" y="274638"/>
-            <a:ext cx="7924800" cy="1143000"/>
-          </a:xfrm>
-        </p:spPr>
+        <p:spPr/>
         <p:txBody>
           <a:bodyPr/>
           <a:lstStyle/>
@@ -1121,6 +3658,58 @@
       </p:sp>
       <p:sp>
         <p:nvSpPr>
+          <p:cNvPr id="3" name="Content Placeholder 2"/>
+          <p:cNvSpPr>
+            <a:spLocks noGrp="1"/>
+          </p:cNvSpPr>
+          <p:nvPr>
+            <p:ph idx="1"/>
+          </p:nvPr>
+        </p:nvSpPr>
+        <p:spPr/>
+        <p:txBody>
+          <a:bodyPr/>
+          <a:lstStyle/>
+          <a:p>
+            <a:pPr lvl="0"/>
+            <a:r>
+              <a:rPr lang="en-US" smtClean="0"/>
+              <a:t>Click to edit Master text styles</a:t>
+            </a:r>
+          </a:p>
+          <a:p>
+            <a:pPr lvl="1"/>
+            <a:r>
+              <a:rPr lang="en-US" smtClean="0"/>
+              <a:t>Second level</a:t>
+            </a:r>
+          </a:p>
+          <a:p>
+            <a:pPr lvl="2"/>
+            <a:r>
+              <a:rPr lang="en-US" smtClean="0"/>
+              <a:t>Third level</a:t>
+            </a:r>
+          </a:p>
+          <a:p>
+            <a:pPr lvl="3"/>
+            <a:r>
+              <a:rPr lang="en-US" smtClean="0"/>
+              <a:t>Fourth level</a:t>
+            </a:r>
+          </a:p>
+          <a:p>
+            <a:pPr lvl="4"/>
+            <a:r>
+              <a:rPr lang="en-US" smtClean="0"/>
+              <a:t>Fifth level</a:t>
+            </a:r>
+            <a:endParaRPr lang="en-US" dirty="0"/>
+          </a:p>
+        </p:txBody>
+      </p:sp>
+      <p:sp>
+        <p:nvSpPr>
           <p:cNvPr id="4" name="Date Placeholder 3"/>
           <p:cNvSpPr>
             <a:spLocks noGrp="1"/>
@@ -1136,7 +3725,7 @@
           <a:p>
             <a:fld id="{44B1A932-2141-4C07-97A2-E522E3DD7992}" type="datetime1">
               <a:rPr lang="en-US" smtClean="0"/>
-              <a:t>07-Oct-14</a:t>
+              <a:t>10/7/2014</a:t>
             </a:fld>
             <a:endParaRPr lang="en-US"/>
           </a:p>
@@ -1185,64 +3774,12 @@
           </a:p>
         </p:txBody>
       </p:sp>
-      <p:sp>
-        <p:nvSpPr>
-          <p:cNvPr id="8" name="Content Placeholder 7"/>
-          <p:cNvSpPr>
-            <a:spLocks noGrp="1"/>
-          </p:cNvSpPr>
-          <p:nvPr>
-            <p:ph sz="quarter" idx="13"/>
-          </p:nvPr>
-        </p:nvSpPr>
-        <p:spPr>
-          <a:xfrm>
-            <a:off x="609600" y="1600200"/>
-            <a:ext cx="7924800" cy="4114800"/>
-          </a:xfrm>
-        </p:spPr>
-        <p:txBody>
-          <a:bodyPr/>
-          <a:lstStyle/>
-          <a:p>
-            <a:pPr lvl="0"/>
-            <a:r>
-              <a:rPr lang="en-US" smtClean="0"/>
-              <a:t>Click to edit Master text styles</a:t>
-            </a:r>
-          </a:p>
-          <a:p>
-            <a:pPr lvl="1"/>
-            <a:r>
-              <a:rPr lang="en-US" smtClean="0"/>
-              <a:t>Second level</a:t>
-            </a:r>
-          </a:p>
-          <a:p>
-            <a:pPr lvl="2"/>
-            <a:r>
-              <a:rPr lang="en-US" smtClean="0"/>
-              <a:t>Third level</a:t>
-            </a:r>
-          </a:p>
-          <a:p>
-            <a:pPr lvl="3"/>
-            <a:r>
-              <a:rPr lang="en-US" smtClean="0"/>
-              <a:t>Fourth level</a:t>
-            </a:r>
-          </a:p>
-          <a:p>
-            <a:pPr lvl="4"/>
-            <a:r>
-              <a:rPr lang="en-US" smtClean="0"/>
-              <a:t>Fifth level</a:t>
-            </a:r>
-            <a:endParaRPr lang="en-US" dirty="0"/>
-          </a:p>
-        </p:txBody>
-      </p:sp>
     </p:spTree>
+    <p:extLst>
+      <p:ext uri="{BB962C8B-B14F-4D97-AF65-F5344CB8AC3E}">
+        <p14:creationId xmlns:p14="http://schemas.microsoft.com/office/powerpoint/2010/main" val="509549269"/>
+      </p:ext>
+    </p:extLst>
   </p:cSld>
   <p:clrMapOvr>
     <a:masterClrMapping/>
@@ -1251,7 +3788,7 @@
 </file>
 
 <file path=ppt/slideLayouts/slideLayout3.xml><?xml version="1.0" encoding="utf-8"?>
-<p:sldLayout xmlns:a="http://schemas.openxmlformats.org/drawingml/2006/main" xmlns:r="http://schemas.openxmlformats.org/officeDocument/2006/relationships" xmlns:p="http://schemas.openxmlformats.org/presentationml/2006/main" showMasterSp="0" type="secHead" preserve="1">
+<p:sldLayout xmlns:a="http://schemas.openxmlformats.org/drawingml/2006/main" xmlns:r="http://schemas.openxmlformats.org/officeDocument/2006/relationships" xmlns:p="http://schemas.openxmlformats.org/presentationml/2006/main" type="secHead" preserve="1">
   <p:cSld name="Section Header">
     <p:spTree>
       <p:nvGrpSpPr>
@@ -1279,52 +3816,50 @@
         </p:nvSpPr>
         <p:spPr>
           <a:xfrm>
-            <a:off x="609600" y="4962525"/>
-            <a:ext cx="7885113" cy="1362075"/>
+            <a:off x="866443" y="2861734"/>
+            <a:ext cx="6620967" cy="1915647"/>
           </a:xfrm>
         </p:spPr>
         <p:txBody>
+          <a:bodyPr anchor="b"/>
+          <a:lstStyle>
+            <a:lvl1pPr algn="l">
+              <a:defRPr sz="4000" b="0" cap="none"/>
+            </a:lvl1pPr>
+          </a:lstStyle>
+          <a:p>
+            <a:r>
+              <a:rPr lang="en-US" smtClean="0"/>
+              <a:t>Click to edit Master title style</a:t>
+            </a:r>
+            <a:endParaRPr lang="en-US" dirty="0"/>
+          </a:p>
+        </p:txBody>
+      </p:sp>
+      <p:sp>
+        <p:nvSpPr>
+          <p:cNvPr id="3" name="Text Placeholder 2"/>
+          <p:cNvSpPr>
+            <a:spLocks noGrp="1"/>
+          </p:cNvSpPr>
+          <p:nvPr>
+            <p:ph type="body" idx="1"/>
+          </p:nvPr>
+        </p:nvSpPr>
+        <p:spPr>
+          <a:xfrm>
+            <a:off x="866442" y="4777381"/>
+            <a:ext cx="6620968" cy="860400"/>
+          </a:xfrm>
+        </p:spPr>
+        <p:txBody>
           <a:bodyPr anchor="t"/>
           <a:lstStyle>
-            <a:lvl1pPr algn="l">
-              <a:defRPr sz="3200" b="0" i="0" cap="all" baseline="0"/>
-            </a:lvl1pPr>
-          </a:lstStyle>
-          <a:p>
-            <a:r>
-              <a:rPr lang="en-US" smtClean="0"/>
-              <a:t>Click to edit Master title style</a:t>
-            </a:r>
-            <a:endParaRPr lang="en-US" dirty="0"/>
-          </a:p>
-        </p:txBody>
-      </p:sp>
-      <p:sp>
-        <p:nvSpPr>
-          <p:cNvPr id="3" name="Text Placeholder 2"/>
-          <p:cNvSpPr>
-            <a:spLocks noGrp="1"/>
-          </p:cNvSpPr>
-          <p:nvPr>
-            <p:ph type="body" idx="1"/>
-          </p:nvPr>
-        </p:nvSpPr>
-        <p:spPr>
-          <a:xfrm>
-            <a:off x="609600" y="3462338"/>
-            <a:ext cx="7885113" cy="1500187"/>
-          </a:xfrm>
-        </p:spPr>
-        <p:txBody>
-          <a:bodyPr anchor="b">
-            <a:normAutofit/>
-          </a:bodyPr>
-          <a:lstStyle>
-            <a:lvl1pPr marL="0" indent="0">
-              <a:buNone/>
-              <a:defRPr sz="1700" baseline="0">
+            <a:lvl1pPr marL="0" indent="0" algn="l">
+              <a:buNone/>
+              <a:defRPr sz="2000" cap="all">
                 <a:solidFill>
-                  <a:schemeClr val="tx2"/>
+                  <a:schemeClr val="accent1"/>
                 </a:solidFill>
               </a:defRPr>
             </a:lvl1pPr>
@@ -1435,7 +3970,7 @@
           <a:p>
             <a:fld id="{9839DB4D-8F89-4196-B83E-0DA096C6E031}" type="datetime1">
               <a:rPr lang="en-US" smtClean="0"/>
-              <a:t>07-Oct-14</a:t>
+              <a:t>10/7/2014</a:t>
             </a:fld>
             <a:endParaRPr lang="en-US"/>
           </a:p>
@@ -1485,6 +4020,11 @@
         </p:txBody>
       </p:sp>
     </p:spTree>
+    <p:extLst>
+      <p:ext uri="{BB962C8B-B14F-4D97-AF65-F5344CB8AC3E}">
+        <p14:creationId xmlns:p14="http://schemas.microsoft.com/office/powerpoint/2010/main" val="4116396463"/>
+      </p:ext>
+    </p:extLst>
   </p:cSld>
   <p:clrMapOvr>
     <a:masterClrMapping/>
@@ -1511,57 +4051,74 @@
       </p:grpSpPr>
       <p:sp>
         <p:nvSpPr>
-          <p:cNvPr id="11" name="Content Placeholder 10"/>
-          <p:cNvSpPr>
-            <a:spLocks noGrp="1"/>
-          </p:cNvSpPr>
-          <p:nvPr>
-            <p:ph sz="quarter" idx="13"/>
+          <p:cNvPr id="2" name="Title 1"/>
+          <p:cNvSpPr>
+            <a:spLocks noGrp="1"/>
+          </p:cNvSpPr>
+          <p:nvPr>
+            <p:ph type="title"/>
+          </p:nvPr>
+        </p:nvSpPr>
+        <p:spPr/>
+        <p:txBody>
+          <a:bodyPr/>
+          <a:lstStyle/>
+          <a:p>
+            <a:r>
+              <a:rPr lang="en-US" smtClean="0"/>
+              <a:t>Click to edit Master title style</a:t>
+            </a:r>
+            <a:endParaRPr lang="en-US" dirty="0"/>
+          </a:p>
+        </p:txBody>
+      </p:sp>
+      <p:sp>
+        <p:nvSpPr>
+          <p:cNvPr id="3" name="Content Placeholder 2"/>
+          <p:cNvSpPr>
+            <a:spLocks noGrp="1"/>
+          </p:cNvSpPr>
+          <p:nvPr>
+            <p:ph sz="half" idx="1"/>
           </p:nvPr>
         </p:nvSpPr>
         <p:spPr>
           <a:xfrm>
-            <a:off x="609600" y="1600200"/>
-            <a:ext cx="3733800" cy="4114800"/>
+            <a:off x="827700" y="2060576"/>
+            <a:ext cx="3298113" cy="4195763"/>
           </a:xfrm>
         </p:spPr>
         <p:txBody>
-          <a:bodyPr/>
+          <a:bodyPr>
+            <a:normAutofit/>
+          </a:bodyPr>
           <a:lstStyle>
+            <a:lvl1pPr>
+              <a:defRPr sz="1800"/>
+            </a:lvl1pPr>
+            <a:lvl2pPr>
+              <a:defRPr sz="1600"/>
+            </a:lvl2pPr>
+            <a:lvl3pPr>
+              <a:defRPr sz="1400"/>
+            </a:lvl3pPr>
+            <a:lvl4pPr>
+              <a:defRPr sz="1200"/>
+            </a:lvl4pPr>
             <a:lvl5pPr>
-              <a:defRPr/>
+              <a:defRPr sz="1200"/>
             </a:lvl5pPr>
             <a:lvl6pPr>
-              <a:buClr>
-                <a:schemeClr val="tx2"/>
-              </a:buClr>
-              <a:buFont typeface="Arial" pitchFamily="34" charset="0"/>
-              <a:buChar char="•"/>
-              <a:defRPr/>
+              <a:defRPr sz="1200"/>
             </a:lvl6pPr>
             <a:lvl7pPr>
-              <a:buClr>
-                <a:schemeClr val="tx2"/>
-              </a:buClr>
-              <a:buFont typeface="Arial" pitchFamily="34" charset="0"/>
-              <a:buChar char="•"/>
-              <a:defRPr/>
+              <a:defRPr sz="1200"/>
             </a:lvl7pPr>
             <a:lvl8pPr>
-              <a:buClr>
-                <a:schemeClr val="tx2"/>
-              </a:buClr>
-              <a:buFont typeface="Arial" pitchFamily="34" charset="0"/>
-              <a:buChar char="•"/>
-              <a:defRPr/>
+              <a:defRPr sz="1200"/>
             </a:lvl8pPr>
             <a:lvl9pPr>
-              <a:buClr>
-                <a:schemeClr val="tx2"/>
-              </a:buClr>
-              <a:buFont typeface="Arial" pitchFamily="34" charset="0"/>
-              <a:buChar char="•"/>
-              <a:defRPr/>
+              <a:defRPr sz="1200"/>
             </a:lvl9pPr>
           </a:lstStyle>
           <a:p>
@@ -1598,52 +4155,57 @@
               <a:rPr lang="en-US" smtClean="0"/>
               <a:t>Fifth level</a:t>
             </a:r>
-            <a:endParaRPr lang="en-US" dirty="0" smtClean="0"/>
-          </a:p>
-        </p:txBody>
-      </p:sp>
-      <p:sp>
-        <p:nvSpPr>
-          <p:cNvPr id="13" name="Content Placeholder 12"/>
-          <p:cNvSpPr>
-            <a:spLocks noGrp="1"/>
-          </p:cNvSpPr>
-          <p:nvPr>
-            <p:ph sz="quarter" idx="14"/>
+            <a:endParaRPr lang="en-US" dirty="0"/>
+          </a:p>
+        </p:txBody>
+      </p:sp>
+      <p:sp>
+        <p:nvSpPr>
+          <p:cNvPr id="4" name="Content Placeholder 3"/>
+          <p:cNvSpPr>
+            <a:spLocks noGrp="1"/>
+          </p:cNvSpPr>
+          <p:nvPr>
+            <p:ph sz="half" idx="2"/>
           </p:nvPr>
         </p:nvSpPr>
         <p:spPr>
           <a:xfrm>
-            <a:off x="4800600" y="1600200"/>
-            <a:ext cx="3733800" cy="4114800"/>
+            <a:off x="4241975" y="2056093"/>
+            <a:ext cx="3298115" cy="4200245"/>
           </a:xfrm>
         </p:spPr>
         <p:txBody>
-          <a:bodyPr/>
+          <a:bodyPr>
+            <a:normAutofit/>
+          </a:bodyPr>
           <a:lstStyle>
+            <a:lvl1pPr>
+              <a:defRPr sz="1800"/>
+            </a:lvl1pPr>
+            <a:lvl2pPr>
+              <a:defRPr sz="1600"/>
+            </a:lvl2pPr>
+            <a:lvl3pPr>
+              <a:defRPr sz="1400"/>
+            </a:lvl3pPr>
+            <a:lvl4pPr>
+              <a:defRPr sz="1200"/>
+            </a:lvl4pPr>
+            <a:lvl5pPr>
+              <a:defRPr sz="1200"/>
+            </a:lvl5pPr>
             <a:lvl6pPr>
-              <a:buClr>
-                <a:schemeClr val="tx2"/>
-              </a:buClr>
-              <a:defRPr/>
+              <a:defRPr sz="1200"/>
             </a:lvl6pPr>
             <a:lvl7pPr>
-              <a:buClr>
-                <a:schemeClr val="tx2"/>
-              </a:buClr>
-              <a:defRPr/>
+              <a:defRPr sz="1200"/>
             </a:lvl7pPr>
             <a:lvl8pPr>
-              <a:buClr>
-                <a:schemeClr val="tx2"/>
-              </a:buClr>
-              <a:defRPr/>
+              <a:defRPr sz="1200"/>
             </a:lvl8pPr>
             <a:lvl9pPr>
-              <a:buClr>
-                <a:schemeClr val="tx2"/>
-              </a:buClr>
-              <a:defRPr/>
+              <a:defRPr sz="1200"/>
             </a:lvl9pPr>
           </a:lstStyle>
           <a:p>
@@ -1680,34 +4242,6 @@
               <a:rPr lang="en-US" smtClean="0"/>
               <a:t>Fifth level</a:t>
             </a:r>
-            <a:endParaRPr lang="en-US" dirty="0" smtClean="0"/>
-          </a:p>
-        </p:txBody>
-      </p:sp>
-      <p:sp>
-        <p:nvSpPr>
-          <p:cNvPr id="2" name="Title 1"/>
-          <p:cNvSpPr>
-            <a:spLocks noGrp="1"/>
-          </p:cNvSpPr>
-          <p:nvPr>
-            <p:ph type="title"/>
-          </p:nvPr>
-        </p:nvSpPr>
-        <p:spPr>
-          <a:xfrm>
-            <a:off x="609600" y="274638"/>
-            <a:ext cx="7924800" cy="1143000"/>
-          </a:xfrm>
-        </p:spPr>
-        <p:txBody>
-          <a:bodyPr/>
-          <a:lstStyle/>
-          <a:p>
-            <a:r>
-              <a:rPr lang="en-US" smtClean="0"/>
-              <a:t>Click to edit Master title style</a:t>
-            </a:r>
             <a:endParaRPr lang="en-US" dirty="0"/>
           </a:p>
         </p:txBody>
@@ -1729,7 +4263,7 @@
           <a:p>
             <a:fld id="{77F88A12-B18E-466F-972E-65177A5FA075}" type="datetime1">
               <a:rPr lang="en-US" smtClean="0"/>
-              <a:t>07-Oct-14</a:t>
+              <a:t>10/7/2014</a:t>
             </a:fld>
             <a:endParaRPr lang="en-US"/>
           </a:p>
@@ -1779,6 +4313,11 @@
         </p:txBody>
       </p:sp>
     </p:spTree>
+    <p:extLst>
+      <p:ext uri="{BB962C8B-B14F-4D97-AF65-F5344CB8AC3E}">
+        <p14:creationId xmlns:p14="http://schemas.microsoft.com/office/powerpoint/2010/main" val="1055126402"/>
+      </p:ext>
+    </p:extLst>
   </p:cSld>
   <p:clrMapOvr>
     <a:masterClrMapping/>
@@ -1805,170 +4344,6 @@
       </p:grpSpPr>
       <p:sp>
         <p:nvSpPr>
-          <p:cNvPr id="13" name="Content Placeholder 12"/>
-          <p:cNvSpPr>
-            <a:spLocks noGrp="1"/>
-          </p:cNvSpPr>
-          <p:nvPr>
-            <p:ph sz="quarter" idx="14"/>
-          </p:nvPr>
-        </p:nvSpPr>
-        <p:spPr>
-          <a:xfrm>
-            <a:off x="4800600" y="2209800"/>
-            <a:ext cx="3733800" cy="3505200"/>
-          </a:xfrm>
-        </p:spPr>
-        <p:txBody>
-          <a:bodyPr/>
-          <a:lstStyle>
-            <a:lvl6pPr>
-              <a:buClr>
-                <a:schemeClr val="tx2"/>
-              </a:buClr>
-              <a:defRPr/>
-            </a:lvl6pPr>
-            <a:lvl7pPr>
-              <a:buClr>
-                <a:schemeClr val="tx2"/>
-              </a:buClr>
-              <a:defRPr/>
-            </a:lvl7pPr>
-            <a:lvl8pPr>
-              <a:buClr>
-                <a:schemeClr val="tx2"/>
-              </a:buClr>
-              <a:defRPr/>
-            </a:lvl8pPr>
-            <a:lvl9pPr>
-              <a:buClr>
-                <a:schemeClr val="tx2"/>
-              </a:buClr>
-              <a:defRPr/>
-            </a:lvl9pPr>
-          </a:lstStyle>
-          <a:p>
-            <a:pPr lvl="0"/>
-            <a:r>
-              <a:rPr lang="en-US" smtClean="0"/>
-              <a:t>Click to edit Master text styles</a:t>
-            </a:r>
-          </a:p>
-          <a:p>
-            <a:pPr lvl="1"/>
-            <a:r>
-              <a:rPr lang="en-US" smtClean="0"/>
-              <a:t>Second level</a:t>
-            </a:r>
-          </a:p>
-          <a:p>
-            <a:pPr lvl="2"/>
-            <a:r>
-              <a:rPr lang="en-US" smtClean="0"/>
-              <a:t>Third level</a:t>
-            </a:r>
-          </a:p>
-          <a:p>
-            <a:pPr lvl="3"/>
-            <a:r>
-              <a:rPr lang="en-US" smtClean="0"/>
-              <a:t>Fourth level</a:t>
-            </a:r>
-          </a:p>
-          <a:p>
-            <a:pPr lvl="4"/>
-            <a:r>
-              <a:rPr lang="en-US" smtClean="0"/>
-              <a:t>Fifth level</a:t>
-            </a:r>
-            <a:endParaRPr lang="en-US" dirty="0" smtClean="0"/>
-          </a:p>
-        </p:txBody>
-      </p:sp>
-      <p:sp>
-        <p:nvSpPr>
-          <p:cNvPr id="11" name="Content Placeholder 10"/>
-          <p:cNvSpPr>
-            <a:spLocks noGrp="1"/>
-          </p:cNvSpPr>
-          <p:nvPr>
-            <p:ph sz="quarter" idx="13"/>
-          </p:nvPr>
-        </p:nvSpPr>
-        <p:spPr>
-          <a:xfrm>
-            <a:off x="609600" y="2209800"/>
-            <a:ext cx="3733800" cy="3505200"/>
-          </a:xfrm>
-        </p:spPr>
-        <p:txBody>
-          <a:bodyPr/>
-          <a:lstStyle>
-            <a:lvl6pPr>
-              <a:buClr>
-                <a:schemeClr val="tx2"/>
-              </a:buClr>
-              <a:defRPr/>
-            </a:lvl6pPr>
-            <a:lvl7pPr>
-              <a:buClr>
-                <a:schemeClr val="tx2"/>
-              </a:buClr>
-              <a:defRPr/>
-            </a:lvl7pPr>
-            <a:lvl8pPr>
-              <a:buClr>
-                <a:schemeClr val="tx2"/>
-              </a:buClr>
-              <a:defRPr/>
-            </a:lvl8pPr>
-            <a:lvl9pPr>
-              <a:buClr>
-                <a:schemeClr val="tx2"/>
-              </a:buClr>
-              <a:defRPr/>
-            </a:lvl9pPr>
-          </a:lstStyle>
-          <a:p>
-            <a:pPr lvl="0"/>
-            <a:r>
-              <a:rPr lang="en-US" smtClean="0"/>
-              <a:t>Click to edit Master text styles</a:t>
-            </a:r>
-          </a:p>
-          <a:p>
-            <a:pPr lvl="1"/>
-            <a:r>
-              <a:rPr lang="en-US" smtClean="0"/>
-              <a:t>Second level</a:t>
-            </a:r>
-          </a:p>
-          <a:p>
-            <a:pPr lvl="2"/>
-            <a:r>
-              <a:rPr lang="en-US" smtClean="0"/>
-              <a:t>Third level</a:t>
-            </a:r>
-          </a:p>
-          <a:p>
-            <a:pPr lvl="3"/>
-            <a:r>
-              <a:rPr lang="en-US" smtClean="0"/>
-              <a:t>Fourth level</a:t>
-            </a:r>
-          </a:p>
-          <a:p>
-            <a:pPr lvl="4"/>
-            <a:r>
-              <a:rPr lang="en-US" smtClean="0"/>
-              <a:t>Fifth level</a:t>
-            </a:r>
-            <a:endParaRPr lang="en-US" dirty="0" smtClean="0"/>
-          </a:p>
-        </p:txBody>
-      </p:sp>
-      <p:sp>
-        <p:nvSpPr>
           <p:cNvPr id="2" name="Title 1"/>
           <p:cNvSpPr>
             <a:spLocks noGrp="1"/>
@@ -1977,12 +4352,7 @@
             <p:ph type="title"/>
           </p:nvPr>
         </p:nvSpPr>
-        <p:spPr>
-          <a:xfrm>
-            <a:off x="609600" y="274638"/>
-            <a:ext cx="7924800" cy="1143000"/>
-          </a:xfrm>
-        </p:spPr>
+        <p:spPr/>
         <p:txBody>
           <a:bodyPr/>
           <a:lstStyle>
@@ -2011,20 +4381,20 @@
         </p:nvSpPr>
         <p:spPr>
           <a:xfrm>
-            <a:off x="609600" y="1600199"/>
-            <a:ext cx="3733800" cy="574675"/>
+            <a:off x="827700" y="1905000"/>
+            <a:ext cx="3298112" cy="576262"/>
           </a:xfrm>
         </p:spPr>
         <p:txBody>
           <a:bodyPr anchor="b">
-            <a:normAutofit/>
+            <a:noAutofit/>
           </a:bodyPr>
           <a:lstStyle>
             <a:lvl1pPr marL="0" indent="0">
               <a:buNone/>
-              <a:defRPr sz="1700" b="0" i="0" baseline="0">
+              <a:defRPr sz="2400" b="0">
                 <a:solidFill>
-                  <a:schemeClr val="tx2"/>
+                  <a:schemeClr val="accent1"/>
                 </a:solidFill>
               </a:defRPr>
             </a:lvl1pPr>
@@ -2072,30 +4442,117 @@
       </p:sp>
       <p:sp>
         <p:nvSpPr>
-          <p:cNvPr id="5" name="Text Placeholder 4"/>
-          <p:cNvSpPr>
-            <a:spLocks noGrp="1"/>
-          </p:cNvSpPr>
-          <p:nvPr>
-            <p:ph type="body" sz="quarter" idx="3"/>
+          <p:cNvPr id="4" name="Content Placeholder 3"/>
+          <p:cNvSpPr>
+            <a:spLocks noGrp="1"/>
+          </p:cNvSpPr>
+          <p:nvPr>
+            <p:ph sz="half" idx="2"/>
           </p:nvPr>
         </p:nvSpPr>
         <p:spPr>
           <a:xfrm>
-            <a:off x="4800600" y="1600199"/>
-            <a:ext cx="3733800" cy="574675"/>
+            <a:off x="827700" y="2514600"/>
+            <a:ext cx="3298113" cy="3741738"/>
           </a:xfrm>
         </p:spPr>
         <p:txBody>
-          <a:bodyPr anchor="b">
+          <a:bodyPr>
             <a:normAutofit/>
           </a:bodyPr>
           <a:lstStyle>
+            <a:lvl1pPr>
+              <a:defRPr sz="1800"/>
+            </a:lvl1pPr>
+            <a:lvl2pPr>
+              <a:defRPr sz="1600"/>
+            </a:lvl2pPr>
+            <a:lvl3pPr>
+              <a:defRPr sz="1400"/>
+            </a:lvl3pPr>
+            <a:lvl4pPr>
+              <a:defRPr sz="1200"/>
+            </a:lvl4pPr>
+            <a:lvl5pPr>
+              <a:defRPr sz="1200"/>
+            </a:lvl5pPr>
+            <a:lvl6pPr>
+              <a:defRPr sz="1200"/>
+            </a:lvl6pPr>
+            <a:lvl7pPr>
+              <a:defRPr sz="1200"/>
+            </a:lvl7pPr>
+            <a:lvl8pPr>
+              <a:defRPr sz="1200"/>
+            </a:lvl8pPr>
+            <a:lvl9pPr>
+              <a:defRPr sz="1200"/>
+            </a:lvl9pPr>
+          </a:lstStyle>
+          <a:p>
+            <a:pPr lvl="0"/>
+            <a:r>
+              <a:rPr lang="en-US" smtClean="0"/>
+              <a:t>Click to edit Master text styles</a:t>
+            </a:r>
+          </a:p>
+          <a:p>
+            <a:pPr lvl="1"/>
+            <a:r>
+              <a:rPr lang="en-US" smtClean="0"/>
+              <a:t>Second level</a:t>
+            </a:r>
+          </a:p>
+          <a:p>
+            <a:pPr lvl="2"/>
+            <a:r>
+              <a:rPr lang="en-US" smtClean="0"/>
+              <a:t>Third level</a:t>
+            </a:r>
+          </a:p>
+          <a:p>
+            <a:pPr lvl="3"/>
+            <a:r>
+              <a:rPr lang="en-US" smtClean="0"/>
+              <a:t>Fourth level</a:t>
+            </a:r>
+          </a:p>
+          <a:p>
+            <a:pPr lvl="4"/>
+            <a:r>
+              <a:rPr lang="en-US" smtClean="0"/>
+              <a:t>Fifth level</a:t>
+            </a:r>
+            <a:endParaRPr lang="en-US" dirty="0"/>
+          </a:p>
+        </p:txBody>
+      </p:sp>
+      <p:sp>
+        <p:nvSpPr>
+          <p:cNvPr id="5" name="Text Placeholder 4"/>
+          <p:cNvSpPr>
+            <a:spLocks noGrp="1"/>
+          </p:cNvSpPr>
+          <p:nvPr>
+            <p:ph type="body" sz="quarter" idx="3"/>
+          </p:nvPr>
+        </p:nvSpPr>
+        <p:spPr>
+          <a:xfrm>
+            <a:off x="4241976" y="1905000"/>
+            <a:ext cx="3298113" cy="576262"/>
+          </a:xfrm>
+        </p:spPr>
+        <p:txBody>
+          <a:bodyPr anchor="b">
+            <a:noAutofit/>
+          </a:bodyPr>
+          <a:lstStyle>
             <a:lvl1pPr marL="0" indent="0">
               <a:buNone/>
-              <a:defRPr sz="1700" b="0" i="0" baseline="0">
+              <a:defRPr sz="2400" b="0">
                 <a:solidFill>
-                  <a:schemeClr val="tx2"/>
+                  <a:schemeClr val="accent1"/>
                 </a:solidFill>
               </a:defRPr>
             </a:lvl1pPr>
@@ -2143,6 +4600,93 @@
       </p:sp>
       <p:sp>
         <p:nvSpPr>
+          <p:cNvPr id="6" name="Content Placeholder 5"/>
+          <p:cNvSpPr>
+            <a:spLocks noGrp="1"/>
+          </p:cNvSpPr>
+          <p:nvPr>
+            <p:ph sz="quarter" idx="4"/>
+          </p:nvPr>
+        </p:nvSpPr>
+        <p:spPr>
+          <a:xfrm>
+            <a:off x="4241976" y="2514600"/>
+            <a:ext cx="3298113" cy="3741738"/>
+          </a:xfrm>
+        </p:spPr>
+        <p:txBody>
+          <a:bodyPr>
+            <a:normAutofit/>
+          </a:bodyPr>
+          <a:lstStyle>
+            <a:lvl1pPr>
+              <a:defRPr sz="1800"/>
+            </a:lvl1pPr>
+            <a:lvl2pPr>
+              <a:defRPr sz="1600"/>
+            </a:lvl2pPr>
+            <a:lvl3pPr>
+              <a:defRPr sz="1400"/>
+            </a:lvl3pPr>
+            <a:lvl4pPr>
+              <a:defRPr sz="1200"/>
+            </a:lvl4pPr>
+            <a:lvl5pPr>
+              <a:defRPr sz="1200"/>
+            </a:lvl5pPr>
+            <a:lvl6pPr>
+              <a:defRPr sz="1200"/>
+            </a:lvl6pPr>
+            <a:lvl7pPr>
+              <a:defRPr sz="1200"/>
+            </a:lvl7pPr>
+            <a:lvl8pPr>
+              <a:defRPr sz="1200"/>
+            </a:lvl8pPr>
+            <a:lvl9pPr>
+              <a:defRPr sz="1200"/>
+            </a:lvl9pPr>
+          </a:lstStyle>
+          <a:p>
+            <a:pPr lvl="0"/>
+            <a:r>
+              <a:rPr lang="en-US" smtClean="0"/>
+              <a:t>Click to edit Master text styles</a:t>
+            </a:r>
+          </a:p>
+          <a:p>
+            <a:pPr lvl="1"/>
+            <a:r>
+              <a:rPr lang="en-US" smtClean="0"/>
+              <a:t>Second level</a:t>
+            </a:r>
+          </a:p>
+          <a:p>
+            <a:pPr lvl="2"/>
+            <a:r>
+              <a:rPr lang="en-US" smtClean="0"/>
+              <a:t>Third level</a:t>
+            </a:r>
+          </a:p>
+          <a:p>
+            <a:pPr lvl="3"/>
+            <a:r>
+              <a:rPr lang="en-US" smtClean="0"/>
+              <a:t>Fourth level</a:t>
+            </a:r>
+          </a:p>
+          <a:p>
+            <a:pPr lvl="4"/>
+            <a:r>
+              <a:rPr lang="en-US" smtClean="0"/>
+              <a:t>Fifth level</a:t>
+            </a:r>
+            <a:endParaRPr lang="en-US" dirty="0"/>
+          </a:p>
+        </p:txBody>
+      </p:sp>
+      <p:sp>
+        <p:nvSpPr>
           <p:cNvPr id="7" name="Date Placeholder 6"/>
           <p:cNvSpPr>
             <a:spLocks noGrp="1"/>
@@ -2158,7 +4702,7 @@
           <a:p>
             <a:fld id="{AB2A6C8F-CA1B-48E8-AF2A-778279EEA27F}" type="datetime1">
               <a:rPr lang="en-US" smtClean="0"/>
-              <a:t>07-Oct-14</a:t>
+              <a:t>10/7/2014</a:t>
             </a:fld>
             <a:endParaRPr lang="en-US"/>
           </a:p>
@@ -2208,6 +4752,11 @@
         </p:txBody>
       </p:sp>
     </p:spTree>
+    <p:extLst>
+      <p:ext uri="{BB962C8B-B14F-4D97-AF65-F5344CB8AC3E}">
+        <p14:creationId xmlns:p14="http://schemas.microsoft.com/office/powerpoint/2010/main" val="2798450079"/>
+      </p:ext>
+    </p:extLst>
   </p:cSld>
   <p:clrMapOvr>
     <a:masterClrMapping/>
@@ -2242,12 +4791,7 @@
             <p:ph type="title"/>
           </p:nvPr>
         </p:nvSpPr>
-        <p:spPr>
-          <a:xfrm>
-            <a:off x="609600" y="274638"/>
-            <a:ext cx="7924800" cy="1143000"/>
-          </a:xfrm>
-        </p:spPr>
+        <p:spPr/>
         <p:txBody>
           <a:bodyPr/>
           <a:lstStyle/>
@@ -2262,7 +4806,7 @@
       </p:sp>
       <p:sp>
         <p:nvSpPr>
-          <p:cNvPr id="3" name="Date Placeholder 2"/>
+          <p:cNvPr id="7" name="Date Placeholder 2"/>
           <p:cNvSpPr>
             <a:spLocks noGrp="1"/>
           </p:cNvSpPr>
@@ -2277,7 +4821,7 @@
           <a:p>
             <a:fld id="{2FA168FE-C088-40AF-8F97-AF6BCA5D7323}" type="datetime1">
               <a:rPr lang="en-US" smtClean="0"/>
-              <a:t>07-Oct-14</a:t>
+              <a:t>10/7/2014</a:t>
             </a:fld>
             <a:endParaRPr lang="en-US"/>
           </a:p>
@@ -2285,7 +4829,7 @@
       </p:sp>
       <p:sp>
         <p:nvSpPr>
-          <p:cNvPr id="4" name="Footer Placeholder 3"/>
+          <p:cNvPr id="5" name="Footer Placeholder 3"/>
           <p:cNvSpPr>
             <a:spLocks noGrp="1"/>
           </p:cNvSpPr>
@@ -2304,7 +4848,7 @@
       </p:sp>
       <p:sp>
         <p:nvSpPr>
-          <p:cNvPr id="5" name="Slide Number Placeholder 4"/>
+          <p:cNvPr id="6" name="Slide Number Placeholder 4"/>
           <p:cNvSpPr>
             <a:spLocks noGrp="1"/>
           </p:cNvSpPr>
@@ -2327,6 +4871,11 @@
         </p:txBody>
       </p:sp>
     </p:spTree>
+    <p:extLst>
+      <p:ext uri="{BB962C8B-B14F-4D97-AF65-F5344CB8AC3E}">
+        <p14:creationId xmlns:p14="http://schemas.microsoft.com/office/powerpoint/2010/main" val="787758311"/>
+      </p:ext>
+    </p:extLst>
   </p:cSld>
   <p:clrMapOvr>
     <a:masterClrMapping/>
@@ -2353,7 +4902,7 @@
       </p:grpSpPr>
       <p:sp>
         <p:nvSpPr>
-          <p:cNvPr id="2" name="Date Placeholder 1"/>
+          <p:cNvPr id="7" name="Date Placeholder 1"/>
           <p:cNvSpPr>
             <a:spLocks noGrp="1"/>
           </p:cNvSpPr>
@@ -2368,7 +4917,7 @@
           <a:p>
             <a:fld id="{CABA2035-F209-4077-9C2E-01D26D4B2F2B}" type="datetime1">
               <a:rPr lang="en-US" smtClean="0"/>
-              <a:t>07-Oct-14</a:t>
+              <a:t>10/7/2014</a:t>
             </a:fld>
             <a:endParaRPr lang="en-US"/>
           </a:p>
@@ -2376,7 +4925,7 @@
       </p:sp>
       <p:sp>
         <p:nvSpPr>
-          <p:cNvPr id="3" name="Footer Placeholder 2"/>
+          <p:cNvPr id="5" name="Footer Placeholder 2"/>
           <p:cNvSpPr>
             <a:spLocks noGrp="1"/>
           </p:cNvSpPr>
@@ -2395,7 +4944,7 @@
       </p:sp>
       <p:sp>
         <p:nvSpPr>
-          <p:cNvPr id="4" name="Slide Number Placeholder 3"/>
+          <p:cNvPr id="6" name="Slide Number Placeholder 3"/>
           <p:cNvSpPr>
             <a:spLocks noGrp="1"/>
           </p:cNvSpPr>
@@ -2418,6 +4967,11 @@
         </p:txBody>
       </p:sp>
     </p:spTree>
+    <p:extLst>
+      <p:ext uri="{BB962C8B-B14F-4D97-AF65-F5344CB8AC3E}">
+        <p14:creationId xmlns:p14="http://schemas.microsoft.com/office/powerpoint/2010/main" val="2099880855"/>
+      </p:ext>
+    </p:extLst>
   </p:cSld>
   <p:clrMapOvr>
     <a:masterClrMapping/>
@@ -2444,86 +4998,25 @@
       </p:grpSpPr>
       <p:sp>
         <p:nvSpPr>
-          <p:cNvPr id="9" name="Content Placeholder 8"/>
-          <p:cNvSpPr>
-            <a:spLocks noGrp="1"/>
-          </p:cNvSpPr>
-          <p:nvPr>
-            <p:ph sz="quarter" idx="13"/>
+          <p:cNvPr id="2" name="Title 1"/>
+          <p:cNvSpPr>
+            <a:spLocks noGrp="1"/>
+          </p:cNvSpPr>
+          <p:nvPr>
+            <p:ph type="title"/>
           </p:nvPr>
         </p:nvSpPr>
         <p:spPr>
           <a:xfrm>
-            <a:off x="3962400" y="1447800"/>
-            <a:ext cx="4648200" cy="4267200"/>
-          </a:xfrm>
-        </p:spPr>
-        <p:txBody>
-          <a:bodyPr/>
-          <a:lstStyle/>
-          <a:p>
-            <a:pPr lvl="0"/>
-            <a:r>
-              <a:rPr lang="en-US" smtClean="0"/>
-              <a:t>Click to edit Master text styles</a:t>
-            </a:r>
-          </a:p>
-          <a:p>
-            <a:pPr lvl="1"/>
-            <a:r>
-              <a:rPr lang="en-US" smtClean="0"/>
-              <a:t>Second level</a:t>
-            </a:r>
-          </a:p>
-          <a:p>
-            <a:pPr lvl="2"/>
-            <a:r>
-              <a:rPr lang="en-US" smtClean="0"/>
-              <a:t>Third level</a:t>
-            </a:r>
-          </a:p>
-          <a:p>
-            <a:pPr lvl="3"/>
-            <a:r>
-              <a:rPr lang="en-US" smtClean="0"/>
-              <a:t>Fourth level</a:t>
-            </a:r>
-          </a:p>
-          <a:p>
-            <a:pPr lvl="4"/>
-            <a:r>
-              <a:rPr lang="en-US" smtClean="0"/>
-              <a:t>Fifth level</a:t>
-            </a:r>
-            <a:endParaRPr lang="en-US" dirty="0"/>
-          </a:p>
-        </p:txBody>
-      </p:sp>
-      <p:sp>
-        <p:nvSpPr>
-          <p:cNvPr id="2" name="Title 1"/>
-          <p:cNvSpPr>
-            <a:spLocks noGrp="1"/>
-          </p:cNvSpPr>
-          <p:nvPr>
-            <p:ph type="title"/>
-          </p:nvPr>
-        </p:nvSpPr>
-        <p:spPr>
-          <a:xfrm>
-            <a:off x="612648" y="1447800"/>
-            <a:ext cx="2971800" cy="1097280"/>
+            <a:off x="866441" y="1447800"/>
+            <a:ext cx="2551462" cy="1447800"/>
           </a:xfrm>
         </p:spPr>
         <p:txBody>
           <a:bodyPr anchor="b"/>
           <a:lstStyle>
             <a:lvl1pPr algn="l">
-              <a:defRPr sz="1800" b="0" i="0" cap="none" baseline="0">
-                <a:solidFill>
-                  <a:schemeClr val="tx2"/>
-                </a:solidFill>
-              </a:defRPr>
+              <a:defRPr sz="2400" b="0"/>
             </a:lvl1pPr>
           </a:lstStyle>
           <a:p>
@@ -2537,25 +5030,110 @@
       </p:sp>
       <p:sp>
         <p:nvSpPr>
-          <p:cNvPr id="4" name="Text Placeholder 3"/>
-          <p:cNvSpPr>
-            <a:spLocks noGrp="1"/>
-          </p:cNvSpPr>
-          <p:nvPr>
-            <p:ph type="body" sz="half" idx="2"/>
+          <p:cNvPr id="3" name="Content Placeholder 2"/>
+          <p:cNvSpPr>
+            <a:spLocks noGrp="1"/>
+          </p:cNvSpPr>
+          <p:nvPr>
+            <p:ph idx="1"/>
           </p:nvPr>
         </p:nvSpPr>
         <p:spPr>
           <a:xfrm>
-            <a:off x="612648" y="2547891"/>
-            <a:ext cx="2971800" cy="3167109"/>
+            <a:off x="3589397" y="1447800"/>
+            <a:ext cx="3898013" cy="4572000"/>
           </a:xfrm>
         </p:spPr>
         <p:txBody>
-          <a:bodyPr tIns="9144">
+          <a:bodyPr anchor="ctr">
             <a:normAutofit/>
           </a:bodyPr>
           <a:lstStyle>
+            <a:lvl1pPr>
+              <a:defRPr sz="2000"/>
+            </a:lvl1pPr>
+            <a:lvl2pPr>
+              <a:defRPr sz="1800"/>
+            </a:lvl2pPr>
+            <a:lvl3pPr>
+              <a:defRPr sz="1600"/>
+            </a:lvl3pPr>
+            <a:lvl4pPr>
+              <a:defRPr sz="1400"/>
+            </a:lvl4pPr>
+            <a:lvl5pPr>
+              <a:defRPr sz="1400"/>
+            </a:lvl5pPr>
+            <a:lvl6pPr>
+              <a:defRPr sz="1400"/>
+            </a:lvl6pPr>
+            <a:lvl7pPr>
+              <a:defRPr sz="1400"/>
+            </a:lvl7pPr>
+            <a:lvl8pPr>
+              <a:defRPr sz="1400"/>
+            </a:lvl8pPr>
+            <a:lvl9pPr>
+              <a:defRPr sz="1400"/>
+            </a:lvl9pPr>
+          </a:lstStyle>
+          <a:p>
+            <a:pPr lvl="0"/>
+            <a:r>
+              <a:rPr lang="en-US" smtClean="0"/>
+              <a:t>Click to edit Master text styles</a:t>
+            </a:r>
+          </a:p>
+          <a:p>
+            <a:pPr lvl="1"/>
+            <a:r>
+              <a:rPr lang="en-US" smtClean="0"/>
+              <a:t>Second level</a:t>
+            </a:r>
+          </a:p>
+          <a:p>
+            <a:pPr lvl="2"/>
+            <a:r>
+              <a:rPr lang="en-US" smtClean="0"/>
+              <a:t>Third level</a:t>
+            </a:r>
+          </a:p>
+          <a:p>
+            <a:pPr lvl="3"/>
+            <a:r>
+              <a:rPr lang="en-US" smtClean="0"/>
+              <a:t>Fourth level</a:t>
+            </a:r>
+          </a:p>
+          <a:p>
+            <a:pPr lvl="4"/>
+            <a:r>
+              <a:rPr lang="en-US" smtClean="0"/>
+              <a:t>Fifth level</a:t>
+            </a:r>
+            <a:endParaRPr lang="en-US" dirty="0"/>
+          </a:p>
+        </p:txBody>
+      </p:sp>
+      <p:sp>
+        <p:nvSpPr>
+          <p:cNvPr id="4" name="Text Placeholder 3"/>
+          <p:cNvSpPr>
+            <a:spLocks noGrp="1"/>
+          </p:cNvSpPr>
+          <p:nvPr>
+            <p:ph type="body" sz="half" idx="2"/>
+          </p:nvPr>
+        </p:nvSpPr>
+        <p:spPr>
+          <a:xfrm>
+            <a:off x="866441" y="3129281"/>
+            <a:ext cx="2551462" cy="2895599"/>
+          </a:xfrm>
+        </p:spPr>
+        <p:txBody>
+          <a:bodyPr/>
+          <a:lstStyle>
             <a:lvl1pPr marL="0" indent="0">
               <a:buNone/>
               <a:defRPr sz="1400"/>
@@ -2604,7 +5182,7 @@
       </p:sp>
       <p:sp>
         <p:nvSpPr>
-          <p:cNvPr id="5" name="Date Placeholder 4"/>
+          <p:cNvPr id="7" name="Date Placeholder 4"/>
           <p:cNvSpPr>
             <a:spLocks noGrp="1"/>
           </p:cNvSpPr>
@@ -2619,7 +5197,7 @@
           <a:p>
             <a:fld id="{713CAC95-918F-4305-AA5F-8034258AA91B}" type="datetime1">
               <a:rPr lang="en-US" smtClean="0"/>
-              <a:t>07-Oct-14</a:t>
+              <a:t>10/7/2014</a:t>
             </a:fld>
             <a:endParaRPr lang="en-US"/>
           </a:p>
@@ -2627,7 +5205,7 @@
       </p:sp>
       <p:sp>
         <p:nvSpPr>
-          <p:cNvPr id="6" name="Footer Placeholder 5"/>
+          <p:cNvPr id="5" name="Footer Placeholder 5"/>
           <p:cNvSpPr>
             <a:spLocks noGrp="1"/>
           </p:cNvSpPr>
@@ -2646,7 +5224,7 @@
       </p:sp>
       <p:sp>
         <p:nvSpPr>
-          <p:cNvPr id="7" name="Slide Number Placeholder 6"/>
+          <p:cNvPr id="6" name="Slide Number Placeholder 6"/>
           <p:cNvSpPr>
             <a:spLocks noGrp="1"/>
           </p:cNvSpPr>
@@ -2669,6 +5247,11 @@
         </p:txBody>
       </p:sp>
     </p:spTree>
+    <p:extLst>
+      <p:ext uri="{BB962C8B-B14F-4D97-AF65-F5344CB8AC3E}">
+        <p14:creationId xmlns:p14="http://schemas.microsoft.com/office/powerpoint/2010/main" val="1596344833"/>
+      </p:ext>
+    </p:extLst>
   </p:cSld>
   <p:clrMapOvr>
     <a:masterClrMapping/>
@@ -2677,7 +5260,7 @@
 </file>
 
 <file path=ppt/slideLayouts/slideLayout9.xml><?xml version="1.0" encoding="utf-8"?>
-<p:sldLayout xmlns:a="http://schemas.openxmlformats.org/drawingml/2006/main" xmlns:r="http://schemas.openxmlformats.org/officeDocument/2006/relationships" xmlns:p="http://schemas.openxmlformats.org/presentationml/2006/main" showMasterSp="0" type="picTx" preserve="1">
+<p:sldLayout xmlns:a="http://schemas.openxmlformats.org/drawingml/2006/main" xmlns:r="http://schemas.openxmlformats.org/officeDocument/2006/relationships" xmlns:p="http://schemas.openxmlformats.org/presentationml/2006/main" type="picTx" preserve="1">
   <p:cSld name="Picture with Caption">
     <p:spTree>
       <p:nvGrpSpPr>
@@ -2693,61 +5276,114 @@
           <a:chExt cx="0" cy="0"/>
         </a:xfrm>
       </p:grpSpPr>
-      <p:pic>
-        <p:nvPicPr>
-          <p:cNvPr id="11" name="Picture 10" descr="horizon.png"/>
-          <p:cNvPicPr>
-            <a:picLocks noChangeAspect="1"/>
-          </p:cNvPicPr>
-          <p:nvPr/>
-        </p:nvPicPr>
-        <p:blipFill>
-          <a:blip r:embed="rId2" cstate="print"/>
-          <a:stretch>
-            <a:fillRect/>
-          </a:stretch>
-        </p:blipFill>
+      <p:sp>
+        <p:nvSpPr>
+          <p:cNvPr id="2" name="Title 1"/>
+          <p:cNvSpPr>
+            <a:spLocks noGrp="1"/>
+          </p:cNvSpPr>
+          <p:nvPr>
+            <p:ph type="title"/>
+          </p:nvPr>
+        </p:nvSpPr>
         <p:spPr>
           <a:xfrm>
-            <a:off x="0" y="0"/>
-            <a:ext cx="9144000" cy="6858000"/>
+            <a:off x="865656" y="1854192"/>
+            <a:ext cx="3820674" cy="1574808"/>
           </a:xfrm>
-          <a:prstGeom prst="rect">
-            <a:avLst/>
-          </a:prstGeom>
         </p:spPr>
-      </p:pic>
-      <p:sp>
-        <p:nvSpPr>
-          <p:cNvPr id="2" name="Title 1"/>
-          <p:cNvSpPr>
-            <a:spLocks noGrp="1"/>
-          </p:cNvSpPr>
-          <p:nvPr>
-            <p:ph type="title"/>
+        <p:txBody>
+          <a:bodyPr anchor="b">
+            <a:normAutofit/>
+          </a:bodyPr>
+          <a:lstStyle>
+            <a:lvl1pPr algn="l">
+              <a:defRPr sz="3600" b="0"/>
+            </a:lvl1pPr>
+          </a:lstStyle>
+          <a:p>
+            <a:r>
+              <a:rPr lang="en-US" smtClean="0"/>
+              <a:t>Click to edit Master title style</a:t>
+            </a:r>
+            <a:endParaRPr lang="en-US" dirty="0"/>
+          </a:p>
+        </p:txBody>
+      </p:sp>
+      <p:sp>
+        <p:nvSpPr>
+          <p:cNvPr id="3" name="Picture Placeholder 2"/>
+          <p:cNvSpPr>
+            <a:spLocks noGrp="1" noChangeAspect="1"/>
+          </p:cNvSpPr>
+          <p:nvPr>
+            <p:ph type="pic" idx="1"/>
           </p:nvPr>
         </p:nvSpPr>
         <p:spPr>
           <a:xfrm>
-            <a:off x="609600" y="1447800"/>
-            <a:ext cx="2971800" cy="1097280"/>
+            <a:off x="5213517" y="1143000"/>
+            <a:ext cx="2400925" cy="4572000"/>
           </a:xfrm>
+          <a:prstGeom prst="roundRect">
+            <a:avLst>
+              <a:gd name="adj" fmla="val 1858"/>
+            </a:avLst>
+          </a:prstGeom>
+          <a:effectLst>
+            <a:outerShdw blurRad="50800" dist="50800" dir="5400000" algn="tl" rotWithShape="0">
+              <a:srgbClr val="000000">
+                <a:alpha val="43000"/>
+              </a:srgbClr>
+            </a:outerShdw>
+          </a:effectLst>
         </p:spPr>
         <p:txBody>
-          <a:bodyPr anchor="b"/>
+          <a:bodyPr anchor="t">
+            <a:normAutofit/>
+          </a:bodyPr>
           <a:lstStyle>
-            <a:lvl1pPr algn="l">
-              <a:defRPr sz="1800" b="0" i="0" cap="none" baseline="0">
-                <a:solidFill>
-                  <a:schemeClr val="tx2"/>
-                </a:solidFill>
-              </a:defRPr>
+            <a:lvl1pPr marL="0" indent="0" algn="ctr">
+              <a:buNone/>
+              <a:defRPr sz="1600"/>
             </a:lvl1pPr>
+            <a:lvl2pPr marL="457200" indent="0">
+              <a:buNone/>
+              <a:defRPr sz="1600"/>
+            </a:lvl2pPr>
+            <a:lvl3pPr marL="914400" indent="0">
+              <a:buNone/>
+              <a:defRPr sz="1600"/>
+            </a:lvl3pPr>
+            <a:lvl4pPr marL="1371600" indent="0">
+              <a:buNone/>
+              <a:defRPr sz="1600"/>
+            </a:lvl4pPr>
+            <a:lvl5pPr marL="1828800" indent="0">
+              <a:buNone/>
+              <a:defRPr sz="1600"/>
+            </a:lvl5pPr>
+            <a:lvl6pPr marL="2286000" indent="0">
+              <a:buNone/>
+              <a:defRPr sz="1600"/>
+            </a:lvl6pPr>
+            <a:lvl7pPr marL="2743200" indent="0">
+              <a:buNone/>
+              <a:defRPr sz="1600"/>
+            </a:lvl7pPr>
+            <a:lvl8pPr marL="3200400" indent="0">
+              <a:buNone/>
+              <a:defRPr sz="1600"/>
+            </a:lvl8pPr>
+            <a:lvl9pPr marL="3657600" indent="0">
+              <a:buNone/>
+              <a:defRPr sz="1600"/>
+            </a:lvl9pPr>
           </a:lstStyle>
           <a:p>
             <a:r>
               <a:rPr lang="en-US" smtClean="0"/>
-              <a:t>Click to edit Master title style</a:t>
+              <a:t>Click icon to add picture</a:t>
             </a:r>
             <a:endParaRPr lang="en-US" dirty="0"/>
           </a:p>
@@ -2755,324 +5391,25 @@
       </p:sp>
       <p:sp>
         <p:nvSpPr>
-          <p:cNvPr id="3" name="Picture Placeholder 2"/>
-          <p:cNvSpPr>
-            <a:spLocks noGrp="1"/>
-          </p:cNvSpPr>
-          <p:nvPr>
-            <p:ph type="pic" idx="1"/>
+          <p:cNvPr id="4" name="Text Placeholder 3"/>
+          <p:cNvSpPr>
+            <a:spLocks noGrp="1"/>
+          </p:cNvSpPr>
+          <p:nvPr>
+            <p:ph type="body" sz="half" idx="2"/>
           </p:nvPr>
         </p:nvSpPr>
         <p:spPr>
           <a:xfrm>
-            <a:off x="4657344" y="1447800"/>
-            <a:ext cx="3419856" cy="3474720"/>
+            <a:off x="866441" y="3657600"/>
+            <a:ext cx="3814728" cy="1371600"/>
           </a:xfrm>
-          <a:custGeom>
-            <a:avLst/>
-            <a:gdLst>
-              <a:gd name="connsiteX0" fmla="*/ 0 w 3419856"/>
-              <a:gd name="connsiteY0" fmla="*/ 74450 h 3429000"/>
-              <a:gd name="connsiteX1" fmla="*/ 21806 w 3419856"/>
-              <a:gd name="connsiteY1" fmla="*/ 21806 h 3429000"/>
-              <a:gd name="connsiteX2" fmla="*/ 74450 w 3419856"/>
-              <a:gd name="connsiteY2" fmla="*/ 0 h 3429000"/>
-              <a:gd name="connsiteX3" fmla="*/ 3345406 w 3419856"/>
-              <a:gd name="connsiteY3" fmla="*/ 0 h 3429000"/>
-              <a:gd name="connsiteX4" fmla="*/ 3398050 w 3419856"/>
-              <a:gd name="connsiteY4" fmla="*/ 21806 h 3429000"/>
-              <a:gd name="connsiteX5" fmla="*/ 3419856 w 3419856"/>
-              <a:gd name="connsiteY5" fmla="*/ 74450 h 3429000"/>
-              <a:gd name="connsiteX6" fmla="*/ 3419856 w 3419856"/>
-              <a:gd name="connsiteY6" fmla="*/ 3354550 h 3429000"/>
-              <a:gd name="connsiteX7" fmla="*/ 3398050 w 3419856"/>
-              <a:gd name="connsiteY7" fmla="*/ 3407194 h 3429000"/>
-              <a:gd name="connsiteX8" fmla="*/ 3345406 w 3419856"/>
-              <a:gd name="connsiteY8" fmla="*/ 3429000 h 3429000"/>
-              <a:gd name="connsiteX9" fmla="*/ 74450 w 3419856"/>
-              <a:gd name="connsiteY9" fmla="*/ 3429000 h 3429000"/>
-              <a:gd name="connsiteX10" fmla="*/ 21806 w 3419856"/>
-              <a:gd name="connsiteY10" fmla="*/ 3407194 h 3429000"/>
-              <a:gd name="connsiteX11" fmla="*/ 0 w 3419856"/>
-              <a:gd name="connsiteY11" fmla="*/ 3354550 h 3429000"/>
-              <a:gd name="connsiteX12" fmla="*/ 0 w 3419856"/>
-              <a:gd name="connsiteY12" fmla="*/ 74450 h 3429000"/>
-              <a:gd name="connsiteX0" fmla="*/ 0 w 3419856"/>
-              <a:gd name="connsiteY0" fmla="*/ 74450 h 3429000"/>
-              <a:gd name="connsiteX1" fmla="*/ 21806 w 3419856"/>
-              <a:gd name="connsiteY1" fmla="*/ 21806 h 3429000"/>
-              <a:gd name="connsiteX2" fmla="*/ 74450 w 3419856"/>
-              <a:gd name="connsiteY2" fmla="*/ 0 h 3429000"/>
-              <a:gd name="connsiteX3" fmla="*/ 3345406 w 3419856"/>
-              <a:gd name="connsiteY3" fmla="*/ 0 h 3429000"/>
-              <a:gd name="connsiteX4" fmla="*/ 3398050 w 3419856"/>
-              <a:gd name="connsiteY4" fmla="*/ 21806 h 3429000"/>
-              <a:gd name="connsiteX5" fmla="*/ 3419856 w 3419856"/>
-              <a:gd name="connsiteY5" fmla="*/ 74450 h 3429000"/>
-              <a:gd name="connsiteX6" fmla="*/ 3419856 w 3419856"/>
-              <a:gd name="connsiteY6" fmla="*/ 3354550 h 3429000"/>
-              <a:gd name="connsiteX7" fmla="*/ 3398050 w 3419856"/>
-              <a:gd name="connsiteY7" fmla="*/ 3407194 h 3429000"/>
-              <a:gd name="connsiteX8" fmla="*/ 3345406 w 3419856"/>
-              <a:gd name="connsiteY8" fmla="*/ 3429000 h 3429000"/>
-              <a:gd name="connsiteX9" fmla="*/ 21806 w 3419856"/>
-              <a:gd name="connsiteY9" fmla="*/ 3407194 h 3429000"/>
-              <a:gd name="connsiteX10" fmla="*/ 0 w 3419856"/>
-              <a:gd name="connsiteY10" fmla="*/ 3354550 h 3429000"/>
-              <a:gd name="connsiteX11" fmla="*/ 0 w 3419856"/>
-              <a:gd name="connsiteY11" fmla="*/ 74450 h 3429000"/>
-              <a:gd name="connsiteX0" fmla="*/ 0 w 3964392"/>
-              <a:gd name="connsiteY0" fmla="*/ 74450 h 3415968"/>
-              <a:gd name="connsiteX1" fmla="*/ 21806 w 3964392"/>
-              <a:gd name="connsiteY1" fmla="*/ 21806 h 3415968"/>
-              <a:gd name="connsiteX2" fmla="*/ 74450 w 3964392"/>
-              <a:gd name="connsiteY2" fmla="*/ 0 h 3415968"/>
-              <a:gd name="connsiteX3" fmla="*/ 3345406 w 3964392"/>
-              <a:gd name="connsiteY3" fmla="*/ 0 h 3415968"/>
-              <a:gd name="connsiteX4" fmla="*/ 3398050 w 3964392"/>
-              <a:gd name="connsiteY4" fmla="*/ 21806 h 3415968"/>
-              <a:gd name="connsiteX5" fmla="*/ 3419856 w 3964392"/>
-              <a:gd name="connsiteY5" fmla="*/ 74450 h 3415968"/>
-              <a:gd name="connsiteX6" fmla="*/ 3419856 w 3964392"/>
-              <a:gd name="connsiteY6" fmla="*/ 3354550 h 3415968"/>
-              <a:gd name="connsiteX7" fmla="*/ 3398050 w 3964392"/>
-              <a:gd name="connsiteY7" fmla="*/ 3407194 h 3415968"/>
-              <a:gd name="connsiteX8" fmla="*/ 21806 w 3964392"/>
-              <a:gd name="connsiteY8" fmla="*/ 3407194 h 3415968"/>
-              <a:gd name="connsiteX9" fmla="*/ 0 w 3964392"/>
-              <a:gd name="connsiteY9" fmla="*/ 3354550 h 3415968"/>
-              <a:gd name="connsiteX10" fmla="*/ 0 w 3964392"/>
-              <a:gd name="connsiteY10" fmla="*/ 74450 h 3415968"/>
-              <a:gd name="connsiteX0" fmla="*/ 0 w 3964392"/>
-              <a:gd name="connsiteY0" fmla="*/ 74450 h 3415968"/>
-              <a:gd name="connsiteX1" fmla="*/ 21806 w 3964392"/>
-              <a:gd name="connsiteY1" fmla="*/ 21806 h 3415968"/>
-              <a:gd name="connsiteX2" fmla="*/ 74450 w 3964392"/>
-              <a:gd name="connsiteY2" fmla="*/ 0 h 3415968"/>
-              <a:gd name="connsiteX3" fmla="*/ 3345406 w 3964392"/>
-              <a:gd name="connsiteY3" fmla="*/ 0 h 3415968"/>
-              <a:gd name="connsiteX4" fmla="*/ 3398050 w 3964392"/>
-              <a:gd name="connsiteY4" fmla="*/ 21806 h 3415968"/>
-              <a:gd name="connsiteX5" fmla="*/ 3419856 w 3964392"/>
-              <a:gd name="connsiteY5" fmla="*/ 74450 h 3415968"/>
-              <a:gd name="connsiteX6" fmla="*/ 3419856 w 3964392"/>
-              <a:gd name="connsiteY6" fmla="*/ 3354550 h 3415968"/>
-              <a:gd name="connsiteX7" fmla="*/ 3398050 w 3964392"/>
-              <a:gd name="connsiteY7" fmla="*/ 3407194 h 3415968"/>
-              <a:gd name="connsiteX8" fmla="*/ 21806 w 3964392"/>
-              <a:gd name="connsiteY8" fmla="*/ 3407194 h 3415968"/>
-              <a:gd name="connsiteX9" fmla="*/ 0 w 3964392"/>
-              <a:gd name="connsiteY9" fmla="*/ 3354550 h 3415968"/>
-              <a:gd name="connsiteX10" fmla="*/ 0 w 3964392"/>
-              <a:gd name="connsiteY10" fmla="*/ 74450 h 3415968"/>
-              <a:gd name="connsiteX0" fmla="*/ 0 w 3968026"/>
-              <a:gd name="connsiteY0" fmla="*/ 74450 h 3910007"/>
-              <a:gd name="connsiteX1" fmla="*/ 21806 w 3968026"/>
-              <a:gd name="connsiteY1" fmla="*/ 21806 h 3910007"/>
-              <a:gd name="connsiteX2" fmla="*/ 74450 w 3968026"/>
-              <a:gd name="connsiteY2" fmla="*/ 0 h 3910007"/>
-              <a:gd name="connsiteX3" fmla="*/ 3345406 w 3968026"/>
-              <a:gd name="connsiteY3" fmla="*/ 0 h 3910007"/>
-              <a:gd name="connsiteX4" fmla="*/ 3398050 w 3968026"/>
-              <a:gd name="connsiteY4" fmla="*/ 21806 h 3910007"/>
-              <a:gd name="connsiteX5" fmla="*/ 3419856 w 3968026"/>
-              <a:gd name="connsiteY5" fmla="*/ 74450 h 3910007"/>
-              <a:gd name="connsiteX6" fmla="*/ 3419856 w 3968026"/>
-              <a:gd name="connsiteY6" fmla="*/ 3354550 h 3910007"/>
-              <a:gd name="connsiteX7" fmla="*/ 3398050 w 3968026"/>
-              <a:gd name="connsiteY7" fmla="*/ 3407194 h 3910007"/>
-              <a:gd name="connsiteX8" fmla="*/ 0 w 3968026"/>
-              <a:gd name="connsiteY8" fmla="*/ 3354550 h 3910007"/>
-              <a:gd name="connsiteX9" fmla="*/ 0 w 3968026"/>
-              <a:gd name="connsiteY9" fmla="*/ 74450 h 3910007"/>
-              <a:gd name="connsiteX0" fmla="*/ 0 w 3419856"/>
-              <a:gd name="connsiteY0" fmla="*/ 74450 h 3901233"/>
-              <a:gd name="connsiteX1" fmla="*/ 21806 w 3419856"/>
-              <a:gd name="connsiteY1" fmla="*/ 21806 h 3901233"/>
-              <a:gd name="connsiteX2" fmla="*/ 74450 w 3419856"/>
-              <a:gd name="connsiteY2" fmla="*/ 0 h 3901233"/>
-              <a:gd name="connsiteX3" fmla="*/ 3345406 w 3419856"/>
-              <a:gd name="connsiteY3" fmla="*/ 0 h 3901233"/>
-              <a:gd name="connsiteX4" fmla="*/ 3398050 w 3419856"/>
-              <a:gd name="connsiteY4" fmla="*/ 21806 h 3901233"/>
-              <a:gd name="connsiteX5" fmla="*/ 3419856 w 3419856"/>
-              <a:gd name="connsiteY5" fmla="*/ 74450 h 3901233"/>
-              <a:gd name="connsiteX6" fmla="*/ 3419856 w 3419856"/>
-              <a:gd name="connsiteY6" fmla="*/ 3354550 h 3901233"/>
-              <a:gd name="connsiteX7" fmla="*/ 0 w 3419856"/>
-              <a:gd name="connsiteY7" fmla="*/ 3354550 h 3901233"/>
-              <a:gd name="connsiteX8" fmla="*/ 0 w 3419856"/>
-              <a:gd name="connsiteY8" fmla="*/ 74450 h 3901233"/>
-              <a:gd name="connsiteX0" fmla="*/ 0 w 3419856"/>
-              <a:gd name="connsiteY0" fmla="*/ 74450 h 3354550"/>
-              <a:gd name="connsiteX1" fmla="*/ 21806 w 3419856"/>
-              <a:gd name="connsiteY1" fmla="*/ 21806 h 3354550"/>
-              <a:gd name="connsiteX2" fmla="*/ 74450 w 3419856"/>
-              <a:gd name="connsiteY2" fmla="*/ 0 h 3354550"/>
-              <a:gd name="connsiteX3" fmla="*/ 3345406 w 3419856"/>
-              <a:gd name="connsiteY3" fmla="*/ 0 h 3354550"/>
-              <a:gd name="connsiteX4" fmla="*/ 3398050 w 3419856"/>
-              <a:gd name="connsiteY4" fmla="*/ 21806 h 3354550"/>
-              <a:gd name="connsiteX5" fmla="*/ 3419856 w 3419856"/>
-              <a:gd name="connsiteY5" fmla="*/ 74450 h 3354550"/>
-              <a:gd name="connsiteX6" fmla="*/ 3419856 w 3419856"/>
-              <a:gd name="connsiteY6" fmla="*/ 3354550 h 3354550"/>
-              <a:gd name="connsiteX7" fmla="*/ 0 w 3419856"/>
-              <a:gd name="connsiteY7" fmla="*/ 3354550 h 3354550"/>
-              <a:gd name="connsiteX8" fmla="*/ 0 w 3419856"/>
-              <a:gd name="connsiteY8" fmla="*/ 74450 h 3354550"/>
-            </a:gdLst>
-            <a:ahLst/>
-            <a:cxnLst>
-              <a:cxn ang="0">
-                <a:pos x="connsiteX0" y="connsiteY0"/>
-              </a:cxn>
-              <a:cxn ang="0">
-                <a:pos x="connsiteX1" y="connsiteY1"/>
-              </a:cxn>
-              <a:cxn ang="0">
-                <a:pos x="connsiteX2" y="connsiteY2"/>
-              </a:cxn>
-              <a:cxn ang="0">
-                <a:pos x="connsiteX3" y="connsiteY3"/>
-              </a:cxn>
-              <a:cxn ang="0">
-                <a:pos x="connsiteX4" y="connsiteY4"/>
-              </a:cxn>
-              <a:cxn ang="0">
-                <a:pos x="connsiteX5" y="connsiteY5"/>
-              </a:cxn>
-              <a:cxn ang="0">
-                <a:pos x="connsiteX6" y="connsiteY6"/>
-              </a:cxn>
-              <a:cxn ang="0">
-                <a:pos x="connsiteX7" y="connsiteY7"/>
-              </a:cxn>
-              <a:cxn ang="0">
-                <a:pos x="connsiteX8" y="connsiteY8"/>
-              </a:cxn>
-            </a:cxnLst>
-            <a:rect l="l" t="t" r="r" b="b"/>
-            <a:pathLst>
-              <a:path w="3419856" h="3354550">
-                <a:moveTo>
-                  <a:pt x="0" y="74450"/>
-                </a:moveTo>
-                <a:cubicBezTo>
-                  <a:pt x="0" y="54705"/>
-                  <a:pt x="7844" y="35768"/>
-                  <a:pt x="21806" y="21806"/>
-                </a:cubicBezTo>
-                <a:cubicBezTo>
-                  <a:pt x="35768" y="7844"/>
-                  <a:pt x="54705" y="0"/>
-                  <a:pt x="74450" y="0"/>
-                </a:cubicBezTo>
-                <a:lnTo>
-                  <a:pt x="3345406" y="0"/>
-                </a:lnTo>
-                <a:cubicBezTo>
-                  <a:pt x="3365151" y="0"/>
-                  <a:pt x="3384088" y="7844"/>
-                  <a:pt x="3398050" y="21806"/>
-                </a:cubicBezTo>
-                <a:cubicBezTo>
-                  <a:pt x="3412012" y="35768"/>
-                  <a:pt x="3419856" y="54705"/>
-                  <a:pt x="3419856" y="74450"/>
-                </a:cubicBezTo>
-                <a:lnTo>
-                  <a:pt x="3419856" y="3354550"/>
-                </a:lnTo>
-                <a:lnTo>
-                  <a:pt x="0" y="3354550"/>
-                </a:lnTo>
-                <a:lnTo>
-                  <a:pt x="0" y="74450"/>
-                </a:lnTo>
-                <a:close/>
-              </a:path>
-            </a:pathLst>
-          </a:custGeom>
         </p:spPr>
         <p:txBody>
           <a:bodyPr>
             <a:normAutofit/>
           </a:bodyPr>
           <a:lstStyle>
-            <a:lvl1pPr marL="0" indent="0" algn="ctr">
-              <a:buNone/>
-              <a:defRPr sz="2000" baseline="0">
-                <a:solidFill>
-                  <a:schemeClr val="tx1">
-                    <a:lumMod val="65000"/>
-                  </a:schemeClr>
-                </a:solidFill>
-              </a:defRPr>
-            </a:lvl1pPr>
-            <a:lvl2pPr marL="457200" indent="0">
-              <a:buNone/>
-              <a:defRPr sz="2800"/>
-            </a:lvl2pPr>
-            <a:lvl3pPr marL="914400" indent="0">
-              <a:buNone/>
-              <a:defRPr sz="2400"/>
-            </a:lvl3pPr>
-            <a:lvl4pPr marL="1371600" indent="0">
-              <a:buNone/>
-              <a:defRPr sz="2000"/>
-            </a:lvl4pPr>
-            <a:lvl5pPr marL="1828800" indent="0">
-              <a:buNone/>
-              <a:defRPr sz="2000"/>
-            </a:lvl5pPr>
-            <a:lvl6pPr marL="2286000" indent="0">
-              <a:buNone/>
-              <a:defRPr sz="2000"/>
-            </a:lvl6pPr>
-            <a:lvl7pPr marL="2743200" indent="0">
-              <a:buNone/>
-              <a:defRPr sz="2000"/>
-            </a:lvl7pPr>
-            <a:lvl8pPr marL="3200400" indent="0">
-              <a:buNone/>
-              <a:defRPr sz="2000"/>
-            </a:lvl8pPr>
-            <a:lvl9pPr marL="3657600" indent="0">
-              <a:buNone/>
-              <a:defRPr sz="2000"/>
-            </a:lvl9pPr>
-          </a:lstStyle>
-          <a:p>
-            <a:r>
-              <a:rPr lang="en-US" smtClean="0"/>
-              <a:t>Click icon to add picture</a:t>
-            </a:r>
-            <a:endParaRPr lang="en-US" dirty="0"/>
-          </a:p>
-        </p:txBody>
-      </p:sp>
-      <p:sp>
-        <p:nvSpPr>
-          <p:cNvPr id="4" name="Text Placeholder 3"/>
-          <p:cNvSpPr>
-            <a:spLocks noGrp="1"/>
-          </p:cNvSpPr>
-          <p:nvPr>
-            <p:ph type="body" sz="half" idx="2"/>
-          </p:nvPr>
-        </p:nvSpPr>
-        <p:spPr>
-          <a:xfrm>
-            <a:off x="609600" y="2547890"/>
-            <a:ext cx="2971800" cy="2405109"/>
-          </a:xfrm>
-        </p:spPr>
-        <p:txBody>
-          <a:bodyPr tIns="9144">
-            <a:normAutofit/>
-          </a:bodyPr>
-          <a:lstStyle>
             <a:lvl1pPr marL="0" indent="0">
               <a:buNone/>
               <a:defRPr sz="1400"/>
@@ -3136,7 +5473,7 @@
           <a:p>
             <a:fld id="{01ABFCEF-BEE6-4C5E-8BF9-C4D48BB387BA}" type="datetime1">
               <a:rPr lang="en-US" smtClean="0"/>
-              <a:t>07-Oct-14</a:t>
+              <a:t>10/7/2014</a:t>
             </a:fld>
             <a:endParaRPr lang="en-US"/>
           </a:p>
@@ -3186,6 +5523,11 @@
         </p:txBody>
       </p:sp>
     </p:spTree>
+    <p:extLst>
+      <p:ext uri="{BB962C8B-B14F-4D97-AF65-F5344CB8AC3E}">
+        <p14:creationId xmlns:p14="http://schemas.microsoft.com/office/powerpoint/2010/main" val="2147982402"/>
+      </p:ext>
+    </p:extLst>
   </p:cSld>
   <p:clrMapOvr>
     <a:masterClrMapping/>
@@ -3197,8 +5539,8 @@
 <p:sldMaster xmlns:a="http://schemas.openxmlformats.org/drawingml/2006/main" xmlns:r="http://schemas.openxmlformats.org/officeDocument/2006/relationships" xmlns:p="http://schemas.openxmlformats.org/presentationml/2006/main">
   <p:cSld>
     <p:bg>
-      <p:bgRef idx="1002">
-        <a:schemeClr val="bg1"/>
+      <p:bgRef idx="1003">
+        <a:schemeClr val="bg2"/>
       </p:bgRef>
     </p:bg>
     <p:spTree>
@@ -3215,58 +5557,447 @@
           <a:chExt cx="0" cy="0"/>
         </a:xfrm>
       </p:grpSpPr>
-      <p:pic>
-        <p:nvPicPr>
-          <p:cNvPr id="7" name="Picture 6" descr="horizon.png"/>
-          <p:cNvPicPr>
-            <a:picLocks noChangeAspect="1"/>
-          </p:cNvPicPr>
+      <p:sp>
+        <p:nvSpPr>
+          <p:cNvPr id="22" name="Oval 21"/>
+          <p:cNvSpPr/>
           <p:nvPr/>
-        </p:nvPicPr>
-        <p:blipFill>
-          <a:blip r:embed="rId13" cstate="print"/>
-          <a:stretch>
-            <a:fillRect/>
-          </a:stretch>
-        </p:blipFill>
+        </p:nvSpPr>
         <p:spPr>
           <a:xfrm>
-            <a:off x="0" y="0"/>
-            <a:ext cx="9144000" cy="6858000"/>
+            <a:off x="6299432" y="1676400"/>
+            <a:ext cx="2819400" cy="2819400"/>
+          </a:xfrm>
+          <a:prstGeom prst="ellipse">
+            <a:avLst/>
+          </a:prstGeom>
+          <a:gradFill flip="none" rotWithShape="1">
+            <a:gsLst>
+              <a:gs pos="0">
+                <a:schemeClr val="bg2">
+                  <a:lumMod val="40000"/>
+                  <a:lumOff val="60000"/>
+                  <a:alpha val="7000"/>
+                </a:schemeClr>
+              </a:gs>
+              <a:gs pos="69000">
+                <a:schemeClr val="bg2">
+                  <a:lumMod val="40000"/>
+                  <a:lumOff val="60000"/>
+                  <a:alpha val="0"/>
+                </a:schemeClr>
+              </a:gs>
+              <a:gs pos="36000">
+                <a:schemeClr val="bg2">
+                  <a:lumMod val="40000"/>
+                  <a:lumOff val="60000"/>
+                  <a:alpha val="6000"/>
+                </a:schemeClr>
+              </a:gs>
+            </a:gsLst>
+            <a:path path="circle">
+              <a:fillToRect l="50000" t="50000" r="50000" b="50000"/>
+            </a:path>
+            <a:tileRect/>
+          </a:gradFill>
+          <a:ln>
+            <a:noFill/>
+          </a:ln>
+          <a:effectLst/>
+        </p:spPr>
+        <p:style>
+          <a:lnRef idx="1">
+            <a:schemeClr val="accent1"/>
+          </a:lnRef>
+          <a:fillRef idx="3">
+            <a:schemeClr val="accent1"/>
+          </a:fillRef>
+          <a:effectRef idx="2">
+            <a:schemeClr val="accent1"/>
+          </a:effectRef>
+          <a:fontRef idx="minor">
+            <a:schemeClr val="lt1"/>
+          </a:fontRef>
+        </p:style>
+      </p:sp>
+      <p:sp>
+        <p:nvSpPr>
+          <p:cNvPr id="23" name="Oval 22"/>
+          <p:cNvSpPr/>
+          <p:nvPr/>
+        </p:nvSpPr>
+        <p:spPr>
+          <a:xfrm>
+            <a:off x="5689832" y="-457200"/>
+            <a:ext cx="1600200" cy="1600200"/>
+          </a:xfrm>
+          <a:prstGeom prst="ellipse">
+            <a:avLst/>
+          </a:prstGeom>
+          <a:gradFill flip="none" rotWithShape="1">
+            <a:gsLst>
+              <a:gs pos="0">
+                <a:schemeClr val="bg2">
+                  <a:lumMod val="40000"/>
+                  <a:lumOff val="60000"/>
+                  <a:alpha val="14000"/>
+                </a:schemeClr>
+              </a:gs>
+              <a:gs pos="73000">
+                <a:schemeClr val="bg2">
+                  <a:lumMod val="40000"/>
+                  <a:lumOff val="60000"/>
+                  <a:alpha val="0"/>
+                </a:schemeClr>
+              </a:gs>
+              <a:gs pos="36000">
+                <a:schemeClr val="bg2">
+                  <a:lumMod val="40000"/>
+                  <a:lumOff val="60000"/>
+                  <a:alpha val="7000"/>
+                </a:schemeClr>
+              </a:gs>
+            </a:gsLst>
+            <a:path path="circle">
+              <a:fillToRect l="50000" t="50000" r="50000" b="50000"/>
+            </a:path>
+            <a:tileRect/>
+          </a:gradFill>
+          <a:ln>
+            <a:noFill/>
+          </a:ln>
+          <a:effectLst/>
+        </p:spPr>
+        <p:style>
+          <a:lnRef idx="1">
+            <a:schemeClr val="accent1"/>
+          </a:lnRef>
+          <a:fillRef idx="3">
+            <a:schemeClr val="accent1"/>
+          </a:fillRef>
+          <a:effectRef idx="2">
+            <a:schemeClr val="accent1"/>
+          </a:effectRef>
+          <a:fontRef idx="minor">
+            <a:schemeClr val="lt1"/>
+          </a:fontRef>
+        </p:style>
+      </p:sp>
+      <p:sp>
+        <p:nvSpPr>
+          <p:cNvPr id="24" name="Oval 23"/>
+          <p:cNvSpPr/>
+          <p:nvPr/>
+        </p:nvSpPr>
+        <p:spPr>
+          <a:xfrm>
+            <a:off x="6299432" y="6096000"/>
+            <a:ext cx="990600" cy="990600"/>
+          </a:xfrm>
+          <a:prstGeom prst="ellipse">
+            <a:avLst/>
+          </a:prstGeom>
+          <a:gradFill flip="none" rotWithShape="1">
+            <a:gsLst>
+              <a:gs pos="0">
+                <a:schemeClr val="bg2">
+                  <a:lumMod val="40000"/>
+                  <a:lumOff val="60000"/>
+                  <a:alpha val="14000"/>
+                </a:schemeClr>
+              </a:gs>
+              <a:gs pos="66000">
+                <a:schemeClr val="bg2">
+                  <a:lumMod val="40000"/>
+                  <a:lumOff val="60000"/>
+                  <a:alpha val="0"/>
+                </a:schemeClr>
+              </a:gs>
+              <a:gs pos="36000">
+                <a:schemeClr val="bg2">
+                  <a:lumMod val="40000"/>
+                  <a:lumOff val="60000"/>
+                  <a:alpha val="7000"/>
+                </a:schemeClr>
+              </a:gs>
+            </a:gsLst>
+            <a:path path="circle">
+              <a:fillToRect l="50000" t="50000" r="50000" b="50000"/>
+            </a:path>
+            <a:tileRect/>
+          </a:gradFill>
+          <a:ln>
+            <a:noFill/>
+          </a:ln>
+          <a:effectLst/>
+        </p:spPr>
+        <p:style>
+          <a:lnRef idx="1">
+            <a:schemeClr val="accent1"/>
+          </a:lnRef>
+          <a:fillRef idx="3">
+            <a:schemeClr val="accent1"/>
+          </a:fillRef>
+          <a:effectRef idx="2">
+            <a:schemeClr val="accent1"/>
+          </a:effectRef>
+          <a:fontRef idx="minor">
+            <a:schemeClr val="lt1"/>
+          </a:fontRef>
+        </p:style>
+      </p:sp>
+      <p:sp>
+        <p:nvSpPr>
+          <p:cNvPr id="20" name="Oval 19"/>
+          <p:cNvSpPr/>
+          <p:nvPr/>
+        </p:nvSpPr>
+        <p:spPr>
+          <a:xfrm>
+            <a:off x="-153988" y="2667000"/>
+            <a:ext cx="4191000" cy="4191000"/>
+          </a:xfrm>
+          <a:prstGeom prst="ellipse">
+            <a:avLst/>
+          </a:prstGeom>
+          <a:gradFill flip="none" rotWithShape="1">
+            <a:gsLst>
+              <a:gs pos="0">
+                <a:schemeClr val="bg2">
+                  <a:lumMod val="40000"/>
+                  <a:lumOff val="60000"/>
+                  <a:alpha val="11000"/>
+                </a:schemeClr>
+              </a:gs>
+              <a:gs pos="75000">
+                <a:schemeClr val="bg2">
+                  <a:lumMod val="40000"/>
+                  <a:lumOff val="60000"/>
+                  <a:alpha val="0"/>
+                </a:schemeClr>
+              </a:gs>
+              <a:gs pos="36000">
+                <a:schemeClr val="bg2">
+                  <a:lumMod val="40000"/>
+                  <a:lumOff val="60000"/>
+                  <a:alpha val="10000"/>
+                </a:schemeClr>
+              </a:gs>
+            </a:gsLst>
+            <a:path path="circle">
+              <a:fillToRect l="50000" t="50000" r="50000" b="50000"/>
+            </a:path>
+            <a:tileRect/>
+          </a:gradFill>
+          <a:ln>
+            <a:noFill/>
+          </a:ln>
+          <a:effectLst/>
+        </p:spPr>
+        <p:style>
+          <a:lnRef idx="1">
+            <a:schemeClr val="accent1"/>
+          </a:lnRef>
+          <a:fillRef idx="3">
+            <a:schemeClr val="accent1"/>
+          </a:fillRef>
+          <a:effectRef idx="2">
+            <a:schemeClr val="accent1"/>
+          </a:effectRef>
+          <a:fontRef idx="minor">
+            <a:schemeClr val="lt1"/>
+          </a:fontRef>
+        </p:style>
+      </p:sp>
+      <p:sp>
+        <p:nvSpPr>
+          <p:cNvPr id="21" name="Oval 20"/>
+          <p:cNvSpPr/>
+          <p:nvPr/>
+        </p:nvSpPr>
+        <p:spPr>
+          <a:xfrm>
+            <a:off x="-839788" y="2895600"/>
+            <a:ext cx="2362200" cy="2362200"/>
+          </a:xfrm>
+          <a:prstGeom prst="ellipse">
+            <a:avLst/>
+          </a:prstGeom>
+          <a:gradFill flip="none" rotWithShape="1">
+            <a:gsLst>
+              <a:gs pos="0">
+                <a:schemeClr val="bg2">
+                  <a:lumMod val="40000"/>
+                  <a:lumOff val="60000"/>
+                  <a:alpha val="8000"/>
+                </a:schemeClr>
+              </a:gs>
+              <a:gs pos="72000">
+                <a:schemeClr val="bg2">
+                  <a:lumMod val="40000"/>
+                  <a:lumOff val="60000"/>
+                  <a:alpha val="0"/>
+                </a:schemeClr>
+              </a:gs>
+              <a:gs pos="36000">
+                <a:schemeClr val="bg2">
+                  <a:lumMod val="40000"/>
+                  <a:lumOff val="60000"/>
+                  <a:alpha val="8000"/>
+                </a:schemeClr>
+              </a:gs>
+            </a:gsLst>
+            <a:path path="circle">
+              <a:fillToRect l="50000" t="50000" r="50000" b="50000"/>
+            </a:path>
+            <a:tileRect/>
+          </a:gradFill>
+          <a:ln>
+            <a:noFill/>
+          </a:ln>
+          <a:effectLst/>
+        </p:spPr>
+        <p:style>
+          <a:lnRef idx="1">
+            <a:schemeClr val="accent1"/>
+          </a:lnRef>
+          <a:fillRef idx="3">
+            <a:schemeClr val="accent1"/>
+          </a:fillRef>
+          <a:effectRef idx="2">
+            <a:schemeClr val="accent1"/>
+          </a:effectRef>
+          <a:fontRef idx="minor">
+            <a:schemeClr val="lt1"/>
+          </a:fontRef>
+        </p:style>
+      </p:sp>
+      <p:sp>
+        <p:nvSpPr>
+          <p:cNvPr id="19" name="Rectangle 18"/>
+          <p:cNvSpPr/>
+          <p:nvPr/>
+        </p:nvSpPr>
+        <p:spPr>
+          <a:xfrm>
+            <a:off x="7745644" y="0"/>
+            <a:ext cx="685800" cy="1099458"/>
+          </a:xfrm>
+          <a:prstGeom prst="rect">
+            <a:avLst/>
+          </a:prstGeom>
+          <a:solidFill>
+            <a:schemeClr val="accent1"/>
+          </a:solidFill>
+          <a:ln>
+            <a:noFill/>
+          </a:ln>
+        </p:spPr>
+        <p:style>
+          <a:lnRef idx="1">
+            <a:schemeClr val="accent1"/>
+          </a:lnRef>
+          <a:fillRef idx="3">
+            <a:schemeClr val="accent1"/>
+          </a:fillRef>
+          <a:effectRef idx="2">
+            <a:schemeClr val="accent1"/>
+          </a:effectRef>
+          <a:fontRef idx="minor">
+            <a:schemeClr val="lt1"/>
+          </a:fontRef>
+        </p:style>
+      </p:sp>
+      <p:sp>
+        <p:nvSpPr>
+          <p:cNvPr id="2" name="Title Placeholder 1"/>
+          <p:cNvSpPr>
+            <a:spLocks noGrp="1"/>
+          </p:cNvSpPr>
+          <p:nvPr>
+            <p:ph type="title"/>
+          </p:nvPr>
+        </p:nvSpPr>
+        <p:spPr>
+          <a:xfrm>
+            <a:off x="484710" y="452718"/>
+            <a:ext cx="7055380" cy="1400530"/>
           </a:xfrm>
           <a:prstGeom prst="rect">
             <a:avLst/>
           </a:prstGeom>
         </p:spPr>
-      </p:pic>
-      <p:sp>
-        <p:nvSpPr>
-          <p:cNvPr id="2" name="Title Placeholder 1"/>
-          <p:cNvSpPr>
-            <a:spLocks noGrp="1"/>
-          </p:cNvSpPr>
-          <p:nvPr>
-            <p:ph type="title"/>
+        <p:txBody>
+          <a:bodyPr vert="horz" lIns="91440" tIns="45720" rIns="91440" bIns="45720" rtlCol="0" anchor="t">
+            <a:noAutofit/>
+          </a:bodyPr>
+          <a:lstStyle/>
+          <a:p>
+            <a:r>
+              <a:rPr lang="en-US" smtClean="0"/>
+              <a:t>Click to edit Master title style</a:t>
+            </a:r>
+            <a:endParaRPr lang="en-US" dirty="0"/>
+          </a:p>
+        </p:txBody>
+      </p:sp>
+      <p:sp>
+        <p:nvSpPr>
+          <p:cNvPr id="3" name="Text Placeholder 2"/>
+          <p:cNvSpPr>
+            <a:spLocks noGrp="1"/>
+          </p:cNvSpPr>
+          <p:nvPr>
+            <p:ph type="body" idx="1"/>
           </p:nvPr>
         </p:nvSpPr>
         <p:spPr>
           <a:xfrm>
-            <a:off x="609600" y="274638"/>
-            <a:ext cx="7924800" cy="1143000"/>
+            <a:off x="827700" y="2052925"/>
+            <a:ext cx="6711654" cy="4195481"/>
           </a:xfrm>
           <a:prstGeom prst="rect">
             <a:avLst/>
           </a:prstGeom>
         </p:spPr>
         <p:txBody>
-          <a:bodyPr vert="horz" lIns="91440" tIns="45720" rIns="91440" bIns="45720" rtlCol="0" anchor="b" anchorCtr="0">
-            <a:noAutofit/>
+          <a:bodyPr vert="horz" lIns="91440" tIns="45720" rIns="91440" bIns="45720" rtlCol="0">
+            <a:normAutofit/>
           </a:bodyPr>
           <a:lstStyle/>
           <a:p>
-            <a:r>
-              <a:rPr lang="en-US" smtClean="0"/>
-              <a:t>Click to edit Master title style</a:t>
+            <a:pPr lvl="0"/>
+            <a:r>
+              <a:rPr lang="en-US" smtClean="0"/>
+              <a:t>Click to edit Master text styles</a:t>
+            </a:r>
+          </a:p>
+          <a:p>
+            <a:pPr lvl="1"/>
+            <a:r>
+              <a:rPr lang="en-US" smtClean="0"/>
+              <a:t>Second level</a:t>
+            </a:r>
+          </a:p>
+          <a:p>
+            <a:pPr lvl="2"/>
+            <a:r>
+              <a:rPr lang="en-US" smtClean="0"/>
+              <a:t>Third level</a:t>
+            </a:r>
+          </a:p>
+          <a:p>
+            <a:pPr lvl="3"/>
+            <a:r>
+              <a:rPr lang="en-US" smtClean="0"/>
+              <a:t>Fourth level</a:t>
+            </a:r>
+          </a:p>
+          <a:p>
+            <a:pPr lvl="4"/>
+            <a:r>
+              <a:rPr lang="en-US" smtClean="0"/>
+              <a:t>Fifth level</a:t>
             </a:r>
             <a:endParaRPr lang="en-US" dirty="0"/>
           </a:p>
@@ -3274,171 +6005,117 @@
       </p:sp>
       <p:sp>
         <p:nvSpPr>
-          <p:cNvPr id="3" name="Text Placeholder 2"/>
-          <p:cNvSpPr>
-            <a:spLocks noGrp="1"/>
-          </p:cNvSpPr>
-          <p:nvPr>
-            <p:ph type="body" idx="1"/>
+          <p:cNvPr id="4" name="Date Placeholder 3"/>
+          <p:cNvSpPr>
+            <a:spLocks noGrp="1"/>
+          </p:cNvSpPr>
+          <p:nvPr>
+            <p:ph type="dt" sz="half" idx="2"/>
           </p:nvPr>
         </p:nvSpPr>
         <p:spPr>
-          <a:xfrm>
-            <a:off x="609600" y="1600200"/>
-            <a:ext cx="7924800" cy="4525963"/>
+          <a:xfrm rot="5400000">
+            <a:off x="7494989" y="1828771"/>
+            <a:ext cx="990599" cy="228659"/>
           </a:xfrm>
           <a:prstGeom prst="rect">
             <a:avLst/>
           </a:prstGeom>
         </p:spPr>
         <p:txBody>
-          <a:bodyPr vert="horz" lIns="91440" tIns="45720" rIns="91440" bIns="45720" rtlCol="0">
-            <a:normAutofit/>
-          </a:bodyPr>
-          <a:lstStyle/>
-          <a:p>
-            <a:pPr lvl="0"/>
-            <a:r>
-              <a:rPr lang="en-US" smtClean="0"/>
-              <a:t>Click to edit Master text styles</a:t>
-            </a:r>
-          </a:p>
-          <a:p>
-            <a:pPr lvl="1"/>
-            <a:r>
-              <a:rPr lang="en-US" smtClean="0"/>
-              <a:t>Second level</a:t>
-            </a:r>
-          </a:p>
-          <a:p>
-            <a:pPr lvl="2"/>
-            <a:r>
-              <a:rPr lang="en-US" smtClean="0"/>
-              <a:t>Third level</a:t>
-            </a:r>
-          </a:p>
-          <a:p>
-            <a:pPr lvl="3"/>
-            <a:r>
-              <a:rPr lang="en-US" smtClean="0"/>
-              <a:t>Fourth level</a:t>
-            </a:r>
-          </a:p>
-          <a:p>
-            <a:pPr lvl="4"/>
-            <a:r>
-              <a:rPr lang="en-US" smtClean="0"/>
-              <a:t>Fifth level</a:t>
-            </a:r>
-            <a:endParaRPr lang="en-US" dirty="0" smtClean="0"/>
-          </a:p>
-        </p:txBody>
-      </p:sp>
-      <p:sp>
-        <p:nvSpPr>
-          <p:cNvPr id="4" name="Date Placeholder 3"/>
-          <p:cNvSpPr>
-            <a:spLocks noGrp="1"/>
-          </p:cNvSpPr>
-          <p:nvPr>
-            <p:ph type="dt" sz="half" idx="2"/>
+          <a:bodyPr vert="horz" lIns="91440" tIns="45720" rIns="91440" bIns="45720" rtlCol="0" anchor="t"/>
+          <a:lstStyle>
+            <a:lvl1pPr algn="l">
+              <a:defRPr sz="1100" b="0" i="0">
+                <a:solidFill>
+                  <a:schemeClr val="tx1">
+                    <a:tint val="75000"/>
+                    <a:alpha val="60000"/>
+                  </a:schemeClr>
+                </a:solidFill>
+              </a:defRPr>
+            </a:lvl1pPr>
+          </a:lstStyle>
+          <a:p>
+            <a:fld id="{76268ABB-1507-44DF-AF0F-F44BE571CFCA}" type="datetime1">
+              <a:rPr lang="en-US" smtClean="0"/>
+              <a:t>10/7/2014</a:t>
+            </a:fld>
+            <a:endParaRPr lang="en-US"/>
+          </a:p>
+        </p:txBody>
+      </p:sp>
+      <p:sp>
+        <p:nvSpPr>
+          <p:cNvPr id="5" name="Footer Placeholder 4"/>
+          <p:cNvSpPr>
+            <a:spLocks noGrp="1"/>
+          </p:cNvSpPr>
+          <p:nvPr>
+            <p:ph type="ftr" sz="quarter" idx="3"/>
           </p:nvPr>
         </p:nvSpPr>
         <p:spPr>
-          <a:xfrm>
-            <a:off x="5715000" y="6356350"/>
-            <a:ext cx="1524000" cy="365125"/>
+          <a:xfrm rot="5400000">
+            <a:off x="6233335" y="3263371"/>
+            <a:ext cx="3859795" cy="228660"/>
           </a:xfrm>
           <a:prstGeom prst="rect">
             <a:avLst/>
           </a:prstGeom>
         </p:spPr>
         <p:txBody>
-          <a:bodyPr vert="horz" lIns="91440" tIns="45720" rIns="91440" bIns="45720" rtlCol="0" anchor="ctr"/>
+          <a:bodyPr vert="horz" lIns="91440" tIns="45720" rIns="91440" bIns="45720" rtlCol="0" anchor="b"/>
           <a:lstStyle>
-            <a:lvl1pPr algn="r">
-              <a:defRPr sz="1000" strike="noStrike" spc="60" baseline="0">
+            <a:lvl1pPr algn="l">
+              <a:defRPr sz="1100" b="0" i="0">
                 <a:solidFill>
-                  <a:schemeClr val="tx1"/>
+                  <a:schemeClr val="tx1">
+                    <a:tint val="75000"/>
+                    <a:alpha val="60000"/>
+                  </a:schemeClr>
                 </a:solidFill>
               </a:defRPr>
             </a:lvl1pPr>
           </a:lstStyle>
           <a:p>
-            <a:fld id="{76268ABB-1507-44DF-AF0F-F44BE571CFCA}" type="datetime1">
-              <a:rPr lang="en-US" smtClean="0"/>
-              <a:t>07-Oct-14</a:t>
-            </a:fld>
             <a:endParaRPr lang="en-US"/>
           </a:p>
         </p:txBody>
       </p:sp>
       <p:sp>
         <p:nvSpPr>
-          <p:cNvPr id="5" name="Footer Placeholder 4"/>
-          <p:cNvSpPr>
-            <a:spLocks noGrp="1"/>
-          </p:cNvSpPr>
-          <p:nvPr>
-            <p:ph type="ftr" sz="quarter" idx="3"/>
+          <p:cNvPr id="6" name="Slide Number Placeholder 5"/>
+          <p:cNvSpPr>
+            <a:spLocks noGrp="1"/>
+          </p:cNvSpPr>
+          <p:nvPr>
+            <p:ph type="sldNum" sz="quarter" idx="4"/>
           </p:nvPr>
         </p:nvSpPr>
         <p:spPr>
           <a:xfrm>
-            <a:off x="609600" y="6356350"/>
-            <a:ext cx="2895600" cy="365125"/>
+            <a:off x="7766431" y="295736"/>
+            <a:ext cx="628813" cy="767687"/>
           </a:xfrm>
           <a:prstGeom prst="rect">
             <a:avLst/>
           </a:prstGeom>
         </p:spPr>
         <p:txBody>
-          <a:bodyPr vert="horz" lIns="91440" tIns="45720" rIns="91440" bIns="45720" rtlCol="0" anchor="ctr"/>
+          <a:bodyPr vert="horz" lIns="91440" tIns="45720" rIns="91440" bIns="45720" rtlCol="0" anchor="b"/>
           <a:lstStyle>
-            <a:lvl1pPr algn="l">
-              <a:defRPr sz="1000" cap="all" spc="60" baseline="0">
+            <a:lvl1pPr algn="ctr">
+              <a:defRPr sz="2801" b="0" i="0">
                 <a:solidFill>
-                  <a:schemeClr val="tx1"/>
+                  <a:schemeClr val="tx1">
+                    <a:tint val="75000"/>
+                  </a:schemeClr>
                 </a:solidFill>
               </a:defRPr>
             </a:lvl1pPr>
           </a:lstStyle>
           <a:p>
-            <a:endParaRPr lang="en-US"/>
-          </a:p>
-        </p:txBody>
-      </p:sp>
-      <p:sp>
-        <p:nvSpPr>
-          <p:cNvPr id="6" name="Slide Number Placeholder 5"/>
-          <p:cNvSpPr>
-            <a:spLocks noGrp="1"/>
-          </p:cNvSpPr>
-          <p:nvPr>
-            <p:ph type="sldNum" sz="quarter" idx="4"/>
-          </p:nvPr>
-        </p:nvSpPr>
-        <p:spPr>
-          <a:xfrm>
-            <a:off x="7543800" y="6356350"/>
-            <a:ext cx="990600" cy="365125"/>
-          </a:xfrm>
-          <a:prstGeom prst="rect">
-            <a:avLst/>
-          </a:prstGeom>
-        </p:spPr>
-        <p:txBody>
-          <a:bodyPr vert="horz" lIns="91440" tIns="45720" rIns="91440" bIns="45720" rtlCol="0" anchor="ctr"/>
-          <a:lstStyle>
-            <a:lvl1pPr algn="r">
-              <a:defRPr sz="1100" baseline="0">
-                <a:solidFill>
-                  <a:schemeClr val="tx1"/>
-                </a:solidFill>
-              </a:defRPr>
-            </a:lvl1pPr>
-          </a:lstStyle>
-          <a:p>
             <a:fld id="{B6F15528-21DE-4FAA-801E-634DDDAF4B2B}" type="slidenum">
               <a:rPr lang="en-US" smtClean="0"/>
               <a:pPr/>
@@ -3449,32 +6126,43 @@
         </p:txBody>
       </p:sp>
     </p:spTree>
+    <p:extLst>
+      <p:ext uri="{BB962C8B-B14F-4D97-AF65-F5344CB8AC3E}">
+        <p14:creationId xmlns:p14="http://schemas.microsoft.com/office/powerpoint/2010/main" val="13889597"/>
+      </p:ext>
+    </p:extLst>
   </p:cSld>
   <p:clrMap bg1="dk1" tx1="lt1" bg2="dk2" tx2="lt2" accent1="accent1" accent2="accent2" accent3="accent3" accent4="accent4" accent5="accent5" accent6="accent6" hlink="hlink" folHlink="folHlink"/>
   <p:sldLayoutIdLst>
-    <p:sldLayoutId id="2147483685" r:id="rId1"/>
-    <p:sldLayoutId id="2147483686" r:id="rId2"/>
-    <p:sldLayoutId id="2147483687" r:id="rId3"/>
-    <p:sldLayoutId id="2147483688" r:id="rId4"/>
-    <p:sldLayoutId id="2147483689" r:id="rId5"/>
-    <p:sldLayoutId id="2147483690" r:id="rId6"/>
-    <p:sldLayoutId id="2147483691" r:id="rId7"/>
-    <p:sldLayoutId id="2147483692" r:id="rId8"/>
-    <p:sldLayoutId id="2147483693" r:id="rId9"/>
-    <p:sldLayoutId id="2147483694" r:id="rId10"/>
-    <p:sldLayoutId id="2147483695" r:id="rId11"/>
+    <p:sldLayoutId id="2147483715" r:id="rId1"/>
+    <p:sldLayoutId id="2147483716" r:id="rId2"/>
+    <p:sldLayoutId id="2147483717" r:id="rId3"/>
+    <p:sldLayoutId id="2147483718" r:id="rId4"/>
+    <p:sldLayoutId id="2147483719" r:id="rId5"/>
+    <p:sldLayoutId id="2147483720" r:id="rId6"/>
+    <p:sldLayoutId id="2147483721" r:id="rId7"/>
+    <p:sldLayoutId id="2147483722" r:id="rId8"/>
+    <p:sldLayoutId id="2147483723" r:id="rId9"/>
+    <p:sldLayoutId id="2147483724" r:id="rId10"/>
+    <p:sldLayoutId id="2147483725" r:id="rId11"/>
+    <p:sldLayoutId id="2147483726" r:id="rId12"/>
+    <p:sldLayoutId id="2147483727" r:id="rId13"/>
+    <p:sldLayoutId id="2147483728" r:id="rId14"/>
+    <p:sldLayoutId id="2147483729" r:id="rId15"/>
+    <p:sldLayoutId id="2147483730" r:id="rId16"/>
+    <p:sldLayoutId id="2147483731" r:id="rId17"/>
   </p:sldLayoutIdLst>
   <p:hf hdr="0" ftr="0" dt="0"/>
   <p:txStyles>
     <p:titleStyle>
-      <a:lvl1pPr algn="l" defTabSz="914400" rtl="0" eaLnBrk="1" latinLnBrk="0" hangingPunct="1">
+      <a:lvl1pPr algn="l" defTabSz="457200" rtl="0" eaLnBrk="1" latinLnBrk="0" hangingPunct="1">
         <a:spcBef>
           <a:spcPct val="0"/>
         </a:spcBef>
         <a:buNone/>
-        <a:defRPr sz="3000" kern="1200" cap="all" spc="50" baseline="0">
+        <a:defRPr sz="4200" b="0" i="0" kern="1200">
           <a:solidFill>
-            <a:schemeClr val="tx1"/>
+            <a:schemeClr val="tx2"/>
           </a:solidFill>
           <a:latin typeface="+mj-lt"/>
           <a:ea typeface="+mj-ea"/>
@@ -3539,220 +6227,202 @@
       </a:lvl9pPr>
     </p:titleStyle>
     <p:bodyStyle>
-      <a:lvl1pPr marL="342900" indent="-342900" algn="l" defTabSz="914400" rtl="0" eaLnBrk="1" latinLnBrk="0" hangingPunct="1">
-        <a:lnSpc>
-          <a:spcPct val="100000"/>
-        </a:lnSpc>
+      <a:lvl1pPr marL="342900" indent="-342900" algn="l" defTabSz="457200" rtl="0" eaLnBrk="1" latinLnBrk="0" hangingPunct="1">
         <a:spcBef>
-          <a:spcPct val="20000"/>
+          <a:spcPts val="1000"/>
         </a:spcBef>
         <a:spcAft>
-          <a:spcPts val="600"/>
+          <a:spcPts val="0"/>
         </a:spcAft>
         <a:buClr>
-          <a:schemeClr val="tx2"/>
+          <a:schemeClr val="accent1"/>
         </a:buClr>
-        <a:buFont typeface="Arial" pitchFamily="34" charset="0"/>
-        <a:buChar char="•"/>
-        <a:defRPr sz="1700" kern="1200" spc="30" baseline="0">
+        <a:buSzPct val="80000"/>
+        <a:buFont typeface="Wingdings 3" charset="2"/>
+        <a:buChar char=""/>
+        <a:defRPr sz="2000" b="0" i="0" kern="1200">
           <a:solidFill>
             <a:schemeClr val="tx1"/>
           </a:solidFill>
-          <a:latin typeface="+mn-lt"/>
-          <a:ea typeface="+mn-ea"/>
-          <a:cs typeface="+mn-cs"/>
+          <a:latin typeface="+mj-lt"/>
+          <a:ea typeface="+mj-ea"/>
+          <a:cs typeface="+mj-cs"/>
         </a:defRPr>
       </a:lvl1pPr>
-      <a:lvl2pPr marL="742950" indent="-285750" algn="l" defTabSz="914400" rtl="0" eaLnBrk="1" latinLnBrk="0" hangingPunct="1">
-        <a:lnSpc>
-          <a:spcPct val="100000"/>
-        </a:lnSpc>
+      <a:lvl2pPr marL="742950" indent="-285750" algn="l" defTabSz="457200" rtl="0" eaLnBrk="1" latinLnBrk="0" hangingPunct="1">
         <a:spcBef>
-          <a:spcPct val="20000"/>
+          <a:spcPts val="1000"/>
         </a:spcBef>
         <a:spcAft>
-          <a:spcPts val="600"/>
+          <a:spcPts val="0"/>
         </a:spcAft>
         <a:buClr>
-          <a:schemeClr val="tx2"/>
+          <a:schemeClr val="accent1"/>
         </a:buClr>
-        <a:buFont typeface="Arial" pitchFamily="34" charset="0"/>
-        <a:buChar char="•"/>
-        <a:defRPr sz="1700" kern="1200" spc="30" baseline="0">
+        <a:buSzPct val="80000"/>
+        <a:buFont typeface="Wingdings 3" charset="2"/>
+        <a:buChar char=""/>
+        <a:defRPr sz="1800" b="0" i="0" kern="1200">
           <a:solidFill>
             <a:schemeClr val="tx1"/>
           </a:solidFill>
-          <a:latin typeface="+mn-lt"/>
-          <a:ea typeface="+mn-ea"/>
-          <a:cs typeface="+mn-cs"/>
+          <a:latin typeface="+mj-lt"/>
+          <a:ea typeface="+mj-ea"/>
+          <a:cs typeface="+mj-cs"/>
         </a:defRPr>
       </a:lvl2pPr>
-      <a:lvl3pPr marL="1143000" indent="-228600" algn="l" defTabSz="914400" rtl="0" eaLnBrk="1" latinLnBrk="0" hangingPunct="1">
-        <a:lnSpc>
-          <a:spcPct val="100000"/>
-        </a:lnSpc>
+      <a:lvl3pPr marL="1143000" indent="-228600" algn="l" defTabSz="457200" rtl="0" eaLnBrk="1" latinLnBrk="0" hangingPunct="1">
         <a:spcBef>
-          <a:spcPct val="20000"/>
+          <a:spcPts val="1000"/>
         </a:spcBef>
         <a:spcAft>
-          <a:spcPts val="600"/>
+          <a:spcPts val="0"/>
         </a:spcAft>
         <a:buClr>
-          <a:schemeClr val="tx2"/>
+          <a:schemeClr val="accent1"/>
         </a:buClr>
-        <a:buFont typeface="Arial" pitchFamily="34" charset="0"/>
-        <a:buChar char="•"/>
-        <a:defRPr sz="1700" kern="1200" spc="30" baseline="0">
+        <a:buSzPct val="80000"/>
+        <a:buFont typeface="Wingdings 3" charset="2"/>
+        <a:buChar char=""/>
+        <a:defRPr sz="1600" b="0" i="0" kern="1200">
           <a:solidFill>
             <a:schemeClr val="tx1"/>
           </a:solidFill>
-          <a:latin typeface="+mn-lt"/>
-          <a:ea typeface="+mn-ea"/>
-          <a:cs typeface="+mn-cs"/>
+          <a:latin typeface="+mj-lt"/>
+          <a:ea typeface="+mj-ea"/>
+          <a:cs typeface="+mj-cs"/>
         </a:defRPr>
       </a:lvl3pPr>
-      <a:lvl4pPr marL="1600200" indent="-228600" algn="l" defTabSz="914400" rtl="0" eaLnBrk="1" latinLnBrk="0" hangingPunct="1">
-        <a:lnSpc>
-          <a:spcPct val="100000"/>
-        </a:lnSpc>
+      <a:lvl4pPr marL="1600200" indent="-228600" algn="l" defTabSz="457200" rtl="0" eaLnBrk="1" latinLnBrk="0" hangingPunct="1">
         <a:spcBef>
-          <a:spcPct val="20000"/>
+          <a:spcPts val="1000"/>
         </a:spcBef>
         <a:spcAft>
-          <a:spcPts val="600"/>
+          <a:spcPts val="0"/>
         </a:spcAft>
         <a:buClr>
-          <a:schemeClr val="tx2"/>
+          <a:schemeClr val="accent1"/>
         </a:buClr>
-        <a:buFont typeface="Arial" pitchFamily="34" charset="0"/>
-        <a:buChar char="•"/>
-        <a:defRPr sz="1700" kern="1200" spc="30" baseline="0">
+        <a:buSzPct val="80000"/>
+        <a:buFont typeface="Wingdings 3" charset="2"/>
+        <a:buChar char=""/>
+        <a:defRPr sz="1400" b="0" i="0" kern="1200">
           <a:solidFill>
             <a:schemeClr val="tx1"/>
           </a:solidFill>
-          <a:latin typeface="+mn-lt"/>
-          <a:ea typeface="+mn-ea"/>
-          <a:cs typeface="+mn-cs"/>
+          <a:latin typeface="+mj-lt"/>
+          <a:ea typeface="+mj-ea"/>
+          <a:cs typeface="+mj-cs"/>
         </a:defRPr>
       </a:lvl4pPr>
-      <a:lvl5pPr marL="2057400" indent="-228600" algn="l" defTabSz="914400" rtl="0" eaLnBrk="1" latinLnBrk="0" hangingPunct="1">
-        <a:lnSpc>
-          <a:spcPct val="100000"/>
-        </a:lnSpc>
+      <a:lvl5pPr marL="2057400" indent="-228600" algn="l" defTabSz="457200" rtl="0" eaLnBrk="1" latinLnBrk="0" hangingPunct="1">
         <a:spcBef>
-          <a:spcPct val="20000"/>
+          <a:spcPts val="1000"/>
         </a:spcBef>
         <a:spcAft>
-          <a:spcPts val="600"/>
+          <a:spcPts val="0"/>
         </a:spcAft>
         <a:buClr>
-          <a:schemeClr val="tx2"/>
+          <a:schemeClr val="accent1"/>
         </a:buClr>
-        <a:buFont typeface="Arial" pitchFamily="34" charset="0"/>
-        <a:buChar char="•"/>
-        <a:defRPr sz="1700" kern="1200" spc="30" baseline="0">
+        <a:buSzPct val="80000"/>
+        <a:buFont typeface="Wingdings 3" charset="2"/>
+        <a:buChar char=""/>
+        <a:defRPr sz="1400" b="0" i="0" kern="1200">
           <a:solidFill>
             <a:schemeClr val="tx1"/>
           </a:solidFill>
-          <a:latin typeface="+mn-lt"/>
-          <a:ea typeface="+mn-ea"/>
-          <a:cs typeface="+mn-cs"/>
+          <a:latin typeface="+mj-lt"/>
+          <a:ea typeface="+mj-ea"/>
+          <a:cs typeface="+mj-cs"/>
         </a:defRPr>
       </a:lvl5pPr>
-      <a:lvl6pPr marL="2514600" indent="-228600" algn="l" defTabSz="914400" rtl="0" eaLnBrk="1" latinLnBrk="0" hangingPunct="1">
-        <a:lnSpc>
-          <a:spcPct val="100000"/>
-        </a:lnSpc>
+      <a:lvl6pPr marL="2514600" indent="-228600" algn="l" defTabSz="457200" rtl="0" eaLnBrk="1" latinLnBrk="0" hangingPunct="1">
         <a:spcBef>
-          <a:spcPct val="20000"/>
+          <a:spcPts val="1000"/>
         </a:spcBef>
         <a:spcAft>
-          <a:spcPts val="600"/>
+          <a:spcPts val="0"/>
         </a:spcAft>
         <a:buClr>
-          <a:schemeClr val="tx2"/>
+          <a:schemeClr val="accent1"/>
         </a:buClr>
-        <a:buFont typeface="Arial" pitchFamily="34" charset="0"/>
-        <a:buChar char="•"/>
-        <a:defRPr sz="1700" kern="1200">
+        <a:buSzPct val="80000"/>
+        <a:buFont typeface="Wingdings 3" charset="2"/>
+        <a:buChar char=""/>
+        <a:defRPr sz="1400" b="0" i="0" kern="1200">
           <a:solidFill>
             <a:schemeClr val="tx1"/>
           </a:solidFill>
-          <a:latin typeface="+mn-lt"/>
-          <a:ea typeface="+mn-ea"/>
-          <a:cs typeface="+mn-cs"/>
+          <a:latin typeface="+mj-lt"/>
+          <a:ea typeface="+mj-ea"/>
+          <a:cs typeface="+mj-cs"/>
         </a:defRPr>
       </a:lvl6pPr>
-      <a:lvl7pPr marL="2971800" indent="-228600" algn="l" defTabSz="914400" rtl="0" eaLnBrk="1" latinLnBrk="0" hangingPunct="1">
-        <a:lnSpc>
-          <a:spcPct val="100000"/>
-        </a:lnSpc>
+      <a:lvl7pPr marL="2971800" indent="-228600" algn="l" defTabSz="457200" rtl="0" eaLnBrk="1" latinLnBrk="0" hangingPunct="1">
         <a:spcBef>
-          <a:spcPct val="20000"/>
+          <a:spcPts val="1000"/>
         </a:spcBef>
         <a:spcAft>
-          <a:spcPts val="600"/>
+          <a:spcPts val="0"/>
         </a:spcAft>
         <a:buClr>
-          <a:schemeClr val="tx2"/>
+          <a:schemeClr val="accent1"/>
         </a:buClr>
-        <a:buFont typeface="Arial" pitchFamily="34" charset="0"/>
-        <a:buChar char="•"/>
-        <a:defRPr sz="1700" kern="1200">
+        <a:buSzPct val="80000"/>
+        <a:buFont typeface="Wingdings 3" charset="2"/>
+        <a:buChar char=""/>
+        <a:defRPr sz="1400" b="0" i="0" kern="1200">
           <a:solidFill>
             <a:schemeClr val="tx1"/>
           </a:solidFill>
-          <a:latin typeface="+mn-lt"/>
-          <a:ea typeface="+mn-ea"/>
-          <a:cs typeface="+mn-cs"/>
+          <a:latin typeface="+mj-lt"/>
+          <a:ea typeface="+mj-ea"/>
+          <a:cs typeface="+mj-cs"/>
         </a:defRPr>
       </a:lvl7pPr>
-      <a:lvl8pPr marL="3429000" indent="-228600" algn="l" defTabSz="914400" rtl="0" eaLnBrk="1" latinLnBrk="0" hangingPunct="1">
-        <a:lnSpc>
-          <a:spcPct val="100000"/>
-        </a:lnSpc>
+      <a:lvl8pPr marL="3429000" indent="-228600" algn="l" defTabSz="457200" rtl="0" eaLnBrk="1" latinLnBrk="0" hangingPunct="1">
         <a:spcBef>
-          <a:spcPct val="20000"/>
+          <a:spcPts val="1000"/>
         </a:spcBef>
         <a:spcAft>
-          <a:spcPts val="600"/>
+          <a:spcPts val="0"/>
         </a:spcAft>
         <a:buClr>
-          <a:schemeClr val="tx2"/>
+          <a:schemeClr val="accent1"/>
         </a:buClr>
-        <a:buFont typeface="Arial" pitchFamily="34" charset="0"/>
-        <a:buChar char="•"/>
-        <a:defRPr sz="1700" kern="1200">
+        <a:buSzPct val="80000"/>
+        <a:buFont typeface="Wingdings 3" charset="2"/>
+        <a:buChar char=""/>
+        <a:defRPr sz="1400" b="0" i="0" kern="1200">
           <a:solidFill>
             <a:schemeClr val="tx1"/>
           </a:solidFill>
-          <a:latin typeface="+mn-lt"/>
-          <a:ea typeface="+mn-ea"/>
-          <a:cs typeface="+mn-cs"/>
+          <a:latin typeface="+mj-lt"/>
+          <a:ea typeface="+mj-ea"/>
+          <a:cs typeface="+mj-cs"/>
         </a:defRPr>
       </a:lvl8pPr>
-      <a:lvl9pPr marL="3886200" indent="-228600" algn="l" defTabSz="914400" rtl="0" eaLnBrk="1" latinLnBrk="0" hangingPunct="1">
-        <a:lnSpc>
-          <a:spcPct val="100000"/>
-        </a:lnSpc>
+      <a:lvl9pPr marL="3886200" indent="-228600" algn="l" defTabSz="457200" rtl="0" eaLnBrk="1" latinLnBrk="0" hangingPunct="1">
         <a:spcBef>
-          <a:spcPct val="20000"/>
+          <a:spcPts val="1000"/>
         </a:spcBef>
         <a:spcAft>
-          <a:spcPts val="600"/>
+          <a:spcPts val="0"/>
         </a:spcAft>
         <a:buClr>
-          <a:schemeClr val="tx2"/>
+          <a:schemeClr val="accent1"/>
         </a:buClr>
-        <a:buFont typeface="Arial" pitchFamily="34" charset="0"/>
-        <a:buChar char="•"/>
-        <a:defRPr sz="1700" kern="1200">
+        <a:buSzPct val="80000"/>
+        <a:buFont typeface="Wingdings 3" charset="2"/>
+        <a:buChar char=""/>
+        <a:defRPr sz="1400" b="0" i="0" kern="1200">
           <a:solidFill>
             <a:schemeClr val="tx1"/>
           </a:solidFill>
-          <a:latin typeface="+mn-lt"/>
-          <a:ea typeface="+mn-ea"/>
-          <a:cs typeface="+mn-cs"/>
+          <a:latin typeface="+mj-lt"/>
+          <a:ea typeface="+mj-ea"/>
+          <a:cs typeface="+mj-cs"/>
         </a:defRPr>
       </a:lvl9pPr>
     </p:bodyStyle>
@@ -3760,7 +6430,7 @@
       <a:defPPr>
         <a:defRPr lang="en-US"/>
       </a:defPPr>
-      <a:lvl1pPr marL="0" algn="l" defTabSz="914400" rtl="0" eaLnBrk="1" latinLnBrk="0" hangingPunct="1">
+      <a:lvl1pPr marL="0" algn="l" defTabSz="457200" rtl="0" eaLnBrk="1" latinLnBrk="0" hangingPunct="1">
         <a:defRPr sz="1800" kern="1200">
           <a:solidFill>
             <a:schemeClr val="tx1"/>
@@ -3770,7 +6440,7 @@
           <a:cs typeface="+mn-cs"/>
         </a:defRPr>
       </a:lvl1pPr>
-      <a:lvl2pPr marL="457200" algn="l" defTabSz="914400" rtl="0" eaLnBrk="1" latinLnBrk="0" hangingPunct="1">
+      <a:lvl2pPr marL="457200" algn="l" defTabSz="457200" rtl="0" eaLnBrk="1" latinLnBrk="0" hangingPunct="1">
         <a:defRPr sz="1800" kern="1200">
           <a:solidFill>
             <a:schemeClr val="tx1"/>
@@ -3780,7 +6450,7 @@
           <a:cs typeface="+mn-cs"/>
         </a:defRPr>
       </a:lvl2pPr>
-      <a:lvl3pPr marL="914400" algn="l" defTabSz="914400" rtl="0" eaLnBrk="1" latinLnBrk="0" hangingPunct="1">
+      <a:lvl3pPr marL="914400" algn="l" defTabSz="457200" rtl="0" eaLnBrk="1" latinLnBrk="0" hangingPunct="1">
         <a:defRPr sz="1800" kern="1200">
           <a:solidFill>
             <a:schemeClr val="tx1"/>
@@ -3790,7 +6460,7 @@
           <a:cs typeface="+mn-cs"/>
         </a:defRPr>
       </a:lvl3pPr>
-      <a:lvl4pPr marL="1371600" algn="l" defTabSz="914400" rtl="0" eaLnBrk="1" latinLnBrk="0" hangingPunct="1">
+      <a:lvl4pPr marL="1371600" algn="l" defTabSz="457200" rtl="0" eaLnBrk="1" latinLnBrk="0" hangingPunct="1">
         <a:defRPr sz="1800" kern="1200">
           <a:solidFill>
             <a:schemeClr val="tx1"/>
@@ -3800,7 +6470,7 @@
           <a:cs typeface="+mn-cs"/>
         </a:defRPr>
       </a:lvl4pPr>
-      <a:lvl5pPr marL="1828800" algn="l" defTabSz="914400" rtl="0" eaLnBrk="1" latinLnBrk="0" hangingPunct="1">
+      <a:lvl5pPr marL="1828800" algn="l" defTabSz="457200" rtl="0" eaLnBrk="1" latinLnBrk="0" hangingPunct="1">
         <a:defRPr sz="1800" kern="1200">
           <a:solidFill>
             <a:schemeClr val="tx1"/>
@@ -3810,7 +6480,7 @@
           <a:cs typeface="+mn-cs"/>
         </a:defRPr>
       </a:lvl5pPr>
-      <a:lvl6pPr marL="2286000" algn="l" defTabSz="914400" rtl="0" eaLnBrk="1" latinLnBrk="0" hangingPunct="1">
+      <a:lvl6pPr marL="2286000" algn="l" defTabSz="457200" rtl="0" eaLnBrk="1" latinLnBrk="0" hangingPunct="1">
         <a:defRPr sz="1800" kern="1200">
           <a:solidFill>
             <a:schemeClr val="tx1"/>
@@ -3820,7 +6490,7 @@
           <a:cs typeface="+mn-cs"/>
         </a:defRPr>
       </a:lvl6pPr>
-      <a:lvl7pPr marL="2743200" algn="l" defTabSz="914400" rtl="0" eaLnBrk="1" latinLnBrk="0" hangingPunct="1">
+      <a:lvl7pPr marL="2743200" algn="l" defTabSz="457200" rtl="0" eaLnBrk="1" latinLnBrk="0" hangingPunct="1">
         <a:defRPr sz="1800" kern="1200">
           <a:solidFill>
             <a:schemeClr val="tx1"/>
@@ -3830,7 +6500,7 @@
           <a:cs typeface="+mn-cs"/>
         </a:defRPr>
       </a:lvl7pPr>
-      <a:lvl8pPr marL="3200400" algn="l" defTabSz="914400" rtl="0" eaLnBrk="1" latinLnBrk="0" hangingPunct="1">
+      <a:lvl8pPr marL="3200400" algn="l" defTabSz="457200" rtl="0" eaLnBrk="1" latinLnBrk="0" hangingPunct="1">
         <a:defRPr sz="1800" kern="1200">
           <a:solidFill>
             <a:schemeClr val="tx1"/>
@@ -3840,7 +6510,7 @@
           <a:cs typeface="+mn-cs"/>
         </a:defRPr>
       </a:lvl8pPr>
-      <a:lvl9pPr marL="3657600" algn="l" defTabSz="914400" rtl="0" eaLnBrk="1" latinLnBrk="0" hangingPunct="1">
+      <a:lvl9pPr marL="3657600" algn="l" defTabSz="457200" rtl="0" eaLnBrk="1" latinLnBrk="0" hangingPunct="1">
         <a:defRPr sz="1800" kern="1200">
           <a:solidFill>
             <a:schemeClr val="tx1"/>
@@ -3874,6 +6544,52 @@
       </p:grpSpPr>
       <p:sp>
         <p:nvSpPr>
+          <p:cNvPr id="2" name="Title 1"/>
+          <p:cNvSpPr>
+            <a:spLocks noGrp="1"/>
+          </p:cNvSpPr>
+          <p:nvPr>
+            <p:ph type="ctrTitle"/>
+          </p:nvPr>
+        </p:nvSpPr>
+        <p:spPr/>
+        <p:txBody>
+          <a:bodyPr/>
+          <a:lstStyle/>
+          <a:p>
+            <a:r>
+              <a:rPr lang="en-US" dirty="0" smtClean="0"/>
+              <a:t>Are We There Yet</a:t>
+            </a:r>
+            <a:endParaRPr lang="en-US" dirty="0"/>
+          </a:p>
+        </p:txBody>
+      </p:sp>
+      <p:sp>
+        <p:nvSpPr>
+          <p:cNvPr id="3" name="Subtitle 2"/>
+          <p:cNvSpPr>
+            <a:spLocks noGrp="1"/>
+          </p:cNvSpPr>
+          <p:nvPr>
+            <p:ph type="subTitle" idx="1"/>
+          </p:nvPr>
+        </p:nvSpPr>
+        <p:spPr/>
+        <p:txBody>
+          <a:bodyPr/>
+          <a:lstStyle/>
+          <a:p>
+            <a:r>
+              <a:rPr lang="en-US" dirty="0" smtClean="0"/>
+              <a:t>Progress Report 4</a:t>
+            </a:r>
+            <a:endParaRPr lang="en-US" dirty="0"/>
+          </a:p>
+        </p:txBody>
+      </p:sp>
+      <p:sp>
+        <p:nvSpPr>
           <p:cNvPr id="4" name="Slide Number Placeholder 3"/>
           <p:cNvSpPr>
             <a:spLocks noGrp="1"/>
@@ -3893,52 +6609,6 @@
               <a:t>1</a:t>
             </a:fld>
             <a:endParaRPr lang="en-US"/>
-          </a:p>
-        </p:txBody>
-      </p:sp>
-      <p:sp>
-        <p:nvSpPr>
-          <p:cNvPr id="3" name="Subtitle 2"/>
-          <p:cNvSpPr>
-            <a:spLocks noGrp="1"/>
-          </p:cNvSpPr>
-          <p:nvPr>
-            <p:ph type="subTitle" idx="1"/>
-          </p:nvPr>
-        </p:nvSpPr>
-        <p:spPr/>
-        <p:txBody>
-          <a:bodyPr/>
-          <a:lstStyle/>
-          <a:p>
-            <a:r>
-              <a:rPr lang="en-US" dirty="0" smtClean="0"/>
-              <a:t>Progress Report 4</a:t>
-            </a:r>
-            <a:endParaRPr lang="en-US" dirty="0"/>
-          </a:p>
-        </p:txBody>
-      </p:sp>
-      <p:sp>
-        <p:nvSpPr>
-          <p:cNvPr id="2" name="Title 1"/>
-          <p:cNvSpPr>
-            <a:spLocks noGrp="1"/>
-          </p:cNvSpPr>
-          <p:nvPr>
-            <p:ph type="ctrTitle"/>
-          </p:nvPr>
-        </p:nvSpPr>
-        <p:spPr/>
-        <p:txBody>
-          <a:bodyPr/>
-          <a:lstStyle/>
-          <a:p>
-            <a:r>
-              <a:rPr lang="en-US" dirty="0" smtClean="0"/>
-              <a:t>Are We There Yet</a:t>
-            </a:r>
-            <a:endParaRPr lang="en-US" dirty="0"/>
           </a:p>
         </p:txBody>
       </p:sp>
@@ -4004,6 +6674,35 @@
       </p:sp>
       <p:sp>
         <p:nvSpPr>
+          <p:cNvPr id="3" name="Content Placeholder 2"/>
+          <p:cNvSpPr>
+            <a:spLocks noGrp="1"/>
+          </p:cNvSpPr>
+          <p:nvPr>
+            <p:ph idx="1"/>
+          </p:nvPr>
+        </p:nvSpPr>
+        <p:spPr/>
+        <p:txBody>
+          <a:bodyPr/>
+          <a:lstStyle/>
+          <a:p>
+            <a:r>
+              <a:rPr lang="en-US" dirty="0" smtClean="0"/>
+              <a:t>Post Mortem 2</a:t>
+            </a:r>
+            <a:endParaRPr lang="en-US" dirty="0"/>
+          </a:p>
+          <a:p>
+            <a:r>
+              <a:rPr lang="en-US" dirty="0" smtClean="0"/>
+              <a:t>Sprint 3 Backlog</a:t>
+            </a:r>
+          </a:p>
+        </p:txBody>
+      </p:sp>
+      <p:sp>
+        <p:nvSpPr>
           <p:cNvPr id="4" name="Slide Number Placeholder 3"/>
           <p:cNvSpPr>
             <a:spLocks noGrp="1"/>
@@ -4023,35 +6722,6 @@
               <a:t>2</a:t>
             </a:fld>
             <a:endParaRPr lang="en-US"/>
-          </a:p>
-        </p:txBody>
-      </p:sp>
-      <p:sp>
-        <p:nvSpPr>
-          <p:cNvPr id="3" name="Content Placeholder 2"/>
-          <p:cNvSpPr>
-            <a:spLocks noGrp="1"/>
-          </p:cNvSpPr>
-          <p:nvPr>
-            <p:ph sz="quarter" idx="13"/>
-          </p:nvPr>
-        </p:nvSpPr>
-        <p:spPr/>
-        <p:txBody>
-          <a:bodyPr/>
-          <a:lstStyle/>
-          <a:p>
-            <a:r>
-              <a:rPr lang="en-US" dirty="0" smtClean="0"/>
-              <a:t>Post Mortem 2</a:t>
-            </a:r>
-          </a:p>
-          <a:p>
-            <a:r>
-              <a:rPr lang="en-US" dirty="0" smtClean="0"/>
-              <a:t>Budget</a:t>
-            </a:r>
-            <a:endParaRPr lang="en-US" dirty="0"/>
           </a:p>
         </p:txBody>
       </p:sp>
@@ -4109,7 +6779,7 @@
           <a:p>
             <a:r>
               <a:rPr lang="en-US" dirty="0" smtClean="0"/>
-              <a:t>What we would like to improve</a:t>
+              <a:t>Currently Working On</a:t>
             </a:r>
             <a:endParaRPr lang="en-US" dirty="0"/>
           </a:p>
@@ -4117,7 +6787,32 @@
       </p:sp>
       <p:sp>
         <p:nvSpPr>
-          <p:cNvPr id="3" name="Slide Number Placeholder 2"/>
+          <p:cNvPr id="3" name="Content Placeholder 2"/>
+          <p:cNvSpPr>
+            <a:spLocks noGrp="1"/>
+          </p:cNvSpPr>
+          <p:nvPr>
+            <p:ph idx="1"/>
+          </p:nvPr>
+        </p:nvSpPr>
+        <p:spPr/>
+        <p:txBody>
+          <a:bodyPr/>
+          <a:lstStyle/>
+          <a:p>
+            <a:r>
+              <a:rPr lang="en-US" dirty="0" smtClean="0"/>
+              <a:t>Final Parts List and Budget</a:t>
+            </a:r>
+          </a:p>
+          <a:p>
+            <a:endParaRPr lang="en-US" dirty="0"/>
+          </a:p>
+        </p:txBody>
+      </p:sp>
+      <p:sp>
+        <p:nvSpPr>
+          <p:cNvPr id="4" name="Slide Number Placeholder 3"/>
           <p:cNvSpPr>
             <a:spLocks noGrp="1"/>
           </p:cNvSpPr>
@@ -4139,29 +6834,10 @@
           </a:p>
         </p:txBody>
       </p:sp>
-      <p:sp>
-        <p:nvSpPr>
-          <p:cNvPr id="4" name="Content Placeholder 3"/>
-          <p:cNvSpPr>
-            <a:spLocks noGrp="1"/>
-          </p:cNvSpPr>
-          <p:nvPr>
-            <p:ph sz="quarter" idx="13"/>
-          </p:nvPr>
-        </p:nvSpPr>
-        <p:spPr/>
-        <p:txBody>
-          <a:bodyPr/>
-          <a:lstStyle/>
-          <a:p>
-            <a:endParaRPr lang="en-US"/>
-          </a:p>
-        </p:txBody>
-      </p:sp>
     </p:spTree>
     <p:extLst>
       <p:ext uri="{BB962C8B-B14F-4D97-AF65-F5344CB8AC3E}">
-        <p14:creationId xmlns:p14="http://schemas.microsoft.com/office/powerpoint/2010/main" val="3620425501"/>
+        <p14:creationId xmlns:p14="http://schemas.microsoft.com/office/powerpoint/2010/main" val="3535834706"/>
       </p:ext>
     </p:extLst>
   </p:cSld>
@@ -4212,12 +6888,41 @@
           <a:p>
             <a:r>
               <a:rPr lang="en-US" dirty="0" smtClean="0"/>
-              <a:t>Currently Working On</a:t>
+              <a:t>Current System Design</a:t>
             </a:r>
             <a:endParaRPr lang="en-US" dirty="0"/>
           </a:p>
         </p:txBody>
       </p:sp>
+      <p:pic>
+        <p:nvPicPr>
+          <p:cNvPr id="5" name="Content Placeholder 4"/>
+          <p:cNvPicPr>
+            <a:picLocks noGrp="1" noChangeAspect="1"/>
+          </p:cNvPicPr>
+          <p:nvPr>
+            <p:ph idx="1"/>
+          </p:nvPr>
+        </p:nvPicPr>
+        <p:blipFill>
+          <a:blip r:embed="rId2">
+            <a:extLst>
+              <a:ext uri="{28A0092B-C50C-407E-A947-70E740481C1C}">
+                <a14:useLocalDpi xmlns:a14="http://schemas.microsoft.com/office/drawing/2010/main" val="0"/>
+              </a:ext>
+            </a:extLst>
+          </a:blip>
+          <a:stretch>
+            <a:fillRect/>
+          </a:stretch>
+        </p:blipFill>
+        <p:spPr>
+          <a:xfrm>
+            <a:off x="1525776" y="2209800"/>
+            <a:ext cx="4973248" cy="3429000"/>
+          </a:xfrm>
+        </p:spPr>
+      </p:pic>
       <p:sp>
         <p:nvSpPr>
           <p:cNvPr id="4" name="Slide Number Placeholder 3"/>
@@ -4242,33 +6947,10 @@
           </a:p>
         </p:txBody>
       </p:sp>
-      <p:sp>
-        <p:nvSpPr>
-          <p:cNvPr id="3" name="Content Placeholder 2"/>
-          <p:cNvSpPr>
-            <a:spLocks noGrp="1"/>
-          </p:cNvSpPr>
-          <p:nvPr>
-            <p:ph sz="quarter" idx="13"/>
-          </p:nvPr>
-        </p:nvSpPr>
-        <p:spPr/>
-        <p:txBody>
-          <a:bodyPr/>
-          <a:lstStyle/>
-          <a:p>
-            <a:r>
-              <a:rPr lang="en-US" dirty="0" smtClean="0"/>
-              <a:t>Final Parts List</a:t>
-            </a:r>
-            <a:endParaRPr lang="en-US" dirty="0"/>
-          </a:p>
-        </p:txBody>
-      </p:sp>
     </p:spTree>
     <p:extLst>
       <p:ext uri="{BB962C8B-B14F-4D97-AF65-F5344CB8AC3E}">
-        <p14:creationId xmlns:p14="http://schemas.microsoft.com/office/powerpoint/2010/main" val="3535834706"/>
+        <p14:creationId xmlns:p14="http://schemas.microsoft.com/office/powerpoint/2010/main" val="2611510895"/>
       </p:ext>
     </p:extLst>
   </p:cSld>
@@ -4327,6 +7009,41 @@
       </p:sp>
       <p:sp>
         <p:nvSpPr>
+          <p:cNvPr id="3" name="Content Placeholder 2"/>
+          <p:cNvSpPr>
+            <a:spLocks noGrp="1"/>
+          </p:cNvSpPr>
+          <p:nvPr>
+            <p:ph idx="1"/>
+          </p:nvPr>
+        </p:nvSpPr>
+        <p:spPr/>
+        <p:txBody>
+          <a:bodyPr/>
+          <a:lstStyle/>
+          <a:p>
+            <a:r>
+              <a:rPr lang="en-US" dirty="0" smtClean="0"/>
+              <a:t>Parts Order</a:t>
+            </a:r>
+          </a:p>
+          <a:p>
+            <a:r>
+              <a:rPr lang="en-US" dirty="0" smtClean="0"/>
+              <a:t>Prototype</a:t>
+            </a:r>
+            <a:endParaRPr lang="en-US" dirty="0"/>
+          </a:p>
+          <a:p>
+            <a:r>
+              <a:rPr lang="en-US" dirty="0" smtClean="0"/>
+              <a:t>Level 2 Requirements</a:t>
+            </a:r>
+          </a:p>
+        </p:txBody>
+      </p:sp>
+      <p:sp>
+        <p:nvSpPr>
           <p:cNvPr id="4" name="Slide Number Placeholder 3"/>
           <p:cNvSpPr>
             <a:spLocks noGrp="1"/>
@@ -4346,41 +7063,6 @@
               <a:t>5</a:t>
             </a:fld>
             <a:endParaRPr lang="en-US"/>
-          </a:p>
-        </p:txBody>
-      </p:sp>
-      <p:sp>
-        <p:nvSpPr>
-          <p:cNvPr id="3" name="Content Placeholder 2"/>
-          <p:cNvSpPr>
-            <a:spLocks noGrp="1"/>
-          </p:cNvSpPr>
-          <p:nvPr>
-            <p:ph sz="quarter" idx="13"/>
-          </p:nvPr>
-        </p:nvSpPr>
-        <p:spPr/>
-        <p:txBody>
-          <a:bodyPr/>
-          <a:lstStyle/>
-          <a:p>
-            <a:r>
-              <a:rPr lang="en-US" dirty="0" smtClean="0"/>
-              <a:t>Parts Order</a:t>
-            </a:r>
-          </a:p>
-          <a:p>
-            <a:r>
-              <a:rPr lang="en-US" dirty="0" smtClean="0"/>
-              <a:t>Prototype</a:t>
-            </a:r>
-            <a:endParaRPr lang="en-US" dirty="0"/>
-          </a:p>
-          <a:p>
-            <a:r>
-              <a:rPr lang="en-US" dirty="0" smtClean="0"/>
-              <a:t>Level 2 Requirements</a:t>
-            </a:r>
           </a:p>
         </p:txBody>
       </p:sp>
@@ -4446,6 +7128,45 @@
       </p:sp>
       <p:sp>
         <p:nvSpPr>
+          <p:cNvPr id="3" name="Content Placeholder 2"/>
+          <p:cNvSpPr>
+            <a:spLocks noGrp="1"/>
+          </p:cNvSpPr>
+          <p:nvPr>
+            <p:ph idx="1"/>
+          </p:nvPr>
+        </p:nvSpPr>
+        <p:spPr/>
+        <p:txBody>
+          <a:bodyPr/>
+          <a:lstStyle/>
+          <a:p>
+            <a:r>
+              <a:rPr lang="en-US" dirty="0" err="1" smtClean="0"/>
+              <a:t>Udoo</a:t>
+            </a:r>
+            <a:r>
+              <a:rPr lang="en-US" dirty="0" smtClean="0"/>
+              <a:t> </a:t>
+            </a:r>
+          </a:p>
+          <a:p>
+            <a:r>
+              <a:rPr lang="en-US" dirty="0" err="1" smtClean="0"/>
+              <a:t>Mecanum</a:t>
+            </a:r>
+            <a:r>
+              <a:rPr lang="en-US" dirty="0" smtClean="0"/>
+              <a:t> Wheels </a:t>
+            </a:r>
+          </a:p>
+          <a:p>
+            <a:endParaRPr lang="en-US" dirty="0"/>
+          </a:p>
+        </p:txBody>
+      </p:sp>
+      <p:sp>
+        <p:nvSpPr>
           <p:cNvPr id="4" name="Slide Number Placeholder 3"/>
           <p:cNvSpPr>
             <a:spLocks noGrp="1"/>
@@ -4465,45 +7186,6 @@
               <a:t>6</a:t>
             </a:fld>
             <a:endParaRPr lang="en-US"/>
-          </a:p>
-        </p:txBody>
-      </p:sp>
-      <p:sp>
-        <p:nvSpPr>
-          <p:cNvPr id="3" name="Content Placeholder 2"/>
-          <p:cNvSpPr>
-            <a:spLocks noGrp="1"/>
-          </p:cNvSpPr>
-          <p:nvPr>
-            <p:ph sz="quarter" idx="13"/>
-          </p:nvPr>
-        </p:nvSpPr>
-        <p:spPr/>
-        <p:txBody>
-          <a:bodyPr/>
-          <a:lstStyle/>
-          <a:p>
-            <a:r>
-              <a:rPr lang="en-US" dirty="0" err="1" smtClean="0"/>
-              <a:t>Udoo</a:t>
-            </a:r>
-            <a:r>
-              <a:rPr lang="en-US" dirty="0" smtClean="0"/>
-              <a:t> ($xx.00)</a:t>
-            </a:r>
-          </a:p>
-          <a:p>
-            <a:r>
-              <a:rPr lang="en-US" dirty="0" err="1" smtClean="0"/>
-              <a:t>Mecanum</a:t>
-            </a:r>
-            <a:r>
-              <a:rPr lang="en-US" dirty="0" smtClean="0"/>
-              <a:t> Wheels ($59.99)</a:t>
-            </a:r>
-          </a:p>
-          <a:p>
-            <a:endParaRPr lang="en-US" dirty="0"/>
           </a:p>
         </p:txBody>
       </p:sp>
@@ -4528,58 +7210,93 @@
 </file>
 
 <file path=ppt/theme/theme1.xml><?xml version="1.0" encoding="utf-8"?>
-<a:theme xmlns:a="http://schemas.openxmlformats.org/drawingml/2006/main" name="Horizon">
+<a:theme xmlns:a="http://schemas.openxmlformats.org/drawingml/2006/main" name="Ion">
   <a:themeElements>
-    <a:clrScheme name="Horizon">
+    <a:clrScheme name="Ion">
       <a:dk1>
-        <a:srgbClr val="000000"/>
+        <a:sysClr val="windowText" lastClr="000000"/>
       </a:dk1>
       <a:lt1>
-        <a:srgbClr val="FFFFFF"/>
+        <a:sysClr val="window" lastClr="FFFFFF"/>
       </a:lt1>
       <a:dk2>
-        <a:srgbClr val="1F2123"/>
+        <a:srgbClr val="0E5580"/>
       </a:dk2>
       <a:lt2>
-        <a:srgbClr val="DC9E1F"/>
+        <a:srgbClr val="EBEBEB"/>
       </a:lt2>
       <a:accent1>
-        <a:srgbClr val="7E97AD"/>
+        <a:srgbClr val="ACD433"/>
       </a:accent1>
       <a:accent2>
-        <a:srgbClr val="CC8E60"/>
+        <a:srgbClr val="E6C133"/>
       </a:accent2>
       <a:accent3>
-        <a:srgbClr val="7A6A60"/>
+        <a:srgbClr val="EF7A24"/>
       </a:accent3>
       <a:accent4>
-        <a:srgbClr val="B4936D"/>
+        <a:srgbClr val="5AA0F5"/>
       </a:accent4>
       <a:accent5>
-        <a:srgbClr val="67787B"/>
+        <a:srgbClr val="75CEEC"/>
       </a:accent5>
       <a:accent6>
-        <a:srgbClr val="9D936F"/>
+        <a:srgbClr val="65D6A0"/>
       </a:accent6>
       <a:hlink>
-        <a:srgbClr val="646464"/>
+        <a:srgbClr val="C4E46E"/>
       </a:hlink>
       <a:folHlink>
-        <a:srgbClr val="969696"/>
+        <a:srgbClr val="BDE0FB"/>
       </a:folHlink>
     </a:clrScheme>
-    <a:fontScheme name="Horizon">
+    <a:fontScheme name="Ion">
       <a:majorFont>
-        <a:latin typeface="Arial Narrow"/>
+        <a:latin typeface="Century Gothic" panose="020B0502020202020204"/>
         <a:ea typeface=""/>
         <a:cs typeface=""/>
-        <a:font script="Jpan" typeface="HGｺﾞｼｯｸM"/>
-        <a:font script="Hang" typeface="HY얕은샘물M"/>
-        <a:font script="Hans" typeface="方正姚体"/>
-        <a:font script="Hant" typeface="微軟正黑體"/>
+        <a:font script="Jpan" typeface="メイリオ"/>
+        <a:font script="Hang" typeface="맑은 고딕"/>
+        <a:font script="Hans" typeface="宋体"/>
+        <a:font script="Hant" typeface="新細明體"/>
+        <a:font script="Arab" typeface="Times New Roman"/>
+        <a:font script="Hebr" typeface="Times New Roman"/>
+        <a:font script="Thai" typeface="Angsana New"/>
+        <a:font script="Ethi" typeface="Nyala"/>
+        <a:font script="Beng" typeface="Vrinda"/>
+        <a:font script="Gujr" typeface="Shruti"/>
+        <a:font script="Khmr" typeface="MoolBoran"/>
+        <a:font script="Knda" typeface="Tunga"/>
+        <a:font script="Guru" typeface="Raavi"/>
+        <a:font script="Cans" typeface="Euphemia"/>
+        <a:font script="Cher" typeface="Plantagenet Cherokee"/>
+        <a:font script="Yiii" typeface="Microsoft Yi Baiti"/>
+        <a:font script="Tibt" typeface="Microsoft Himalaya"/>
+        <a:font script="Thaa" typeface="MV Boli"/>
+        <a:font script="Deva" typeface="Mangal"/>
+        <a:font script="Telu" typeface="Gautami"/>
+        <a:font script="Taml" typeface="Latha"/>
+        <a:font script="Syrc" typeface="Estrangelo Edessa"/>
+        <a:font script="Orya" typeface="Kalinga"/>
+        <a:font script="Mlym" typeface="Kartika"/>
+        <a:font script="Laoo" typeface="DokChampa"/>
+        <a:font script="Sinh" typeface="Iskoola Pota"/>
+        <a:font script="Mong" typeface="Mongolian Baiti"/>
+        <a:font script="Viet" typeface="Times New Roman"/>
+        <a:font script="Uigh" typeface="Microsoft Uighur"/>
+        <a:font script="Geor" typeface="Sylfaen"/>
+      </a:majorFont>
+      <a:minorFont>
+        <a:latin typeface="Century Gothic" panose="020B0502020202020204"/>
+        <a:ea typeface=""/>
+        <a:cs typeface=""/>
+        <a:font script="Jpan" typeface="メイリオ"/>
+        <a:font script="Hang" typeface="맑은 고딕"/>
+        <a:font script="Hans" typeface="宋体"/>
+        <a:font script="Hant" typeface="新細明體"/>
         <a:font script="Arab" typeface="Arial"/>
-        <a:font script="Hebr" typeface="Levenim MT"/>
-        <a:font script="Thai" typeface="FreesiaUPC"/>
+        <a:font script="Hebr" typeface="Arial"/>
+        <a:font script="Thai" typeface="Cordia New"/>
         <a:font script="Ethi" typeface="Nyala"/>
         <a:font script="Beng" typeface="Vrinda"/>
         <a:font script="Gujr" typeface="Shruti"/>
@@ -4600,47 +7317,12 @@
         <a:font script="Laoo" typeface="DokChampa"/>
         <a:font script="Sinh" typeface="Iskoola Pota"/>
         <a:font script="Mong" typeface="Mongolian Baiti"/>
-        <a:font script="Viet" typeface="Tahoma"/>
-        <a:font script="Uigh" typeface="Microsoft Uighur"/>
-        <a:font script="Geor" typeface="Sylfaen"/>
-      </a:majorFont>
-      <a:minorFont>
-        <a:latin typeface="Arial Narrow"/>
-        <a:ea typeface=""/>
-        <a:cs typeface=""/>
-        <a:font script="Jpan" typeface="HGｺﾞｼｯｸM"/>
-        <a:font script="Hang" typeface="HY얕은샘물M"/>
-        <a:font script="Hans" typeface="方正姚体"/>
-        <a:font script="Hant" typeface="微軟正黑體"/>
-        <a:font script="Arab" typeface="Arial"/>
-        <a:font script="Hebr" typeface="Levenim MT"/>
-        <a:font script="Thai" typeface="FreesiaUPC"/>
-        <a:font script="Ethi" typeface="Nyala"/>
-        <a:font script="Beng" typeface="Vrinda"/>
-        <a:font script="Gujr" typeface="Shruti"/>
-        <a:font script="Khmr" typeface="DaunPenh"/>
-        <a:font script="Knda" typeface="Tunga"/>
-        <a:font script="Guru" typeface="Raavi"/>
-        <a:font script="Cans" typeface="Euphemia"/>
-        <a:font script="Cher" typeface="Plantagenet Cherokee"/>
-        <a:font script="Yiii" typeface="Microsoft Yi Baiti"/>
-        <a:font script="Tibt" typeface="Microsoft Himalaya"/>
-        <a:font script="Thaa" typeface="MV Boli"/>
-        <a:font script="Deva" typeface="Mangal"/>
-        <a:font script="Telu" typeface="Gautami"/>
-        <a:font script="Taml" typeface="Latha"/>
-        <a:font script="Syrc" typeface="Estrangelo Edessa"/>
-        <a:font script="Orya" typeface="Kalinga"/>
-        <a:font script="Mlym" typeface="Kartika"/>
-        <a:font script="Laoo" typeface="DokChampa"/>
-        <a:font script="Sinh" typeface="Iskoola Pota"/>
-        <a:font script="Mong" typeface="Mongolian Baiti"/>
-        <a:font script="Viet" typeface="Tahoma"/>
+        <a:font script="Viet" typeface="Arial"/>
         <a:font script="Uigh" typeface="Microsoft Uighur"/>
         <a:font script="Geor" typeface="Sylfaen"/>
       </a:minorFont>
     </a:fontScheme>
-    <a:fmtScheme name="Horizon">
+    <a:fmtScheme name="Ion">
       <a:fillStyleLst>
         <a:solidFill>
           <a:schemeClr val="phClr"/>
@@ -4649,90 +7331,76 @@
           <a:gsLst>
             <a:gs pos="0">
               <a:schemeClr val="phClr">
-                <a:tint val="83000"/>
-                <a:shade val="100000"/>
-                <a:satMod val="100000"/>
+                <a:tint val="64000"/>
+                <a:lumMod val="118000"/>
               </a:schemeClr>
             </a:gs>
             <a:gs pos="100000">
               <a:schemeClr val="phClr">
-                <a:tint val="61000"/>
+                <a:tint val="92000"/>
                 <a:alpha val="100000"/>
-                <a:satMod val="200000"/>
+                <a:lumMod val="110000"/>
               </a:schemeClr>
             </a:gs>
           </a:gsLst>
-          <a:path path="circle">
-            <a:fillToRect l="100000" t="100000" r="100000" b="100000"/>
-          </a:path>
+          <a:lin ang="5400000" scaled="0"/>
         </a:gradFill>
         <a:gradFill rotWithShape="1">
           <a:gsLst>
             <a:gs pos="0">
               <a:schemeClr val="phClr">
-                <a:shade val="85000"/>
+                <a:tint val="98000"/>
+                <a:lumMod val="114000"/>
               </a:schemeClr>
             </a:gs>
             <a:gs pos="100000">
               <a:schemeClr val="phClr">
-                <a:tint val="90000"/>
-                <a:alpha val="100000"/>
-                <a:satMod val="200000"/>
+                <a:shade val="90000"/>
+                <a:lumMod val="84000"/>
               </a:schemeClr>
             </a:gs>
           </a:gsLst>
-          <a:path path="circle">
-            <a:fillToRect l="100000" t="100000" r="100000" b="100000"/>
-          </a:path>
+          <a:lin ang="5400000" scaled="0"/>
         </a:gradFill>
       </a:fillStyleLst>
       <a:lnStyleLst>
-        <a:ln w="9525" cap="flat" cmpd="sng" algn="ctr">
+        <a:ln w="9525" cap="rnd" cmpd="sng" algn="ctr">
           <a:solidFill>
             <a:schemeClr val="phClr"/>
           </a:solidFill>
           <a:prstDash val="solid"/>
         </a:ln>
-        <a:ln w="10795" cap="flat" cmpd="sng" algn="ctr">
+        <a:ln w="19050" cap="rnd" cmpd="sng" algn="ctr">
           <a:solidFill>
             <a:schemeClr val="phClr"/>
           </a:solidFill>
           <a:prstDash val="solid"/>
         </a:ln>
-        <a:ln w="15240" cap="flat" cmpd="sng" algn="ctr">
+        <a:ln w="28575" cap="rnd" cmpd="sng" algn="ctr">
           <a:solidFill>
-            <a:schemeClr val="phClr">
-              <a:tint val="25000"/>
-              <a:alpha val="25000"/>
-            </a:schemeClr>
+            <a:schemeClr val="phClr"/>
           </a:solidFill>
           <a:prstDash val="solid"/>
         </a:ln>
       </a:lnStyleLst>
       <a:effectStyleLst>
         <a:effectStyle>
+          <a:effectLst/>
+        </a:effectStyle>
+        <a:effectStyle>
           <a:effectLst>
             <a:outerShdw blurRad="38100" dist="25400" dir="5400000" rotWithShape="0">
               <a:srgbClr val="000000">
-                <a:alpha val="40000"/>
+                <a:alpha val="45000"/>
               </a:srgbClr>
             </a:outerShdw>
           </a:effectLst>
         </a:effectStyle>
         <a:effectStyle>
           <a:effectLst>
-            <a:outerShdw blurRad="50800" dist="42924" dir="5400000" rotWithShape="0">
+            <a:outerShdw blurRad="63500" dist="38100" dir="5400000" rotWithShape="0">
               <a:srgbClr val="000000">
-                <a:alpha val="40000"/>
-              </a:srgbClr>
-            </a:outerShdw>
-          </a:effectLst>
-        </a:effectStyle>
-        <a:effectStyle>
-          <a:effectLst>
-            <a:outerShdw blurRad="50800" dist="25400" dir="5400000" rotWithShape="0">
-              <a:srgbClr val="000000">
-                <a:alpha val="40000"/>
+                <a:alpha val="60000"/>
               </a:srgbClr>
             </a:outerShdw>
           </a:effectLst>
@@ -4740,12 +7408,10 @@
             <a:camera prst="orthographicFront">
               <a:rot lat="0" lon="0" rev="0"/>
             </a:camera>
-            <a:lightRig rig="flat" dir="t">
-              <a:rot lat="0" lon="0" rev="3600000"/>
-            </a:lightRig>
+            <a:lightRig rig="threePt" dir="tl"/>
           </a:scene3d>
-          <a:sp3d prstMaterial="flat">
-            <a:bevelT w="34925" h="47625" prst="coolSlant"/>
+          <a:sp3d prstMaterial="plastic">
+            <a:bevelT w="0" h="0"/>
           </a:sp3d>
         </a:effectStyle>
       </a:effectStyleLst>
@@ -4757,64 +7423,55 @@
           <a:gsLst>
             <a:gs pos="0">
               <a:schemeClr val="phClr">
-                <a:tint val="96000"/>
-                <a:shade val="100000"/>
-                <a:alpha val="100000"/>
-                <a:satMod val="140000"/>
-              </a:schemeClr>
-            </a:gs>
-            <a:gs pos="31000">
-              <a:schemeClr val="phClr">
-                <a:tint val="100000"/>
-                <a:shade val="90000"/>
-                <a:alpha val="100000"/>
+                <a:tint val="92000"/>
+                <a:hueMod val="96000"/>
+                <a:satMod val="128000"/>
+                <a:lumMod val="114000"/>
               </a:schemeClr>
             </a:gs>
             <a:gs pos="100000">
               <a:schemeClr val="phClr">
                 <a:tint val="100000"/>
-                <a:shade val="80000"/>
-                <a:alpha val="100000"/>
-              </a:schemeClr>
-            </a:gs>
-          </a:gsLst>
-          <a:lin ang="5400000" scaled="0"/>
-        </a:gradFill>
-        <a:gradFill rotWithShape="1">
-          <a:gsLst>
-            <a:gs pos="0">
-              <a:schemeClr val="phClr">
-                <a:tint val="96000"/>
-                <a:shade val="100000"/>
-                <a:alpha val="100000"/>
-                <a:satMod val="180000"/>
-              </a:schemeClr>
-            </a:gs>
-            <a:gs pos="41000">
-              <a:schemeClr val="phClr">
-                <a:tint val="100000"/>
-                <a:shade val="100000"/>
-                <a:alpha val="100000"/>
-                <a:satMod val="150000"/>
-              </a:schemeClr>
-            </a:gs>
-            <a:gs pos="100000">
-              <a:schemeClr val="phClr">
-                <a:tint val="100000"/>
-                <a:shade val="65000"/>
-                <a:alpha val="100000"/>
+                <a:shade val="62000"/>
+                <a:hueMod val="100000"/>
+                <a:satMod val="134000"/>
+                <a:lumMod val="56000"/>
               </a:schemeClr>
             </a:gs>
           </a:gsLst>
           <a:path path="circle">
-            <a:fillToRect l="50000" t="80000" r="100000" b="100000"/>
+            <a:fillToRect l="45000" t="65000" r="125000" b="100000"/>
           </a:path>
         </a:gradFill>
+        <a:blipFill rotWithShape="1">
+          <a:blip xmlns:r="http://schemas.openxmlformats.org/officeDocument/2006/relationships" r:embed="rId1">
+            <a:duotone>
+              <a:schemeClr val="phClr">
+                <a:shade val="62000"/>
+                <a:hueMod val="108000"/>
+                <a:satMod val="164000"/>
+                <a:lumMod val="69000"/>
+              </a:schemeClr>
+              <a:schemeClr val="phClr">
+                <a:tint val="96000"/>
+                <a:hueMod val="90000"/>
+                <a:satMod val="130000"/>
+                <a:lumMod val="134000"/>
+              </a:schemeClr>
+            </a:duotone>
+          </a:blip>
+          <a:stretch/>
+        </a:blipFill>
       </a:bgFillStyleLst>
     </a:fmtScheme>
   </a:themeElements>
   <a:objectDefaults/>
   <a:extraClrSchemeLst/>
+  <a:extLst>
+    <a:ext uri="{05A4C25C-085E-4340-85A3-A5531E510DB2}">
+      <thm15:themeFamily xmlns:thm15="http://schemas.microsoft.com/office/thememl/2012/main" name="Ion" id="{B8441ADB-2E43-4AF7-B97A-BD870242C6A8}" vid="{BACC050B-8757-4460-95D8-E37B46A6B421}"/>
+    </a:ext>
+  </a:extLst>
 </a:theme>
 </file>
 

--- a/Documentation/Class Presentations/Are We There Yet Progress Report 4.pptx
+++ b/Documentation/Class Presentations/Are We There Yet Progress Report 4.pptx
@@ -6696,8 +6696,19 @@
           <a:p>
             <a:r>
               <a:rPr lang="en-US" dirty="0" smtClean="0"/>
-              <a:t>Sprint 3 Backlog</a:t>
-            </a:r>
+              <a:t>Sprint 3 </a:t>
+            </a:r>
+            <a:r>
+              <a:rPr lang="en-US" dirty="0" smtClean="0"/>
+              <a:t>Backlog</a:t>
+            </a:r>
+          </a:p>
+          <a:p>
+            <a:r>
+              <a:rPr lang="en-US" dirty="0" smtClean="0"/>
+              <a:t>Parts and design research</a:t>
+            </a:r>
+            <a:endParaRPr lang="en-US" dirty="0" smtClean="0"/>
           </a:p>
         </p:txBody>
       </p:sp>
@@ -6802,8 +6813,25 @@
           <a:p>
             <a:r>
               <a:rPr lang="en-US" dirty="0" smtClean="0"/>
-              <a:t>Final Parts List and Budget</a:t>
-            </a:r>
+              <a:t>Final Parts List and </a:t>
+            </a:r>
+            <a:r>
+              <a:rPr lang="en-US" dirty="0" smtClean="0"/>
+              <a:t>Budget</a:t>
+            </a:r>
+          </a:p>
+          <a:p>
+            <a:r>
+              <a:rPr lang="en-US" dirty="0" smtClean="0"/>
+              <a:t>Initial prototyping</a:t>
+            </a:r>
+          </a:p>
+          <a:p>
+            <a:r>
+              <a:rPr lang="en-US" dirty="0" smtClean="0"/>
+              <a:t>Parts order</a:t>
+            </a:r>
+            <a:endParaRPr lang="en-US" dirty="0" smtClean="0"/>
           </a:p>
           <a:p>
             <a:endParaRPr lang="en-US" dirty="0"/>
@@ -7032,6 +7060,12 @@
               <a:rPr lang="en-US" dirty="0" smtClean="0"/>
               <a:t>Prototype</a:t>
             </a:r>
+          </a:p>
+          <a:p>
+            <a:r>
+              <a:rPr lang="en-US" dirty="0" smtClean="0"/>
+              <a:t>Prototype testing</a:t>
+            </a:r>
             <a:endParaRPr lang="en-US" dirty="0"/>
           </a:p>
           <a:p>
@@ -7149,6 +7183,11 @@
               <a:rPr lang="en-US" dirty="0" smtClean="0"/>
               <a:t> </a:t>
             </a:r>
+            <a:r>
+              <a:rPr lang="en-US" dirty="0" smtClean="0"/>
+              <a:t>Microcontroller</a:t>
+            </a:r>
+            <a:endParaRPr lang="en-US" dirty="0" smtClean="0"/>
           </a:p>
           <a:p>
             <a:r>
@@ -7159,6 +7198,41 @@
               <a:rPr lang="en-US" dirty="0" smtClean="0"/>
               <a:t> Wheels </a:t>
             </a:r>
+            <a:endParaRPr lang="en-US" dirty="0" smtClean="0"/>
+          </a:p>
+          <a:p>
+            <a:r>
+              <a:rPr lang="en-US" dirty="0" smtClean="0"/>
+              <a:t>Stepper and gear motors</a:t>
+            </a:r>
+          </a:p>
+          <a:p>
+            <a:r>
+              <a:rPr lang="en-US" dirty="0" smtClean="0"/>
+              <a:t>Linear actuators</a:t>
+            </a:r>
+          </a:p>
+          <a:p>
+            <a:r>
+              <a:rPr lang="en-US" dirty="0" smtClean="0"/>
+              <a:t>Camera</a:t>
+            </a:r>
+          </a:p>
+          <a:p>
+            <a:r>
+              <a:rPr lang="en-US" dirty="0" smtClean="0"/>
+              <a:t>Chassis</a:t>
+            </a:r>
+          </a:p>
+          <a:p>
+            <a:r>
+              <a:rPr lang="en-US" smtClean="0"/>
+              <a:t>Batteries</a:t>
+            </a:r>
+            <a:endParaRPr lang="en-US" dirty="0" smtClean="0"/>
+          </a:p>
+          <a:p>
+            <a:endParaRPr lang="en-US" dirty="0" smtClean="0"/>
           </a:p>
           <a:p>
             <a:endParaRPr lang="en-US" dirty="0"/>
